--- a/Docs/Apresentação.pptx
+++ b/Docs/Apresentação.pptx
@@ -19,23 +19,23 @@
     <p:sldId id="303" r:id="rId10"/>
     <p:sldId id="259" r:id="rId11"/>
     <p:sldId id="300" r:id="rId12"/>
-    <p:sldId id="262" r:id="rId13"/>
-    <p:sldId id="304" r:id="rId14"/>
-    <p:sldId id="306" r:id="rId15"/>
-    <p:sldId id="305" r:id="rId16"/>
-    <p:sldId id="307" r:id="rId17"/>
-    <p:sldId id="308" r:id="rId18"/>
-    <p:sldId id="310" r:id="rId19"/>
-    <p:sldId id="311" r:id="rId20"/>
-    <p:sldId id="312" r:id="rId21"/>
-    <p:sldId id="313" r:id="rId22"/>
-    <p:sldId id="314" r:id="rId23"/>
-    <p:sldId id="315" r:id="rId24"/>
-    <p:sldId id="316" r:id="rId25"/>
-    <p:sldId id="317" r:id="rId26"/>
-    <p:sldId id="318" r:id="rId27"/>
-    <p:sldId id="319" r:id="rId28"/>
-    <p:sldId id="320" r:id="rId29"/>
+    <p:sldId id="311" r:id="rId13"/>
+    <p:sldId id="312" r:id="rId14"/>
+    <p:sldId id="313" r:id="rId15"/>
+    <p:sldId id="314" r:id="rId16"/>
+    <p:sldId id="315" r:id="rId17"/>
+    <p:sldId id="316" r:id="rId18"/>
+    <p:sldId id="317" r:id="rId19"/>
+    <p:sldId id="318" r:id="rId20"/>
+    <p:sldId id="319" r:id="rId21"/>
+    <p:sldId id="320" r:id="rId22"/>
+    <p:sldId id="262" r:id="rId23"/>
+    <p:sldId id="304" r:id="rId24"/>
+    <p:sldId id="306" r:id="rId25"/>
+    <p:sldId id="305" r:id="rId26"/>
+    <p:sldId id="307" r:id="rId27"/>
+    <p:sldId id="308" r:id="rId28"/>
+    <p:sldId id="310" r:id="rId29"/>
     <p:sldId id="321" r:id="rId30"/>
     <p:sldId id="322" r:id="rId31"/>
     <p:sldId id="323" r:id="rId32"/>
@@ -57,30 +57,18 @@
       <p:boldItalic r:id="rId43"/>
     </p:embeddedFont>
     <p:embeddedFont>
-      <p:font typeface="Fira Sans Extra Condensed Medium" panose="020B0604020202020204" charset="0"/>
+      <p:font typeface="Livvic Light" pitchFamily="2" charset="0"/>
       <p:regular r:id="rId44"/>
-      <p:bold r:id="rId45"/>
-      <p:italic r:id="rId46"/>
-      <p:boldItalic r:id="rId47"/>
-    </p:embeddedFont>
-    <p:embeddedFont>
-      <p:font typeface="Livvic Light" pitchFamily="2" charset="0"/>
-      <p:regular r:id="rId48"/>
-      <p:italic r:id="rId49"/>
+      <p:italic r:id="rId45"/>
     </p:embeddedFont>
     <p:embeddedFont>
       <p:font typeface="Maven Pro" panose="020B0604020202020204" charset="0"/>
-      <p:regular r:id="rId50"/>
-      <p:bold r:id="rId51"/>
-    </p:embeddedFont>
-    <p:embeddedFont>
-      <p:font typeface="Nunito Light" pitchFamily="2" charset="0"/>
-      <p:regular r:id="rId52"/>
-      <p:italic r:id="rId53"/>
+      <p:regular r:id="rId46"/>
+      <p:bold r:id="rId47"/>
     </p:embeddedFont>
     <p:embeddedFont>
       <p:font typeface="Share Tech" panose="020B0604020202020204" charset="0"/>
-      <p:regular r:id="rId54"/>
+      <p:regular r:id="rId48"/>
     </p:embeddedFont>
   </p:embeddedFontLst>
   <p:defaultTextStyle>
@@ -318,6 +306,14 @@
     </p:ext>
   </p:extLst>
 </p:presentation>
+</file>
+
+<file path=ppt/revisionInfo.xml><?xml version="1.0" encoding="utf-8"?>
+<p1510:revInfo xmlns:a="http://schemas.openxmlformats.org/drawingml/2006/main" xmlns:r="http://schemas.openxmlformats.org/officeDocument/2006/relationships" xmlns:p1510="http://schemas.microsoft.com/office/powerpoint/2015/10/main">
+  <p1510:revLst>
+    <p1510:client id="{701D4277-10B0-162D-BEA0-85C7DBED995E}" v="7" dt="2023-06-19T23:03:07.752"/>
+  </p1510:revLst>
+</p1510:revInfo>
 </file>
 
 <file path=ppt/notesMasters/notesMaster1.xml><?xml version="1.0" encoding="utf-8"?>
@@ -1175,6 +1171,11 @@
         </p:txBody>
       </p:sp>
     </p:spTree>
+    <p:extLst>
+      <p:ext uri="{BB962C8B-B14F-4D97-AF65-F5344CB8AC3E}">
+        <p14:creationId xmlns:p14="http://schemas.microsoft.com/office/powerpoint/2010/main" val="762171276"/>
+      </p:ext>
+    </p:extLst>
   </p:cSld>
   <p:clrMapOvr>
     <a:masterClrMapping/>
@@ -1281,7 +1282,7 @@
     </p:spTree>
     <p:extLst>
       <p:ext uri="{BB962C8B-B14F-4D97-AF65-F5344CB8AC3E}">
-        <p14:creationId xmlns:p14="http://schemas.microsoft.com/office/powerpoint/2010/main" val="1045407207"/>
+        <p14:creationId xmlns:p14="http://schemas.microsoft.com/office/powerpoint/2010/main" val="217541558"/>
       </p:ext>
     </p:extLst>
   </p:cSld>
@@ -1390,7 +1391,7 @@
     </p:spTree>
     <p:extLst>
       <p:ext uri="{BB962C8B-B14F-4D97-AF65-F5344CB8AC3E}">
-        <p14:creationId xmlns:p14="http://schemas.microsoft.com/office/powerpoint/2010/main" val="3651119664"/>
+        <p14:creationId xmlns:p14="http://schemas.microsoft.com/office/powerpoint/2010/main" val="1419684160"/>
       </p:ext>
     </p:extLst>
   </p:cSld>
@@ -1499,7 +1500,7 @@
     </p:spTree>
     <p:extLst>
       <p:ext uri="{BB962C8B-B14F-4D97-AF65-F5344CB8AC3E}">
-        <p14:creationId xmlns:p14="http://schemas.microsoft.com/office/powerpoint/2010/main" val="1893277247"/>
+        <p14:creationId xmlns:p14="http://schemas.microsoft.com/office/powerpoint/2010/main" val="2186514942"/>
       </p:ext>
     </p:extLst>
   </p:cSld>
@@ -1608,7 +1609,7 @@
     </p:spTree>
     <p:extLst>
       <p:ext uri="{BB962C8B-B14F-4D97-AF65-F5344CB8AC3E}">
-        <p14:creationId xmlns:p14="http://schemas.microsoft.com/office/powerpoint/2010/main" val="1182126033"/>
+        <p14:creationId xmlns:p14="http://schemas.microsoft.com/office/powerpoint/2010/main" val="3678859976"/>
       </p:ext>
     </p:extLst>
   </p:cSld>
@@ -1717,7 +1718,7 @@
     </p:spTree>
     <p:extLst>
       <p:ext uri="{BB962C8B-B14F-4D97-AF65-F5344CB8AC3E}">
-        <p14:creationId xmlns:p14="http://schemas.microsoft.com/office/powerpoint/2010/main" val="4157153857"/>
+        <p14:creationId xmlns:p14="http://schemas.microsoft.com/office/powerpoint/2010/main" val="833415952"/>
       </p:ext>
     </p:extLst>
   </p:cSld>
@@ -1826,7 +1827,7 @@
     </p:spTree>
     <p:extLst>
       <p:ext uri="{BB962C8B-B14F-4D97-AF65-F5344CB8AC3E}">
-        <p14:creationId xmlns:p14="http://schemas.microsoft.com/office/powerpoint/2010/main" val="4151904440"/>
+        <p14:creationId xmlns:p14="http://schemas.microsoft.com/office/powerpoint/2010/main" val="4067738080"/>
       </p:ext>
     </p:extLst>
   </p:cSld>
@@ -1935,7 +1936,7 @@
     </p:spTree>
     <p:extLst>
       <p:ext uri="{BB962C8B-B14F-4D97-AF65-F5344CB8AC3E}">
-        <p14:creationId xmlns:p14="http://schemas.microsoft.com/office/powerpoint/2010/main" val="762171276"/>
+        <p14:creationId xmlns:p14="http://schemas.microsoft.com/office/powerpoint/2010/main" val="1054222502"/>
       </p:ext>
     </p:extLst>
   </p:cSld>
@@ -2148,7 +2149,7 @@
     </p:spTree>
     <p:extLst>
       <p:ext uri="{BB962C8B-B14F-4D97-AF65-F5344CB8AC3E}">
-        <p14:creationId xmlns:p14="http://schemas.microsoft.com/office/powerpoint/2010/main" val="217541558"/>
+        <p14:creationId xmlns:p14="http://schemas.microsoft.com/office/powerpoint/2010/main" val="3795042065"/>
       </p:ext>
     </p:extLst>
   </p:cSld>
@@ -2257,7 +2258,7 @@
     </p:spTree>
     <p:extLst>
       <p:ext uri="{BB962C8B-B14F-4D97-AF65-F5344CB8AC3E}">
-        <p14:creationId xmlns:p14="http://schemas.microsoft.com/office/powerpoint/2010/main" val="1419684160"/>
+        <p14:creationId xmlns:p14="http://schemas.microsoft.com/office/powerpoint/2010/main" val="1576681564"/>
       </p:ext>
     </p:extLst>
   </p:cSld>
@@ -2364,11 +2365,6 @@
         </p:txBody>
       </p:sp>
     </p:spTree>
-    <p:extLst>
-      <p:ext uri="{BB962C8B-B14F-4D97-AF65-F5344CB8AC3E}">
-        <p14:creationId xmlns:p14="http://schemas.microsoft.com/office/powerpoint/2010/main" val="2186514942"/>
-      </p:ext>
-    </p:extLst>
   </p:cSld>
   <p:clrMapOvr>
     <a:masterClrMapping/>
@@ -2475,7 +2471,7 @@
     </p:spTree>
     <p:extLst>
       <p:ext uri="{BB962C8B-B14F-4D97-AF65-F5344CB8AC3E}">
-        <p14:creationId xmlns:p14="http://schemas.microsoft.com/office/powerpoint/2010/main" val="3678859976"/>
+        <p14:creationId xmlns:p14="http://schemas.microsoft.com/office/powerpoint/2010/main" val="1045407207"/>
       </p:ext>
     </p:extLst>
   </p:cSld>
@@ -2584,7 +2580,7 @@
     </p:spTree>
     <p:extLst>
       <p:ext uri="{BB962C8B-B14F-4D97-AF65-F5344CB8AC3E}">
-        <p14:creationId xmlns:p14="http://schemas.microsoft.com/office/powerpoint/2010/main" val="833415952"/>
+        <p14:creationId xmlns:p14="http://schemas.microsoft.com/office/powerpoint/2010/main" val="3651119664"/>
       </p:ext>
     </p:extLst>
   </p:cSld>
@@ -2693,7 +2689,7 @@
     </p:spTree>
     <p:extLst>
       <p:ext uri="{BB962C8B-B14F-4D97-AF65-F5344CB8AC3E}">
-        <p14:creationId xmlns:p14="http://schemas.microsoft.com/office/powerpoint/2010/main" val="4067738080"/>
+        <p14:creationId xmlns:p14="http://schemas.microsoft.com/office/powerpoint/2010/main" val="1893277247"/>
       </p:ext>
     </p:extLst>
   </p:cSld>
@@ -2802,7 +2798,7 @@
     </p:spTree>
     <p:extLst>
       <p:ext uri="{BB962C8B-B14F-4D97-AF65-F5344CB8AC3E}">
-        <p14:creationId xmlns:p14="http://schemas.microsoft.com/office/powerpoint/2010/main" val="1054222502"/>
+        <p14:creationId xmlns:p14="http://schemas.microsoft.com/office/powerpoint/2010/main" val="1182126033"/>
       </p:ext>
     </p:extLst>
   </p:cSld>
@@ -2911,7 +2907,7 @@
     </p:spTree>
     <p:extLst>
       <p:ext uri="{BB962C8B-B14F-4D97-AF65-F5344CB8AC3E}">
-        <p14:creationId xmlns:p14="http://schemas.microsoft.com/office/powerpoint/2010/main" val="3795042065"/>
+        <p14:creationId xmlns:p14="http://schemas.microsoft.com/office/powerpoint/2010/main" val="4157153857"/>
       </p:ext>
     </p:extLst>
   </p:cSld>
@@ -3020,7 +3016,7 @@
     </p:spTree>
     <p:extLst>
       <p:ext uri="{BB962C8B-B14F-4D97-AF65-F5344CB8AC3E}">
-        <p14:creationId xmlns:p14="http://schemas.microsoft.com/office/powerpoint/2010/main" val="1576681564"/>
+        <p14:creationId xmlns:p14="http://schemas.microsoft.com/office/powerpoint/2010/main" val="4151904440"/>
       </p:ext>
     </p:extLst>
   </p:cSld>
@@ -17087,112 +17083,8 @@
             </a:pPr>
             <a:r>
               <a:rPr lang="pt-PT" dirty="0"/>
-              <a:t>Normalização (C3)</a:t>
+              <a:t>Esquema Relacional (C4)</a:t>
             </a:r>
-          </a:p>
-        </p:txBody>
-      </p:sp>
-      <p:sp>
-        <p:nvSpPr>
-          <p:cNvPr id="2" name="Google Shape;1240;p44">
-            <a:extLst>
-              <a:ext uri="{FF2B5EF4-FFF2-40B4-BE49-F238E27FC236}">
-                <a16:creationId xmlns:a16="http://schemas.microsoft.com/office/drawing/2014/main" id="{7E00A9D4-681C-4A4F-5EA1-2AB8373900D4}"/>
-              </a:ext>
-            </a:extLst>
-          </p:cNvPr>
-          <p:cNvSpPr/>
-          <p:nvPr/>
-        </p:nvSpPr>
-        <p:spPr>
-          <a:xfrm>
-            <a:off x="372114" y="1482968"/>
-            <a:ext cx="6769550" cy="1840909"/>
-          </a:xfrm>
-          <a:prstGeom prst="roundRect">
-            <a:avLst>
-              <a:gd name="adj" fmla="val 16667"/>
-            </a:avLst>
-          </a:prstGeom>
-          <a:noFill/>
-          <a:ln w="19050" cap="flat" cmpd="sng">
-            <a:solidFill>
-              <a:schemeClr val="accent1"/>
-            </a:solidFill>
-            <a:prstDash val="solid"/>
-            <a:round/>
-            <a:headEnd type="none" w="sm" len="sm"/>
-            <a:tailEnd type="none" w="sm" len="sm"/>
-          </a:ln>
-        </p:spPr>
-        <p:txBody>
-          <a:bodyPr spcFirstLastPara="1" wrap="square" lIns="91425" tIns="91425" rIns="91425" bIns="91425" anchor="ctr" anchorCtr="0">
-            <a:noAutofit/>
-          </a:bodyPr>
-          <a:lstStyle/>
-          <a:p>
-            <a:pPr marL="0" lvl="0" indent="0" algn="l" rtl="0">
-              <a:spcBef>
-                <a:spcPts val="0"/>
-              </a:spcBef>
-              <a:spcAft>
-                <a:spcPts val="0"/>
-              </a:spcAft>
-              <a:buNone/>
-            </a:pPr>
-            <a:endParaRPr/>
-          </a:p>
-        </p:txBody>
-      </p:sp>
-      <p:sp>
-        <p:nvSpPr>
-          <p:cNvPr id="3" name="Google Shape;1241;p44">
-            <a:extLst>
-              <a:ext uri="{FF2B5EF4-FFF2-40B4-BE49-F238E27FC236}">
-                <a16:creationId xmlns:a16="http://schemas.microsoft.com/office/drawing/2014/main" id="{176BAA0D-0DB8-C116-40A9-1EE5C58B06EB}"/>
-              </a:ext>
-            </a:extLst>
-          </p:cNvPr>
-          <p:cNvSpPr/>
-          <p:nvPr/>
-        </p:nvSpPr>
-        <p:spPr>
-          <a:xfrm>
-            <a:off x="505768" y="1591242"/>
-            <a:ext cx="6470326" cy="1616561"/>
-          </a:xfrm>
-          <a:prstGeom prst="roundRect">
-            <a:avLst>
-              <a:gd name="adj" fmla="val 16667"/>
-            </a:avLst>
-          </a:prstGeom>
-          <a:noFill/>
-          <a:ln w="9525" cap="flat" cmpd="sng">
-            <a:solidFill>
-              <a:schemeClr val="lt2"/>
-            </a:solidFill>
-            <a:prstDash val="solid"/>
-            <a:round/>
-            <a:headEnd type="none" w="sm" len="sm"/>
-            <a:tailEnd type="none" w="sm" len="sm"/>
-          </a:ln>
-        </p:spPr>
-        <p:txBody>
-          <a:bodyPr spcFirstLastPara="1" wrap="square" lIns="91425" tIns="91425" rIns="91425" bIns="91425" anchor="ctr" anchorCtr="0">
-            <a:noAutofit/>
-          </a:bodyPr>
-          <a:lstStyle/>
-          <a:p>
-            <a:pPr marL="0" lvl="0" indent="0" algn="l" rtl="0">
-              <a:spcBef>
-                <a:spcPts val="0"/>
-              </a:spcBef>
-              <a:spcAft>
-                <a:spcPts val="0"/>
-              </a:spcAft>
-              <a:buNone/>
-            </a:pPr>
-            <a:endParaRPr/>
           </a:p>
         </p:txBody>
       </p:sp>
@@ -17228,10 +17120,10 @@
       </p:pic>
       <p:sp>
         <p:nvSpPr>
-          <p:cNvPr id="8" name="CaixaDeTexto 7">
+          <p:cNvPr id="23" name="CaixaDeTexto 22">
             <a:extLst>
               <a:ext uri="{FF2B5EF4-FFF2-40B4-BE49-F238E27FC236}">
-                <a16:creationId xmlns:a16="http://schemas.microsoft.com/office/drawing/2014/main" id="{431BBFDB-7EB5-AE6B-6FB7-6B67C79F9BDD}"/>
+                <a16:creationId xmlns:a16="http://schemas.microsoft.com/office/drawing/2014/main" id="{0203FF76-21E8-4F5D-F21E-5777216807AC}"/>
               </a:ext>
             </a:extLst>
           </p:cNvPr>
@@ -17240,8 +17132,8 @@
         </p:nvSpPr>
         <p:spPr>
           <a:xfrm>
-            <a:off x="559151" y="1688221"/>
-            <a:ext cx="6301304" cy="1384995"/>
+            <a:off x="443348" y="989475"/>
+            <a:ext cx="6306778" cy="1600438"/>
           </a:xfrm>
           <a:prstGeom prst="rect">
             <a:avLst/>
@@ -17254,49 +17146,218 @@
           </a:bodyPr>
           <a:lstStyle/>
           <a:p>
+            <a:pPr algn="l"/>
             <a:r>
-              <a:rPr lang="pt-PT" b="1" dirty="0">
+              <a:rPr lang="pt-PT" b="1" i="0" dirty="0">
                 <a:solidFill>
                   <a:schemeClr val="bg1"/>
                 </a:solidFill>
+                <a:effectLst/>
                 <a:latin typeface="Maven Pro" panose="020B0604020202020204" charset="0"/>
               </a:rPr>
-              <a:t>1ª Forma Normal (1NF)</a:t>
+              <a:t>Passo 1 – Entidades-tipo</a:t>
             </a:r>
           </a:p>
           <a:p>
-            <a:r>
-              <a:rPr lang="pt-PT" dirty="0">
-                <a:solidFill>
-                  <a:schemeClr val="bg1"/>
-                </a:solidFill>
-                <a:latin typeface="Maven Pro" panose="020B0604020202020204" charset="0"/>
-              </a:rPr>
-              <a:t>Verificamos que todos os atributos contêm valores atómicos e que não existem repetições de grupos de valores.</a:t>
-            </a:r>
-          </a:p>
-          <a:p>
-            <a:endParaRPr lang="pt-PT" dirty="0">
+            <a:pPr algn="l"/>
+            <a:endParaRPr lang="pt-PT" b="1" i="0" dirty="0">
               <a:solidFill>
                 <a:schemeClr val="bg1"/>
               </a:solidFill>
+              <a:effectLst/>
               <a:latin typeface="Maven Pro" panose="020B0604020202020204" charset="0"/>
             </a:endParaRPr>
           </a:p>
           <a:p>
+            <a:pPr algn="l"/>
             <a:r>
-              <a:rPr lang="pt-PT" dirty="0">
+              <a:rPr lang="pt-PT" b="0" i="0" dirty="0">
                 <a:solidFill>
                   <a:schemeClr val="bg1"/>
                 </a:solidFill>
+                <a:effectLst/>
                 <a:latin typeface="Maven Pro" panose="020B0604020202020204" charset="0"/>
               </a:rPr>
-              <a:t>Não tendo atributos de multivalor, e sendo os valores destes atómicos, verificamos que está na 1NF</a:t>
+              <a:t>Estudantes (nContribuinte, plano_de_curso, nome, dataNascimentoEst)</a:t>
             </a:r>
           </a:p>
+          <a:p>
+            <a:pPr algn="l"/>
+            <a:r>
+              <a:rPr lang="pt-PT" b="0" i="0" dirty="0">
+                <a:solidFill>
+                  <a:schemeClr val="bg1"/>
+                </a:solidFill>
+                <a:effectLst/>
+                <a:latin typeface="Maven Pro" panose="020B0604020202020204" charset="0"/>
+              </a:rPr>
+              <a:t>Projetos (orçamentos, dtFinal, dtIncio, número)</a:t>
+            </a:r>
+          </a:p>
+          <a:p>
+            <a:pPr algn="l"/>
+            <a:r>
+              <a:rPr lang="pt-PT" b="0" i="0" dirty="0">
+                <a:solidFill>
+                  <a:schemeClr val="bg1"/>
+                </a:solidFill>
+                <a:effectLst/>
+                <a:latin typeface="Maven Pro" panose="020B0604020202020204" charset="0"/>
+              </a:rPr>
+              <a:t>Professores (nContribuinte, dataNascimento, nome, especialidade, posto)</a:t>
+            </a:r>
+          </a:p>
+          <a:p>
+            <a:pPr algn="l"/>
+            <a:r>
+              <a:rPr lang="pt-PT" b="0" i="0" dirty="0">
+                <a:solidFill>
+                  <a:schemeClr val="bg1"/>
+                </a:solidFill>
+                <a:effectLst/>
+                <a:latin typeface="Maven Pro" panose="020B0604020202020204" charset="0"/>
+              </a:rPr>
+              <a:t>Departamento (nome, escritório, número)</a:t>
+            </a:r>
+          </a:p>
+          <a:p>
+            <a:pPr algn="l"/>
+            <a:r>
+              <a:rPr lang="pt-PT" b="0" i="0" dirty="0">
+                <a:solidFill>
+                  <a:schemeClr val="bg1"/>
+                </a:solidFill>
+                <a:effectLst/>
+                <a:latin typeface="Maven Pro" panose="020B0604020202020204" charset="0"/>
+              </a:rPr>
+              <a:t>Organismo financiador (identificação, nome)</a:t>
+            </a:r>
+          </a:p>
         </p:txBody>
       </p:sp>
+      <p:sp>
+        <p:nvSpPr>
+          <p:cNvPr id="25" name="CaixaDeTexto 24">
+            <a:extLst>
+              <a:ext uri="{FF2B5EF4-FFF2-40B4-BE49-F238E27FC236}">
+                <a16:creationId xmlns:a16="http://schemas.microsoft.com/office/drawing/2014/main" id="{D151EEA1-A4E2-8603-C95D-0E8FFE6102CF}"/>
+              </a:ext>
+            </a:extLst>
+          </p:cNvPr>
+          <p:cNvSpPr txBox="1"/>
+          <p:nvPr/>
+        </p:nvSpPr>
+        <p:spPr>
+          <a:xfrm>
+            <a:off x="443348" y="2803764"/>
+            <a:ext cx="7420281" cy="1600438"/>
+          </a:xfrm>
+          <a:prstGeom prst="rect">
+            <a:avLst/>
+          </a:prstGeom>
+          <a:noFill/>
+        </p:spPr>
+        <p:txBody>
+          <a:bodyPr wrap="square">
+            <a:spAutoFit/>
+          </a:bodyPr>
+          <a:lstStyle/>
+          <a:p>
+            <a:pPr algn="l"/>
+            <a:r>
+              <a:rPr lang="pt-PT" b="1" i="0" dirty="0">
+                <a:solidFill>
+                  <a:schemeClr val="bg1"/>
+                </a:solidFill>
+                <a:effectLst/>
+                <a:latin typeface="Maven Pro" panose="020B0604020202020204" charset="0"/>
+              </a:rPr>
+              <a:t>Passo 2 – associação 1:1</a:t>
+            </a:r>
+          </a:p>
+          <a:p>
+            <a:pPr algn="l"/>
+            <a:endParaRPr lang="pt-PT" b="1" i="0" dirty="0">
+              <a:solidFill>
+                <a:schemeClr val="bg1"/>
+              </a:solidFill>
+              <a:effectLst/>
+              <a:latin typeface="Maven Pro" panose="020B0604020202020204" charset="0"/>
+            </a:endParaRPr>
+          </a:p>
+          <a:p>
+            <a:pPr algn="l"/>
+            <a:r>
+              <a:rPr lang="pt-PT" b="0" i="0" dirty="0">
+                <a:solidFill>
+                  <a:schemeClr val="bg1"/>
+                </a:solidFill>
+                <a:effectLst/>
+                <a:latin typeface="Maven Pro" panose="020B0604020202020204" charset="0"/>
+              </a:rPr>
+              <a:t>Estudantes (nContribuinte, plano_de_curso, nome, dataNascimentoEst)</a:t>
+            </a:r>
+          </a:p>
+          <a:p>
+            <a:pPr algn="l"/>
+            <a:r>
+              <a:rPr lang="pt-PT" b="0" i="0" dirty="0">
+                <a:solidFill>
+                  <a:schemeClr val="bg1"/>
+                </a:solidFill>
+                <a:effectLst/>
+                <a:latin typeface="Maven Pro" panose="020B0604020202020204" charset="0"/>
+              </a:rPr>
+              <a:t>Projetos (orçamentos, dtFinal, dtIncio, número #nContribuinte &gt; Professores)</a:t>
+            </a:r>
+          </a:p>
+          <a:p>
+            <a:pPr algn="l"/>
+            <a:r>
+              <a:rPr lang="pt-PT" b="0" i="0" dirty="0">
+                <a:solidFill>
+                  <a:schemeClr val="bg1"/>
+                </a:solidFill>
+                <a:effectLst/>
+                <a:latin typeface="Maven Pro" panose="020B0604020202020204" charset="0"/>
+              </a:rPr>
+              <a:t>Professores (nContribuinte, dataNascimento, nome, especialidade, posto)</a:t>
+            </a:r>
+          </a:p>
+          <a:p>
+            <a:pPr algn="l"/>
+            <a:r>
+              <a:rPr lang="pt-PT" b="0" i="0" dirty="0">
+                <a:solidFill>
+                  <a:schemeClr val="bg1"/>
+                </a:solidFill>
+                <a:effectLst/>
+                <a:latin typeface="Maven Pro" panose="020B0604020202020204" charset="0"/>
+              </a:rPr>
+              <a:t>Departamento (nome, escritório, número)</a:t>
+            </a:r>
+          </a:p>
+          <a:p>
+            <a:pPr algn="l"/>
+            <a:r>
+              <a:rPr lang="pt-PT" b="0" i="0" dirty="0">
+                <a:solidFill>
+                  <a:schemeClr val="bg1"/>
+                </a:solidFill>
+                <a:effectLst/>
+                <a:latin typeface="Maven Pro" panose="020B0604020202020204" charset="0"/>
+              </a:rPr>
+              <a:t>Organismo financiador (identificação, nome)</a:t>
+            </a:r>
+          </a:p>
+        </p:txBody>
+      </p:sp>
     </p:spTree>
+    <p:extLst>
+      <p:ext uri="{BB962C8B-B14F-4D97-AF65-F5344CB8AC3E}">
+        <p14:creationId xmlns:p14="http://schemas.microsoft.com/office/powerpoint/2010/main" val="3815151236"/>
+      </p:ext>
+    </p:extLst>
   </p:cSld>
   <p:clrMapOvr>
     <a:masterClrMapping/>
@@ -17357,112 +17418,8 @@
             </a:pPr>
             <a:r>
               <a:rPr lang="pt-PT" dirty="0"/>
-              <a:t>Normalização (C3)</a:t>
+              <a:t>Esquema Relacional (C4)</a:t>
             </a:r>
-          </a:p>
-        </p:txBody>
-      </p:sp>
-      <p:sp>
-        <p:nvSpPr>
-          <p:cNvPr id="2" name="Google Shape;1240;p44">
-            <a:extLst>
-              <a:ext uri="{FF2B5EF4-FFF2-40B4-BE49-F238E27FC236}">
-                <a16:creationId xmlns:a16="http://schemas.microsoft.com/office/drawing/2014/main" id="{7E00A9D4-681C-4A4F-5EA1-2AB8373900D4}"/>
-              </a:ext>
-            </a:extLst>
-          </p:cNvPr>
-          <p:cNvSpPr/>
-          <p:nvPr/>
-        </p:nvSpPr>
-        <p:spPr>
-          <a:xfrm>
-            <a:off x="380443" y="1482968"/>
-            <a:ext cx="6374101" cy="1440442"/>
-          </a:xfrm>
-          <a:prstGeom prst="roundRect">
-            <a:avLst>
-              <a:gd name="adj" fmla="val 16667"/>
-            </a:avLst>
-          </a:prstGeom>
-          <a:noFill/>
-          <a:ln w="19050" cap="flat" cmpd="sng">
-            <a:solidFill>
-              <a:schemeClr val="accent1"/>
-            </a:solidFill>
-            <a:prstDash val="solid"/>
-            <a:round/>
-            <a:headEnd type="none" w="sm" len="sm"/>
-            <a:tailEnd type="none" w="sm" len="sm"/>
-          </a:ln>
-        </p:spPr>
-        <p:txBody>
-          <a:bodyPr spcFirstLastPara="1" wrap="square" lIns="91425" tIns="91425" rIns="91425" bIns="91425" anchor="ctr" anchorCtr="0">
-            <a:noAutofit/>
-          </a:bodyPr>
-          <a:lstStyle/>
-          <a:p>
-            <a:pPr marL="0" lvl="0" indent="0" algn="l" rtl="0">
-              <a:spcBef>
-                <a:spcPts val="0"/>
-              </a:spcBef>
-              <a:spcAft>
-                <a:spcPts val="0"/>
-              </a:spcAft>
-              <a:buNone/>
-            </a:pPr>
-            <a:endParaRPr/>
-          </a:p>
-        </p:txBody>
-      </p:sp>
-      <p:sp>
-        <p:nvSpPr>
-          <p:cNvPr id="3" name="Google Shape;1241;p44">
-            <a:extLst>
-              <a:ext uri="{FF2B5EF4-FFF2-40B4-BE49-F238E27FC236}">
-                <a16:creationId xmlns:a16="http://schemas.microsoft.com/office/drawing/2014/main" id="{176BAA0D-0DB8-C116-40A9-1EE5C58B06EB}"/>
-              </a:ext>
-            </a:extLst>
-          </p:cNvPr>
-          <p:cNvSpPr/>
-          <p:nvPr/>
-        </p:nvSpPr>
-        <p:spPr>
-          <a:xfrm>
-            <a:off x="505767" y="1591242"/>
-            <a:ext cx="6120385" cy="1201509"/>
-          </a:xfrm>
-          <a:prstGeom prst="roundRect">
-            <a:avLst>
-              <a:gd name="adj" fmla="val 16667"/>
-            </a:avLst>
-          </a:prstGeom>
-          <a:noFill/>
-          <a:ln w="9525" cap="flat" cmpd="sng">
-            <a:solidFill>
-              <a:schemeClr val="lt2"/>
-            </a:solidFill>
-            <a:prstDash val="solid"/>
-            <a:round/>
-            <a:headEnd type="none" w="sm" len="sm"/>
-            <a:tailEnd type="none" w="sm" len="sm"/>
-          </a:ln>
-        </p:spPr>
-        <p:txBody>
-          <a:bodyPr spcFirstLastPara="1" wrap="square" lIns="91425" tIns="91425" rIns="91425" bIns="91425" anchor="ctr" anchorCtr="0">
-            <a:noAutofit/>
-          </a:bodyPr>
-          <a:lstStyle/>
-          <a:p>
-            <a:pPr marL="0" lvl="0" indent="0" algn="l" rtl="0">
-              <a:spcBef>
-                <a:spcPts val="0"/>
-              </a:spcBef>
-              <a:spcAft>
-                <a:spcPts val="0"/>
-              </a:spcAft>
-              <a:buNone/>
-            </a:pPr>
-            <a:endParaRPr/>
           </a:p>
         </p:txBody>
       </p:sp>
@@ -17498,10 +17455,10 @@
       </p:pic>
       <p:sp>
         <p:nvSpPr>
-          <p:cNvPr id="8" name="CaixaDeTexto 7">
+          <p:cNvPr id="23" name="CaixaDeTexto 22">
             <a:extLst>
               <a:ext uri="{FF2B5EF4-FFF2-40B4-BE49-F238E27FC236}">
-                <a16:creationId xmlns:a16="http://schemas.microsoft.com/office/drawing/2014/main" id="{431BBFDB-7EB5-AE6B-6FB7-6B67C79F9BDD}"/>
+                <a16:creationId xmlns:a16="http://schemas.microsoft.com/office/drawing/2014/main" id="{0203FF76-21E8-4F5D-F21E-5777216807AC}"/>
               </a:ext>
             </a:extLst>
           </p:cNvPr>
@@ -17510,8 +17467,8 @@
         </p:nvSpPr>
         <p:spPr>
           <a:xfrm>
-            <a:off x="602993" y="1623200"/>
-            <a:ext cx="6148483" cy="1169551"/>
+            <a:off x="443348" y="1354990"/>
+            <a:ext cx="8000104" cy="2246769"/>
           </a:xfrm>
           <a:prstGeom prst="rect">
             <a:avLst/>
@@ -17524,44 +17481,109 @@
           </a:bodyPr>
           <a:lstStyle/>
           <a:p>
+            <a:pPr algn="l"/>
             <a:r>
-              <a:rPr lang="pt-PT" b="1" dirty="0">
+              <a:rPr lang="pt-PT" b="1" i="0" dirty="0">
                 <a:solidFill>
                   <a:schemeClr val="bg1"/>
                 </a:solidFill>
+                <a:effectLst/>
                 <a:latin typeface="Maven Pro" panose="020B0604020202020204" charset="0"/>
               </a:rPr>
-              <a:t>2ª Forma Normal (2NF)</a:t>
+              <a:t>Passo 3 – associação 1:N</a:t>
             </a:r>
           </a:p>
           <a:p>
+            <a:pPr algn="l"/>
+            <a:endParaRPr lang="pt-PT" b="1" i="0" dirty="0">
+              <a:solidFill>
+                <a:schemeClr val="bg1"/>
+              </a:solidFill>
+              <a:effectLst/>
+              <a:latin typeface="Maven Pro" panose="020B0604020202020204" charset="0"/>
+            </a:endParaRPr>
+          </a:p>
+          <a:p>
+            <a:pPr algn="l"/>
             <a:r>
-              <a:rPr lang="pt-PT" dirty="0">
+              <a:rPr lang="pt-PT" b="0" i="0" dirty="0">
                 <a:solidFill>
                   <a:schemeClr val="bg1"/>
                 </a:solidFill>
+                <a:effectLst/>
                 <a:latin typeface="Maven Pro" panose="020B0604020202020204" charset="0"/>
               </a:rPr>
-              <a:t>Verificamos se todos os atributos que não sejam chaves dependem totalmente da chave primária</a:t>
+              <a:t>Estudantes (nContribuinte, plano_de_curso, nome, dataNascimentoEst, #número &gt; Departamento)</a:t>
             </a:r>
           </a:p>
           <a:p>
+            <a:pPr algn="l"/>
             <a:r>
-              <a:rPr lang="pt-PT" dirty="0">
+              <a:rPr lang="pt-PT" b="0" i="0" dirty="0">
                 <a:solidFill>
                   <a:schemeClr val="bg1"/>
                 </a:solidFill>
+                <a:effectLst/>
                 <a:latin typeface="Maven Pro" panose="020B0604020202020204" charset="0"/>
               </a:rPr>
-              <a:t>Uma vez que não existem dependências parciais, verificamos que está na 2NF</a:t>
+              <a:t>Projetos (orçamentos, dtFinal, dtIncio, número #nContribuinte &gt; Professores, #identificação &gt; Organismo Financiador)</a:t>
             </a:r>
+          </a:p>
+          <a:p>
+            <a:pPr algn="l"/>
+            <a:r>
+              <a:rPr lang="pt-PT" b="0" i="0" dirty="0">
+                <a:solidFill>
+                  <a:schemeClr val="bg1"/>
+                </a:solidFill>
+                <a:effectLst/>
+                <a:latin typeface="Maven Pro" panose="020B0604020202020204" charset="0"/>
+              </a:rPr>
+              <a:t>Professores (nContribuinte, dataNascimento, nome, especialidade, posto)</a:t>
+            </a:r>
+          </a:p>
+          <a:p>
+            <a:pPr algn="l"/>
+            <a:r>
+              <a:rPr lang="pt-PT" b="0" i="0" dirty="0">
+                <a:solidFill>
+                  <a:schemeClr val="bg1"/>
+                </a:solidFill>
+                <a:effectLst/>
+                <a:latin typeface="Maven Pro" panose="020B0604020202020204" charset="0"/>
+              </a:rPr>
+              <a:t>Departamento (nome, escritório, número, #nContribuinte &gt; Professores)</a:t>
+            </a:r>
+          </a:p>
+          <a:p>
+            <a:pPr algn="l"/>
+            <a:r>
+              <a:rPr lang="pt-PT" b="0" i="0" dirty="0">
+                <a:solidFill>
+                  <a:schemeClr val="bg1"/>
+                </a:solidFill>
+                <a:effectLst/>
+                <a:latin typeface="Maven Pro" panose="020B0604020202020204" charset="0"/>
+              </a:rPr>
+              <a:t>Organismo financiador (identificação, nome)</a:t>
+            </a:r>
+          </a:p>
+          <a:p>
+            <a:pPr algn="l"/>
+            <a:endParaRPr lang="pt-PT" b="0" i="0" dirty="0">
+              <a:solidFill>
+                <a:schemeClr val="bg1"/>
+              </a:solidFill>
+              <a:effectLst/>
+              <a:latin typeface="-apple-system"/>
+            </a:endParaRPr>
           </a:p>
         </p:txBody>
       </p:sp>
     </p:spTree>
     <p:extLst>
       <p:ext uri="{BB962C8B-B14F-4D97-AF65-F5344CB8AC3E}">
-        <p14:creationId xmlns:p14="http://schemas.microsoft.com/office/powerpoint/2010/main" val="1460015671"/>
+        <p14:creationId xmlns:p14="http://schemas.microsoft.com/office/powerpoint/2010/main" val="1571667576"/>
       </p:ext>
     </p:extLst>
   </p:cSld>
@@ -17624,112 +17646,8 @@
             </a:pPr>
             <a:r>
               <a:rPr lang="pt-PT" dirty="0"/>
-              <a:t>Normalização (C3)</a:t>
+              <a:t>Esquema Relacional (C4)</a:t>
             </a:r>
-          </a:p>
-        </p:txBody>
-      </p:sp>
-      <p:sp>
-        <p:nvSpPr>
-          <p:cNvPr id="2" name="Google Shape;1240;p44">
-            <a:extLst>
-              <a:ext uri="{FF2B5EF4-FFF2-40B4-BE49-F238E27FC236}">
-                <a16:creationId xmlns:a16="http://schemas.microsoft.com/office/drawing/2014/main" id="{7E00A9D4-681C-4A4F-5EA1-2AB8373900D4}"/>
-              </a:ext>
-            </a:extLst>
-          </p:cNvPr>
-          <p:cNvSpPr/>
-          <p:nvPr/>
-        </p:nvSpPr>
-        <p:spPr>
-          <a:xfrm>
-            <a:off x="380443" y="1482968"/>
-            <a:ext cx="6374101" cy="1186813"/>
-          </a:xfrm>
-          <a:prstGeom prst="roundRect">
-            <a:avLst>
-              <a:gd name="adj" fmla="val 16667"/>
-            </a:avLst>
-          </a:prstGeom>
-          <a:noFill/>
-          <a:ln w="19050" cap="flat" cmpd="sng">
-            <a:solidFill>
-              <a:schemeClr val="accent1"/>
-            </a:solidFill>
-            <a:prstDash val="solid"/>
-            <a:round/>
-            <a:headEnd type="none" w="sm" len="sm"/>
-            <a:tailEnd type="none" w="sm" len="sm"/>
-          </a:ln>
-        </p:spPr>
-        <p:txBody>
-          <a:bodyPr spcFirstLastPara="1" wrap="square" lIns="91425" tIns="91425" rIns="91425" bIns="91425" anchor="ctr" anchorCtr="0">
-            <a:noAutofit/>
-          </a:bodyPr>
-          <a:lstStyle/>
-          <a:p>
-            <a:pPr marL="0" lvl="0" indent="0" algn="l" rtl="0">
-              <a:spcBef>
-                <a:spcPts val="0"/>
-              </a:spcBef>
-              <a:spcAft>
-                <a:spcPts val="0"/>
-              </a:spcAft>
-              <a:buNone/>
-            </a:pPr>
-            <a:endParaRPr/>
-          </a:p>
-        </p:txBody>
-      </p:sp>
-      <p:sp>
-        <p:nvSpPr>
-          <p:cNvPr id="3" name="Google Shape;1241;p44">
-            <a:extLst>
-              <a:ext uri="{FF2B5EF4-FFF2-40B4-BE49-F238E27FC236}">
-                <a16:creationId xmlns:a16="http://schemas.microsoft.com/office/drawing/2014/main" id="{176BAA0D-0DB8-C116-40A9-1EE5C58B06EB}"/>
-              </a:ext>
-            </a:extLst>
-          </p:cNvPr>
-          <p:cNvSpPr/>
-          <p:nvPr/>
-        </p:nvSpPr>
-        <p:spPr>
-          <a:xfrm>
-            <a:off x="505767" y="1591243"/>
-            <a:ext cx="6120385" cy="980508"/>
-          </a:xfrm>
-          <a:prstGeom prst="roundRect">
-            <a:avLst>
-              <a:gd name="adj" fmla="val 16667"/>
-            </a:avLst>
-          </a:prstGeom>
-          <a:noFill/>
-          <a:ln w="9525" cap="flat" cmpd="sng">
-            <a:solidFill>
-              <a:schemeClr val="lt2"/>
-            </a:solidFill>
-            <a:prstDash val="solid"/>
-            <a:round/>
-            <a:headEnd type="none" w="sm" len="sm"/>
-            <a:tailEnd type="none" w="sm" len="sm"/>
-          </a:ln>
-        </p:spPr>
-        <p:txBody>
-          <a:bodyPr spcFirstLastPara="1" wrap="square" lIns="91425" tIns="91425" rIns="91425" bIns="91425" anchor="ctr" anchorCtr="0">
-            <a:noAutofit/>
-          </a:bodyPr>
-          <a:lstStyle/>
-          <a:p>
-            <a:pPr marL="0" lvl="0" indent="0" algn="l" rtl="0">
-              <a:spcBef>
-                <a:spcPts val="0"/>
-              </a:spcBef>
-              <a:spcAft>
-                <a:spcPts val="0"/>
-              </a:spcAft>
-              <a:buNone/>
-            </a:pPr>
-            <a:endParaRPr/>
           </a:p>
         </p:txBody>
       </p:sp>
@@ -17765,10 +17683,10 @@
       </p:pic>
       <p:sp>
         <p:nvSpPr>
-          <p:cNvPr id="8" name="CaixaDeTexto 7">
+          <p:cNvPr id="23" name="CaixaDeTexto 22">
             <a:extLst>
               <a:ext uri="{FF2B5EF4-FFF2-40B4-BE49-F238E27FC236}">
-                <a16:creationId xmlns:a16="http://schemas.microsoft.com/office/drawing/2014/main" id="{431BBFDB-7EB5-AE6B-6FB7-6B67C79F9BDD}"/>
+                <a16:creationId xmlns:a16="http://schemas.microsoft.com/office/drawing/2014/main" id="{0203FF76-21E8-4F5D-F21E-5777216807AC}"/>
               </a:ext>
             </a:extLst>
           </p:cNvPr>
@@ -17777,8 +17695,8 @@
         </p:nvSpPr>
         <p:spPr>
           <a:xfrm>
-            <a:off x="602993" y="1623200"/>
-            <a:ext cx="6148483" cy="954107"/>
+            <a:off x="443348" y="1377112"/>
+            <a:ext cx="8000104" cy="2893100"/>
           </a:xfrm>
           <a:prstGeom prst="rect">
             <a:avLst/>
@@ -17791,33 +17709,145 @@
           </a:bodyPr>
           <a:lstStyle/>
           <a:p>
+            <a:pPr algn="l"/>
             <a:r>
-              <a:rPr lang="pt-PT" b="1" dirty="0">
+              <a:rPr lang="pt-PT" b="1" i="0" dirty="0">
                 <a:solidFill>
                   <a:schemeClr val="bg1"/>
                 </a:solidFill>
+                <a:effectLst/>
                 <a:latin typeface="Maven Pro" panose="020B0604020202020204" charset="0"/>
               </a:rPr>
-              <a:t>3ª Forma Normal (3NF)</a:t>
+              <a:t>Passo 4 – associação N:M</a:t>
             </a:r>
           </a:p>
           <a:p>
+            <a:pPr algn="l"/>
+            <a:endParaRPr lang="pt-PT" b="0" i="0" dirty="0">
+              <a:solidFill>
+                <a:schemeClr val="bg1"/>
+              </a:solidFill>
+              <a:effectLst/>
+              <a:latin typeface="Maven Pro" panose="020B0604020202020204" charset="0"/>
+            </a:endParaRPr>
+          </a:p>
+          <a:p>
+            <a:pPr algn="l"/>
             <a:r>
-              <a:rPr lang="pt-PT" dirty="0">
+              <a:rPr lang="pt-PT" b="0" i="0" dirty="0">
                 <a:solidFill>
                   <a:schemeClr val="bg1"/>
                 </a:solidFill>
+                <a:effectLst/>
                 <a:latin typeface="Maven Pro" panose="020B0604020202020204" charset="0"/>
               </a:rPr>
-              <a:t>Verificamos a existência de dependências transitivas e removemos qualquer dependência onde um atributo dependa de outro atributo não chave.</a:t>
+              <a:t>Estudantes (nContribuinte, plano_de_curso, nome, dataNascimentoEst, #número &gt; Departamento)</a:t>
             </a:r>
+          </a:p>
+          <a:p>
+            <a:pPr algn="l"/>
+            <a:r>
+              <a:rPr lang="pt-PT" b="0" i="0" dirty="0">
+                <a:solidFill>
+                  <a:schemeClr val="bg1"/>
+                </a:solidFill>
+                <a:effectLst/>
+                <a:latin typeface="Maven Pro" panose="020B0604020202020204" charset="0"/>
+              </a:rPr>
+              <a:t>Projetos (orçamentos, dtFinal, dtIncio, número #nContribuinte &gt; Professores, #identificação &gt; Organismo Financiador)</a:t>
+            </a:r>
+          </a:p>
+          <a:p>
+            <a:pPr algn="l"/>
+            <a:r>
+              <a:rPr lang="pt-PT" b="0" i="0" dirty="0">
+                <a:solidFill>
+                  <a:schemeClr val="bg1"/>
+                </a:solidFill>
+                <a:effectLst/>
+                <a:latin typeface="Maven Pro" panose="020B0604020202020204" charset="0"/>
+              </a:rPr>
+              <a:t>Professores (nContribuinte, dataNascimento, nome, especialidade, posto)</a:t>
+            </a:r>
+          </a:p>
+          <a:p>
+            <a:pPr algn="l"/>
+            <a:r>
+              <a:rPr lang="pt-PT" b="0" i="0" dirty="0">
+                <a:solidFill>
+                  <a:schemeClr val="bg1"/>
+                </a:solidFill>
+                <a:effectLst/>
+                <a:latin typeface="Maven Pro" panose="020B0604020202020204" charset="0"/>
+              </a:rPr>
+              <a:t>Departamento (nome, escritório, número, #nContribuinte &gt; Professores)</a:t>
+            </a:r>
+          </a:p>
+          <a:p>
+            <a:pPr algn="l"/>
+            <a:r>
+              <a:rPr lang="pt-PT" b="0" i="0" dirty="0">
+                <a:solidFill>
+                  <a:schemeClr val="bg1"/>
+                </a:solidFill>
+                <a:effectLst/>
+                <a:latin typeface="Maven Pro" panose="020B0604020202020204" charset="0"/>
+              </a:rPr>
+              <a:t>Organismo financiador (identificação, nome)</a:t>
+            </a:r>
+          </a:p>
+          <a:p>
+            <a:pPr algn="l"/>
+            <a:r>
+              <a:rPr lang="pt-PT" b="0" i="0" dirty="0">
+                <a:solidFill>
+                  <a:schemeClr val="bg1"/>
+                </a:solidFill>
+                <a:effectLst/>
+                <a:latin typeface="Maven Pro" panose="020B0604020202020204" charset="0"/>
+              </a:rPr>
+              <a:t>Trabalham (#nContribuinte &gt; Professor, #número &gt; Departamento, percentagemTempo)</a:t>
+            </a:r>
+          </a:p>
+          <a:p>
+            <a:pPr algn="l"/>
+            <a:r>
+              <a:rPr lang="pt-PT" b="0" i="0" dirty="0">
+                <a:solidFill>
+                  <a:schemeClr val="bg1"/>
+                </a:solidFill>
+                <a:effectLst/>
+                <a:latin typeface="Maven Pro" panose="020B0604020202020204" charset="0"/>
+              </a:rPr>
+              <a:t>Tem ( #nContribuinte &gt; Estudantes, #número &gt; Projetos)</a:t>
+            </a:r>
+          </a:p>
+          <a:p>
+            <a:pPr algn="l"/>
+            <a:endParaRPr lang="pt-PT" b="0" i="0" dirty="0">
+              <a:solidFill>
+                <a:schemeClr val="bg1"/>
+              </a:solidFill>
+              <a:effectLst/>
+              <a:latin typeface="-apple-system"/>
+            </a:endParaRPr>
+          </a:p>
+          <a:p>
+            <a:pPr algn="l"/>
+            <a:endParaRPr lang="pt-PT" b="0" i="0" dirty="0">
+              <a:solidFill>
+                <a:schemeClr val="bg1"/>
+              </a:solidFill>
+              <a:effectLst/>
+              <a:latin typeface="-apple-system"/>
+            </a:endParaRPr>
           </a:p>
         </p:txBody>
       </p:sp>
     </p:spTree>
     <p:extLst>
       <p:ext uri="{BB962C8B-B14F-4D97-AF65-F5344CB8AC3E}">
-        <p14:creationId xmlns:p14="http://schemas.microsoft.com/office/powerpoint/2010/main" val="2311069806"/>
+        <p14:creationId xmlns:p14="http://schemas.microsoft.com/office/powerpoint/2010/main" val="3705864397"/>
       </p:ext>
     </p:extLst>
   </p:cSld>
@@ -17880,7 +17910,7 @@
             </a:pPr>
             <a:r>
               <a:rPr lang="pt-PT" dirty="0"/>
-              <a:t>Normalização (C3)</a:t>
+              <a:t>Esquema Relacional (C4)</a:t>
             </a:r>
           </a:p>
         </p:txBody>
@@ -17917,270 +17947,10 @@
       </p:pic>
       <p:sp>
         <p:nvSpPr>
-          <p:cNvPr id="7" name="Google Shape;1240;p44">
+          <p:cNvPr id="23" name="CaixaDeTexto 22">
             <a:extLst>
               <a:ext uri="{FF2B5EF4-FFF2-40B4-BE49-F238E27FC236}">
-                <a16:creationId xmlns:a16="http://schemas.microsoft.com/office/drawing/2014/main" id="{B3B33B0C-9EFA-10EC-8A58-23EDF29A304B}"/>
-              </a:ext>
-            </a:extLst>
-          </p:cNvPr>
-          <p:cNvSpPr/>
-          <p:nvPr/>
-        </p:nvSpPr>
-        <p:spPr>
-          <a:xfrm>
-            <a:off x="1037307" y="1681963"/>
-            <a:ext cx="1218326" cy="320374"/>
-          </a:xfrm>
-          <a:prstGeom prst="roundRect">
-            <a:avLst>
-              <a:gd name="adj" fmla="val 0"/>
-            </a:avLst>
-          </a:prstGeom>
-          <a:noFill/>
-          <a:ln w="19050" cap="flat" cmpd="sng">
-            <a:solidFill>
-              <a:schemeClr val="accent2"/>
-            </a:solidFill>
-            <a:prstDash val="solid"/>
-            <a:round/>
-            <a:headEnd type="none" w="sm" len="sm"/>
-            <a:tailEnd type="none" w="sm" len="sm"/>
-          </a:ln>
-        </p:spPr>
-        <p:txBody>
-          <a:bodyPr spcFirstLastPara="1" wrap="square" lIns="91425" tIns="91425" rIns="91425" bIns="91425" anchor="ctr" anchorCtr="0">
-            <a:noAutofit/>
-          </a:bodyPr>
-          <a:lstStyle/>
-          <a:p>
-            <a:pPr marL="0" lvl="0" indent="0" algn="l" rtl="0">
-              <a:spcBef>
-                <a:spcPts val="0"/>
-              </a:spcBef>
-              <a:spcAft>
-                <a:spcPts val="0"/>
-              </a:spcAft>
-              <a:buNone/>
-            </a:pPr>
-            <a:endParaRPr/>
-          </a:p>
-        </p:txBody>
-      </p:sp>
-      <p:sp>
-        <p:nvSpPr>
-          <p:cNvPr id="9" name="Google Shape;1240;p44">
-            <a:extLst>
-              <a:ext uri="{FF2B5EF4-FFF2-40B4-BE49-F238E27FC236}">
-                <a16:creationId xmlns:a16="http://schemas.microsoft.com/office/drawing/2014/main" id="{037AA908-A6BA-C76F-7DE7-E791BE764814}"/>
-              </a:ext>
-            </a:extLst>
-          </p:cNvPr>
-          <p:cNvSpPr/>
-          <p:nvPr/>
-        </p:nvSpPr>
-        <p:spPr>
-          <a:xfrm>
-            <a:off x="2255633" y="1681963"/>
-            <a:ext cx="1218326" cy="320374"/>
-          </a:xfrm>
-          <a:prstGeom prst="roundRect">
-            <a:avLst>
-              <a:gd name="adj" fmla="val 0"/>
-            </a:avLst>
-          </a:prstGeom>
-          <a:noFill/>
-          <a:ln w="19050" cap="flat" cmpd="sng">
-            <a:solidFill>
-              <a:schemeClr val="accent2"/>
-            </a:solidFill>
-            <a:prstDash val="solid"/>
-            <a:round/>
-            <a:headEnd type="none" w="sm" len="sm"/>
-            <a:tailEnd type="none" w="sm" len="sm"/>
-          </a:ln>
-        </p:spPr>
-        <p:txBody>
-          <a:bodyPr spcFirstLastPara="1" wrap="square" lIns="91425" tIns="91425" rIns="91425" bIns="91425" anchor="ctr" anchorCtr="0">
-            <a:noAutofit/>
-          </a:bodyPr>
-          <a:lstStyle/>
-          <a:p>
-            <a:pPr marL="0" lvl="0" indent="0" algn="l" rtl="0">
-              <a:spcBef>
-                <a:spcPts val="0"/>
-              </a:spcBef>
-              <a:spcAft>
-                <a:spcPts val="0"/>
-              </a:spcAft>
-              <a:buNone/>
-            </a:pPr>
-            <a:endParaRPr/>
-          </a:p>
-        </p:txBody>
-      </p:sp>
-      <p:sp>
-        <p:nvSpPr>
-          <p:cNvPr id="10" name="Google Shape;1240;p44">
-            <a:extLst>
-              <a:ext uri="{FF2B5EF4-FFF2-40B4-BE49-F238E27FC236}">
-                <a16:creationId xmlns:a16="http://schemas.microsoft.com/office/drawing/2014/main" id="{E5256318-ABDD-DD4E-62AA-ADF071078FEA}"/>
-              </a:ext>
-            </a:extLst>
-          </p:cNvPr>
-          <p:cNvSpPr/>
-          <p:nvPr/>
-        </p:nvSpPr>
-        <p:spPr>
-          <a:xfrm>
-            <a:off x="3473959" y="1681963"/>
-            <a:ext cx="1218326" cy="320374"/>
-          </a:xfrm>
-          <a:prstGeom prst="roundRect">
-            <a:avLst>
-              <a:gd name="adj" fmla="val 0"/>
-            </a:avLst>
-          </a:prstGeom>
-          <a:noFill/>
-          <a:ln w="19050" cap="flat" cmpd="sng">
-            <a:solidFill>
-              <a:schemeClr val="accent2"/>
-            </a:solidFill>
-            <a:prstDash val="solid"/>
-            <a:round/>
-            <a:headEnd type="none" w="sm" len="sm"/>
-            <a:tailEnd type="none" w="sm" len="sm"/>
-          </a:ln>
-        </p:spPr>
-        <p:txBody>
-          <a:bodyPr spcFirstLastPara="1" wrap="square" lIns="91425" tIns="91425" rIns="91425" bIns="91425" anchor="ctr" anchorCtr="0">
-            <a:noAutofit/>
-          </a:bodyPr>
-          <a:lstStyle/>
-          <a:p>
-            <a:pPr marL="0" lvl="0" indent="0" algn="l" rtl="0">
-              <a:spcBef>
-                <a:spcPts val="0"/>
-              </a:spcBef>
-              <a:spcAft>
-                <a:spcPts val="0"/>
-              </a:spcAft>
-              <a:buNone/>
-            </a:pPr>
-            <a:endParaRPr/>
-          </a:p>
-        </p:txBody>
-      </p:sp>
-      <p:sp>
-        <p:nvSpPr>
-          <p:cNvPr id="11" name="Google Shape;1240;p44">
-            <a:extLst>
-              <a:ext uri="{FF2B5EF4-FFF2-40B4-BE49-F238E27FC236}">
-                <a16:creationId xmlns:a16="http://schemas.microsoft.com/office/drawing/2014/main" id="{64F50E18-3B26-5FF6-7978-21C2E73148FA}"/>
-              </a:ext>
-            </a:extLst>
-          </p:cNvPr>
-          <p:cNvSpPr/>
-          <p:nvPr/>
-        </p:nvSpPr>
-        <p:spPr>
-          <a:xfrm>
-            <a:off x="4692285" y="1681963"/>
-            <a:ext cx="1218326" cy="320374"/>
-          </a:xfrm>
-          <a:prstGeom prst="roundRect">
-            <a:avLst>
-              <a:gd name="adj" fmla="val 0"/>
-            </a:avLst>
-          </a:prstGeom>
-          <a:noFill/>
-          <a:ln w="19050" cap="flat" cmpd="sng">
-            <a:solidFill>
-              <a:schemeClr val="accent2"/>
-            </a:solidFill>
-            <a:prstDash val="solid"/>
-            <a:round/>
-            <a:headEnd type="none" w="sm" len="sm"/>
-            <a:tailEnd type="none" w="sm" len="sm"/>
-          </a:ln>
-        </p:spPr>
-        <p:txBody>
-          <a:bodyPr spcFirstLastPara="1" wrap="square" lIns="91425" tIns="91425" rIns="91425" bIns="91425" anchor="ctr" anchorCtr="0">
-            <a:noAutofit/>
-          </a:bodyPr>
-          <a:lstStyle/>
-          <a:p>
-            <a:pPr marL="0" lvl="0" indent="0" algn="l" rtl="0">
-              <a:spcBef>
-                <a:spcPts val="0"/>
-              </a:spcBef>
-              <a:spcAft>
-                <a:spcPts val="0"/>
-              </a:spcAft>
-              <a:buNone/>
-            </a:pPr>
-            <a:endParaRPr/>
-          </a:p>
-        </p:txBody>
-      </p:sp>
-      <p:sp>
-        <p:nvSpPr>
-          <p:cNvPr id="12" name="Google Shape;1240;p44">
-            <a:extLst>
-              <a:ext uri="{FF2B5EF4-FFF2-40B4-BE49-F238E27FC236}">
-                <a16:creationId xmlns:a16="http://schemas.microsoft.com/office/drawing/2014/main" id="{F26C0D5A-031A-2EBA-674A-F24966430FFF}"/>
-              </a:ext>
-            </a:extLst>
-          </p:cNvPr>
-          <p:cNvSpPr/>
-          <p:nvPr/>
-        </p:nvSpPr>
-        <p:spPr>
-          <a:xfrm>
-            <a:off x="5910611" y="1681963"/>
-            <a:ext cx="1218326" cy="320374"/>
-          </a:xfrm>
-          <a:prstGeom prst="roundRect">
-            <a:avLst>
-              <a:gd name="adj" fmla="val 0"/>
-            </a:avLst>
-          </a:prstGeom>
-          <a:noFill/>
-          <a:ln w="19050" cap="flat" cmpd="sng">
-            <a:solidFill>
-              <a:schemeClr val="accent2"/>
-            </a:solidFill>
-            <a:prstDash val="solid"/>
-            <a:round/>
-            <a:headEnd type="none" w="sm" len="sm"/>
-            <a:tailEnd type="none" w="sm" len="sm"/>
-          </a:ln>
-        </p:spPr>
-        <p:txBody>
-          <a:bodyPr spcFirstLastPara="1" wrap="square" lIns="91425" tIns="91425" rIns="91425" bIns="91425" anchor="ctr" anchorCtr="0">
-            <a:noAutofit/>
-          </a:bodyPr>
-          <a:lstStyle/>
-          <a:p>
-            <a:pPr marL="0" lvl="0" indent="0" algn="l" rtl="0">
-              <a:spcBef>
-                <a:spcPts val="0"/>
-              </a:spcBef>
-              <a:spcAft>
-                <a:spcPts val="0"/>
-              </a:spcAft>
-              <a:buNone/>
-            </a:pPr>
-            <a:endParaRPr/>
-          </a:p>
-        </p:txBody>
-      </p:sp>
-      <p:sp>
-        <p:nvSpPr>
-          <p:cNvPr id="14" name="CaixaDeTexto 13">
-            <a:extLst>
-              <a:ext uri="{FF2B5EF4-FFF2-40B4-BE49-F238E27FC236}">
-                <a16:creationId xmlns:a16="http://schemas.microsoft.com/office/drawing/2014/main" id="{C49CC464-5F45-7DA1-C18D-7AFEB3B1B8A0}"/>
+                <a16:creationId xmlns:a16="http://schemas.microsoft.com/office/drawing/2014/main" id="{0203FF76-21E8-4F5D-F21E-5777216807AC}"/>
               </a:ext>
             </a:extLst>
           </p:cNvPr>
@@ -18189,8 +17959,8 @@
         </p:nvSpPr>
         <p:spPr>
           <a:xfrm>
-            <a:off x="1052120" y="1687526"/>
-            <a:ext cx="1307306" cy="276999"/>
+            <a:off x="443348" y="1354990"/>
+            <a:ext cx="8000104" cy="2893100"/>
           </a:xfrm>
           <a:prstGeom prst="rect">
             <a:avLst/>
@@ -18203,1133 +17973,145 @@
           </a:bodyPr>
           <a:lstStyle/>
           <a:p>
+            <a:pPr algn="l"/>
             <a:r>
-              <a:rPr lang="pt-PT" sz="1200" u="sng" dirty="0">
+              <a:rPr lang="pt-PT" b="1" i="0" dirty="0">
                 <a:solidFill>
                   <a:schemeClr val="bg1"/>
                 </a:solidFill>
+                <a:effectLst/>
                 <a:latin typeface="Maven Pro" panose="020B0604020202020204" charset="0"/>
               </a:rPr>
-              <a:t>nContribuinte</a:t>
+              <a:t>Resultado:</a:t>
             </a:r>
-            <a:endParaRPr lang="pt-PT" sz="1200" u="sng" dirty="0"/>
-          </a:p>
-        </p:txBody>
-      </p:sp>
-      <p:sp>
-        <p:nvSpPr>
-          <p:cNvPr id="15" name="CaixaDeTexto 14">
-            <a:extLst>
-              <a:ext uri="{FF2B5EF4-FFF2-40B4-BE49-F238E27FC236}">
-                <a16:creationId xmlns:a16="http://schemas.microsoft.com/office/drawing/2014/main" id="{C098A461-7016-6E21-71EF-33E090162732}"/>
-              </a:ext>
-            </a:extLst>
-          </p:cNvPr>
-          <p:cNvSpPr txBox="1"/>
-          <p:nvPr/>
-        </p:nvSpPr>
-        <p:spPr>
-          <a:xfrm>
-            <a:off x="2211143" y="1703650"/>
-            <a:ext cx="1307306" cy="276999"/>
-          </a:xfrm>
-          <a:prstGeom prst="rect">
-            <a:avLst/>
-          </a:prstGeom>
-          <a:noFill/>
-        </p:spPr>
-        <p:txBody>
-          <a:bodyPr wrap="square">
-            <a:spAutoFit/>
-          </a:bodyPr>
-          <a:lstStyle/>
-          <a:p>
+          </a:p>
+          <a:p>
+            <a:pPr algn="l"/>
+            <a:endParaRPr lang="pt-PT" b="1" i="0" dirty="0">
+              <a:solidFill>
+                <a:schemeClr val="bg1"/>
+              </a:solidFill>
+              <a:effectLst/>
+              <a:latin typeface="Maven Pro" panose="020B0604020202020204" charset="0"/>
+            </a:endParaRPr>
+          </a:p>
+          <a:p>
+            <a:pPr algn="l"/>
             <a:r>
-              <a:rPr lang="pt-PT" sz="1200" dirty="0">
+              <a:rPr lang="pt-PT" b="0" i="0" dirty="0">
                 <a:solidFill>
                   <a:schemeClr val="bg1"/>
                 </a:solidFill>
+                <a:effectLst/>
                 <a:latin typeface="Maven Pro" panose="020B0604020202020204" charset="0"/>
               </a:rPr>
-              <a:t>Plano_de_curso</a:t>
+              <a:t>Estudantes (nContribuinte, plano_de_curso, nome, dataNascimentoEst, #número &gt; Departamento)</a:t>
             </a:r>
           </a:p>
-        </p:txBody>
-      </p:sp>
-      <p:sp>
-        <p:nvSpPr>
-          <p:cNvPr id="17" name="CaixaDeTexto 16">
-            <a:extLst>
-              <a:ext uri="{FF2B5EF4-FFF2-40B4-BE49-F238E27FC236}">
-                <a16:creationId xmlns:a16="http://schemas.microsoft.com/office/drawing/2014/main" id="{12B7F3CB-0D43-358F-D34A-8B4F009C053D}"/>
-              </a:ext>
-            </a:extLst>
-          </p:cNvPr>
-          <p:cNvSpPr txBox="1"/>
-          <p:nvPr/>
-        </p:nvSpPr>
-        <p:spPr>
-          <a:xfrm>
-            <a:off x="3778847" y="1710269"/>
-            <a:ext cx="608549" cy="276999"/>
-          </a:xfrm>
-          <a:prstGeom prst="rect">
-            <a:avLst/>
-          </a:prstGeom>
-          <a:noFill/>
-        </p:spPr>
-        <p:txBody>
-          <a:bodyPr wrap="square">
-            <a:spAutoFit/>
-          </a:bodyPr>
-          <a:lstStyle/>
-          <a:p>
+          <a:p>
+            <a:pPr algn="l"/>
             <a:r>
-              <a:rPr lang="pt-PT" sz="1200" dirty="0">
+              <a:rPr lang="pt-PT" b="0" i="0" dirty="0">
                 <a:solidFill>
                   <a:schemeClr val="bg1"/>
                 </a:solidFill>
+                <a:effectLst/>
                 <a:latin typeface="Maven Pro" panose="020B0604020202020204" charset="0"/>
               </a:rPr>
-              <a:t>Nome </a:t>
+              <a:t>Projetos (orçamentos, dtFinal, dtIncio, número #nContribuinte &gt; Professores, #identificação &gt; Organismo Financiador)</a:t>
             </a:r>
           </a:p>
-        </p:txBody>
-      </p:sp>
-      <p:sp>
-        <p:nvSpPr>
-          <p:cNvPr id="18" name="CaixaDeTexto 17">
-            <a:extLst>
-              <a:ext uri="{FF2B5EF4-FFF2-40B4-BE49-F238E27FC236}">
-                <a16:creationId xmlns:a16="http://schemas.microsoft.com/office/drawing/2014/main" id="{7A5532D7-B074-D3B8-F305-08C33F668F7F}"/>
-              </a:ext>
-            </a:extLst>
-          </p:cNvPr>
-          <p:cNvSpPr txBox="1"/>
-          <p:nvPr/>
-        </p:nvSpPr>
-        <p:spPr>
-          <a:xfrm>
-            <a:off x="4647794" y="1718304"/>
-            <a:ext cx="1914871" cy="246221"/>
-          </a:xfrm>
-          <a:prstGeom prst="rect">
-            <a:avLst/>
-          </a:prstGeom>
-          <a:noFill/>
-        </p:spPr>
-        <p:txBody>
-          <a:bodyPr wrap="square">
-            <a:spAutoFit/>
-          </a:bodyPr>
-          <a:lstStyle/>
-          <a:p>
+          <a:p>
+            <a:pPr algn="l"/>
             <a:r>
-              <a:rPr lang="pt-PT" sz="1000" dirty="0">
+              <a:rPr lang="pt-PT" b="0" i="0" dirty="0">
                 <a:solidFill>
                   <a:schemeClr val="bg1"/>
                 </a:solidFill>
+                <a:effectLst/>
                 <a:latin typeface="Maven Pro" panose="020B0604020202020204" charset="0"/>
               </a:rPr>
-              <a:t>dataNascimentoEst </a:t>
+              <a:t>Professores (nContribuinte, dataNascimento, nome, especialidade, posto)</a:t>
             </a:r>
           </a:p>
-        </p:txBody>
-      </p:sp>
-      <p:sp>
-        <p:nvSpPr>
-          <p:cNvPr id="19" name="CaixaDeTexto 18">
-            <a:extLst>
-              <a:ext uri="{FF2B5EF4-FFF2-40B4-BE49-F238E27FC236}">
-                <a16:creationId xmlns:a16="http://schemas.microsoft.com/office/drawing/2014/main" id="{137AA15A-B874-5339-C7C0-164DEF99C9FA}"/>
-              </a:ext>
-            </a:extLst>
-          </p:cNvPr>
-          <p:cNvSpPr txBox="1"/>
-          <p:nvPr/>
-        </p:nvSpPr>
-        <p:spPr>
-          <a:xfrm>
-            <a:off x="5888366" y="1733692"/>
-            <a:ext cx="1914871" cy="215444"/>
-          </a:xfrm>
-          <a:prstGeom prst="rect">
-            <a:avLst/>
-          </a:prstGeom>
-          <a:noFill/>
-        </p:spPr>
-        <p:txBody>
-          <a:bodyPr wrap="square">
-            <a:spAutoFit/>
-          </a:bodyPr>
-          <a:lstStyle/>
-          <a:p>
+          <a:p>
+            <a:pPr algn="l"/>
             <a:r>
-              <a:rPr lang="pt-PT" sz="800" dirty="0">
+              <a:rPr lang="pt-PT" b="0" i="0" dirty="0">
                 <a:solidFill>
                   <a:schemeClr val="bg1"/>
                 </a:solidFill>
+                <a:effectLst/>
                 <a:latin typeface="Maven Pro" panose="020B0604020202020204" charset="0"/>
               </a:rPr>
-              <a:t>número_Departamento</a:t>
+              <a:t>Departamento (nome, escritório, número, #nContribuinte &gt; Professores)</a:t>
             </a:r>
           </a:p>
-        </p:txBody>
-      </p:sp>
-      <p:sp>
-        <p:nvSpPr>
-          <p:cNvPr id="20" name="CaixaDeTexto 19">
-            <a:extLst>
-              <a:ext uri="{FF2B5EF4-FFF2-40B4-BE49-F238E27FC236}">
-                <a16:creationId xmlns:a16="http://schemas.microsoft.com/office/drawing/2014/main" id="{A3E0C257-9503-6B6E-B055-C00021705B59}"/>
-              </a:ext>
-            </a:extLst>
-          </p:cNvPr>
-          <p:cNvSpPr txBox="1"/>
-          <p:nvPr/>
-        </p:nvSpPr>
-        <p:spPr>
-          <a:xfrm>
-            <a:off x="819303" y="1263683"/>
-            <a:ext cx="1307306" cy="338554"/>
-          </a:xfrm>
-          <a:prstGeom prst="rect">
-            <a:avLst/>
-          </a:prstGeom>
-          <a:noFill/>
-        </p:spPr>
-        <p:txBody>
-          <a:bodyPr wrap="square">
-            <a:spAutoFit/>
-          </a:bodyPr>
-          <a:lstStyle/>
-          <a:p>
+          <a:p>
+            <a:pPr algn="l"/>
             <a:r>
-              <a:rPr lang="pt-PT" sz="1600" dirty="0">
+              <a:rPr lang="pt-PT" b="0" i="0" dirty="0">
                 <a:solidFill>
                   <a:schemeClr val="bg1"/>
                 </a:solidFill>
+                <a:effectLst/>
                 <a:latin typeface="Maven Pro" panose="020B0604020202020204" charset="0"/>
               </a:rPr>
-              <a:t>Estudantes</a:t>
+              <a:t>Organismo financiador (identificação, nome)</a:t>
             </a:r>
           </a:p>
-        </p:txBody>
-      </p:sp>
-      <p:sp>
-        <p:nvSpPr>
-          <p:cNvPr id="21" name="Google Shape;1240;p44">
-            <a:extLst>
-              <a:ext uri="{FF2B5EF4-FFF2-40B4-BE49-F238E27FC236}">
-                <a16:creationId xmlns:a16="http://schemas.microsoft.com/office/drawing/2014/main" id="{987314E9-41C4-9BE8-1CA6-6C847A14C733}"/>
-              </a:ext>
-            </a:extLst>
-          </p:cNvPr>
-          <p:cNvSpPr/>
-          <p:nvPr/>
-        </p:nvSpPr>
-        <p:spPr>
-          <a:xfrm>
-            <a:off x="1052120" y="2671097"/>
-            <a:ext cx="1218326" cy="320374"/>
-          </a:xfrm>
-          <a:prstGeom prst="roundRect">
-            <a:avLst>
-              <a:gd name="adj" fmla="val 0"/>
-            </a:avLst>
-          </a:prstGeom>
-          <a:noFill/>
-          <a:ln w="19050" cap="flat" cmpd="sng">
-            <a:solidFill>
-              <a:schemeClr val="accent2"/>
-            </a:solidFill>
-            <a:prstDash val="solid"/>
-            <a:round/>
-            <a:headEnd type="none" w="sm" len="sm"/>
-            <a:tailEnd type="none" w="sm" len="sm"/>
-          </a:ln>
-        </p:spPr>
-        <p:txBody>
-          <a:bodyPr spcFirstLastPara="1" wrap="square" lIns="91425" tIns="91425" rIns="91425" bIns="91425" anchor="ctr" anchorCtr="0">
-            <a:noAutofit/>
-          </a:bodyPr>
-          <a:lstStyle/>
-          <a:p>
-            <a:pPr marL="0" lvl="0" indent="0" algn="l" rtl="0">
-              <a:spcBef>
-                <a:spcPts val="0"/>
-              </a:spcBef>
-              <a:spcAft>
-                <a:spcPts val="0"/>
-              </a:spcAft>
-              <a:buNone/>
-            </a:pPr>
-            <a:endParaRPr/>
-          </a:p>
-        </p:txBody>
-      </p:sp>
-      <p:sp>
-        <p:nvSpPr>
-          <p:cNvPr id="22" name="Google Shape;1240;p44">
-            <a:extLst>
-              <a:ext uri="{FF2B5EF4-FFF2-40B4-BE49-F238E27FC236}">
-                <a16:creationId xmlns:a16="http://schemas.microsoft.com/office/drawing/2014/main" id="{C47A9ED9-B6F8-AB65-B6BE-EBDFD53C3D3C}"/>
-              </a:ext>
-            </a:extLst>
-          </p:cNvPr>
-          <p:cNvSpPr/>
-          <p:nvPr/>
-        </p:nvSpPr>
-        <p:spPr>
-          <a:xfrm>
-            <a:off x="2270446" y="2671097"/>
-            <a:ext cx="1218326" cy="320374"/>
-          </a:xfrm>
-          <a:prstGeom prst="roundRect">
-            <a:avLst>
-              <a:gd name="adj" fmla="val 0"/>
-            </a:avLst>
-          </a:prstGeom>
-          <a:noFill/>
-          <a:ln w="19050" cap="flat" cmpd="sng">
-            <a:solidFill>
-              <a:schemeClr val="accent2"/>
-            </a:solidFill>
-            <a:prstDash val="solid"/>
-            <a:round/>
-            <a:headEnd type="none" w="sm" len="sm"/>
-            <a:tailEnd type="none" w="sm" len="sm"/>
-          </a:ln>
-        </p:spPr>
-        <p:txBody>
-          <a:bodyPr spcFirstLastPara="1" wrap="square" lIns="91425" tIns="91425" rIns="91425" bIns="91425" anchor="ctr" anchorCtr="0">
-            <a:noAutofit/>
-          </a:bodyPr>
-          <a:lstStyle/>
-          <a:p>
-            <a:pPr marL="0" lvl="0" indent="0" algn="l" rtl="0">
-              <a:spcBef>
-                <a:spcPts val="0"/>
-              </a:spcBef>
-              <a:spcAft>
-                <a:spcPts val="0"/>
-              </a:spcAft>
-              <a:buNone/>
-            </a:pPr>
-            <a:endParaRPr/>
-          </a:p>
-        </p:txBody>
-      </p:sp>
-      <p:sp>
-        <p:nvSpPr>
-          <p:cNvPr id="23" name="Google Shape;1240;p44">
-            <a:extLst>
-              <a:ext uri="{FF2B5EF4-FFF2-40B4-BE49-F238E27FC236}">
-                <a16:creationId xmlns:a16="http://schemas.microsoft.com/office/drawing/2014/main" id="{AC17DC57-F59F-763E-E217-710DBDD4ABF0}"/>
-              </a:ext>
-            </a:extLst>
-          </p:cNvPr>
-          <p:cNvSpPr/>
-          <p:nvPr/>
-        </p:nvSpPr>
-        <p:spPr>
-          <a:xfrm>
-            <a:off x="3488772" y="2671097"/>
-            <a:ext cx="1218326" cy="320374"/>
-          </a:xfrm>
-          <a:prstGeom prst="roundRect">
-            <a:avLst>
-              <a:gd name="adj" fmla="val 0"/>
-            </a:avLst>
-          </a:prstGeom>
-          <a:noFill/>
-          <a:ln w="19050" cap="flat" cmpd="sng">
-            <a:solidFill>
-              <a:schemeClr val="accent2"/>
-            </a:solidFill>
-            <a:prstDash val="solid"/>
-            <a:round/>
-            <a:headEnd type="none" w="sm" len="sm"/>
-            <a:tailEnd type="none" w="sm" len="sm"/>
-          </a:ln>
-        </p:spPr>
-        <p:txBody>
-          <a:bodyPr spcFirstLastPara="1" wrap="square" lIns="91425" tIns="91425" rIns="91425" bIns="91425" anchor="ctr" anchorCtr="0">
-            <a:noAutofit/>
-          </a:bodyPr>
-          <a:lstStyle/>
-          <a:p>
-            <a:pPr marL="0" lvl="0" indent="0" algn="l" rtl="0">
-              <a:spcBef>
-                <a:spcPts val="0"/>
-              </a:spcBef>
-              <a:spcAft>
-                <a:spcPts val="0"/>
-              </a:spcAft>
-              <a:buNone/>
-            </a:pPr>
-            <a:endParaRPr/>
-          </a:p>
-        </p:txBody>
-      </p:sp>
-      <p:sp>
-        <p:nvSpPr>
-          <p:cNvPr id="24" name="Google Shape;1240;p44">
-            <a:extLst>
-              <a:ext uri="{FF2B5EF4-FFF2-40B4-BE49-F238E27FC236}">
-                <a16:creationId xmlns:a16="http://schemas.microsoft.com/office/drawing/2014/main" id="{F966F7D5-C287-A63F-C301-2B76E9B63C77}"/>
-              </a:ext>
-            </a:extLst>
-          </p:cNvPr>
-          <p:cNvSpPr/>
-          <p:nvPr/>
-        </p:nvSpPr>
-        <p:spPr>
-          <a:xfrm>
-            <a:off x="4707098" y="2671097"/>
-            <a:ext cx="1218326" cy="320374"/>
-          </a:xfrm>
-          <a:prstGeom prst="roundRect">
-            <a:avLst>
-              <a:gd name="adj" fmla="val 0"/>
-            </a:avLst>
-          </a:prstGeom>
-          <a:noFill/>
-          <a:ln w="19050" cap="flat" cmpd="sng">
-            <a:solidFill>
-              <a:schemeClr val="accent2"/>
-            </a:solidFill>
-            <a:prstDash val="solid"/>
-            <a:round/>
-            <a:headEnd type="none" w="sm" len="sm"/>
-            <a:tailEnd type="none" w="sm" len="sm"/>
-          </a:ln>
-        </p:spPr>
-        <p:txBody>
-          <a:bodyPr spcFirstLastPara="1" wrap="square" lIns="91425" tIns="91425" rIns="91425" bIns="91425" anchor="ctr" anchorCtr="0">
-            <a:noAutofit/>
-          </a:bodyPr>
-          <a:lstStyle/>
-          <a:p>
-            <a:pPr marL="0" lvl="0" indent="0" algn="l" rtl="0">
-              <a:spcBef>
-                <a:spcPts val="0"/>
-              </a:spcBef>
-              <a:spcAft>
-                <a:spcPts val="0"/>
-              </a:spcAft>
-              <a:buNone/>
-            </a:pPr>
-            <a:endParaRPr/>
-          </a:p>
-        </p:txBody>
-      </p:sp>
-      <p:sp>
-        <p:nvSpPr>
-          <p:cNvPr id="26" name="CaixaDeTexto 25">
-            <a:extLst>
-              <a:ext uri="{FF2B5EF4-FFF2-40B4-BE49-F238E27FC236}">
-                <a16:creationId xmlns:a16="http://schemas.microsoft.com/office/drawing/2014/main" id="{D583A68F-CBCE-10AC-365D-9B263D278AA5}"/>
-              </a:ext>
-            </a:extLst>
-          </p:cNvPr>
-          <p:cNvSpPr txBox="1"/>
-          <p:nvPr/>
-        </p:nvSpPr>
-        <p:spPr>
-          <a:xfrm>
-            <a:off x="1300290" y="2692784"/>
-            <a:ext cx="1307306" cy="276999"/>
-          </a:xfrm>
-          <a:prstGeom prst="rect">
-            <a:avLst/>
-          </a:prstGeom>
-          <a:noFill/>
-        </p:spPr>
-        <p:txBody>
-          <a:bodyPr wrap="square">
-            <a:spAutoFit/>
-          </a:bodyPr>
-          <a:lstStyle/>
-          <a:p>
+          <a:p>
+            <a:pPr algn="l"/>
             <a:r>
-              <a:rPr lang="pt-PT" sz="1200" u="sng" dirty="0">
+              <a:rPr lang="pt-PT" b="0" i="0" dirty="0">
                 <a:solidFill>
                   <a:schemeClr val="bg1"/>
                 </a:solidFill>
+                <a:effectLst/>
                 <a:latin typeface="Maven Pro" panose="020B0604020202020204" charset="0"/>
               </a:rPr>
-              <a:t>número</a:t>
+              <a:t>Trabalham (#nContribuinte &gt; Professor, #número &gt; Departamento, percentagemTempo)</a:t>
             </a:r>
-            <a:endParaRPr lang="pt-PT" sz="1200" u="sng" dirty="0"/>
-          </a:p>
-        </p:txBody>
-      </p:sp>
-      <p:sp>
-        <p:nvSpPr>
-          <p:cNvPr id="27" name="CaixaDeTexto 26">
-            <a:extLst>
-              <a:ext uri="{FF2B5EF4-FFF2-40B4-BE49-F238E27FC236}">
-                <a16:creationId xmlns:a16="http://schemas.microsoft.com/office/drawing/2014/main" id="{FD7F33F7-757A-CC3E-8BAE-7B26E94589B8}"/>
-              </a:ext>
-            </a:extLst>
-          </p:cNvPr>
-          <p:cNvSpPr txBox="1"/>
-          <p:nvPr/>
-        </p:nvSpPr>
-        <p:spPr>
-          <a:xfrm>
-            <a:off x="2406802" y="2692048"/>
-            <a:ext cx="1307306" cy="276999"/>
-          </a:xfrm>
-          <a:prstGeom prst="rect">
-            <a:avLst/>
-          </a:prstGeom>
-          <a:noFill/>
-        </p:spPr>
-        <p:txBody>
-          <a:bodyPr wrap="square">
-            <a:spAutoFit/>
-          </a:bodyPr>
-          <a:lstStyle/>
-          <a:p>
+          </a:p>
+          <a:p>
+            <a:pPr algn="l"/>
             <a:r>
-              <a:rPr lang="pt-PT" sz="1200" dirty="0">
+              <a:rPr lang="pt-PT" b="0" i="0" dirty="0">
                 <a:solidFill>
                   <a:schemeClr val="bg1"/>
                 </a:solidFill>
+                <a:effectLst/>
                 <a:latin typeface="Maven Pro" panose="020B0604020202020204" charset="0"/>
               </a:rPr>
-              <a:t>orçamento</a:t>
+              <a:t>Tem ( #nContribuinte &gt; Estudantes, #número &gt; Projetos)</a:t>
             </a:r>
           </a:p>
-        </p:txBody>
-      </p:sp>
-      <p:sp>
-        <p:nvSpPr>
-          <p:cNvPr id="28" name="CaixaDeTexto 27">
-            <a:extLst>
-              <a:ext uri="{FF2B5EF4-FFF2-40B4-BE49-F238E27FC236}">
-                <a16:creationId xmlns:a16="http://schemas.microsoft.com/office/drawing/2014/main" id="{5A356B2C-1B59-AD3C-BE20-F4AD01812610}"/>
-              </a:ext>
-            </a:extLst>
-          </p:cNvPr>
-          <p:cNvSpPr txBox="1"/>
-          <p:nvPr/>
-        </p:nvSpPr>
-        <p:spPr>
-          <a:xfrm>
-            <a:off x="3793660" y="2699403"/>
-            <a:ext cx="667852" cy="276999"/>
-          </a:xfrm>
-          <a:prstGeom prst="rect">
-            <a:avLst/>
-          </a:prstGeom>
-          <a:noFill/>
-        </p:spPr>
-        <p:txBody>
-          <a:bodyPr wrap="square">
-            <a:spAutoFit/>
-          </a:bodyPr>
-          <a:lstStyle/>
-          <a:p>
-            <a:r>
-              <a:rPr lang="pt-PT" sz="1200" dirty="0">
-                <a:solidFill>
-                  <a:schemeClr val="bg1"/>
-                </a:solidFill>
-                <a:latin typeface="Maven Pro" panose="020B0604020202020204" charset="0"/>
-              </a:rPr>
-              <a:t>dtIníco </a:t>
-            </a:r>
-          </a:p>
-        </p:txBody>
-      </p:sp>
-      <p:sp>
-        <p:nvSpPr>
-          <p:cNvPr id="29" name="CaixaDeTexto 28">
-            <a:extLst>
-              <a:ext uri="{FF2B5EF4-FFF2-40B4-BE49-F238E27FC236}">
-                <a16:creationId xmlns:a16="http://schemas.microsoft.com/office/drawing/2014/main" id="{0A0F6C19-9722-9A57-6BC1-4E88A49066B6}"/>
-              </a:ext>
-            </a:extLst>
-          </p:cNvPr>
-          <p:cNvSpPr txBox="1"/>
-          <p:nvPr/>
-        </p:nvSpPr>
-        <p:spPr>
-          <a:xfrm>
-            <a:off x="4925926" y="2718857"/>
-            <a:ext cx="1914871" cy="276999"/>
-          </a:xfrm>
-          <a:prstGeom prst="rect">
-            <a:avLst/>
-          </a:prstGeom>
-          <a:noFill/>
-        </p:spPr>
-        <p:txBody>
-          <a:bodyPr wrap="square">
-            <a:spAutoFit/>
-          </a:bodyPr>
-          <a:lstStyle/>
-          <a:p>
-            <a:r>
-              <a:rPr lang="pt-PT" sz="1200" dirty="0">
-                <a:solidFill>
-                  <a:schemeClr val="bg1"/>
-                </a:solidFill>
-                <a:latin typeface="Maven Pro" panose="020B0604020202020204" charset="0"/>
-              </a:rPr>
-              <a:t>dtFinal</a:t>
-            </a:r>
-          </a:p>
-        </p:txBody>
-      </p:sp>
-      <p:sp>
-        <p:nvSpPr>
-          <p:cNvPr id="31" name="CaixaDeTexto 30">
-            <a:extLst>
-              <a:ext uri="{FF2B5EF4-FFF2-40B4-BE49-F238E27FC236}">
-                <a16:creationId xmlns:a16="http://schemas.microsoft.com/office/drawing/2014/main" id="{40843F13-2328-A422-573B-483E0875C695}"/>
-              </a:ext>
-            </a:extLst>
-          </p:cNvPr>
-          <p:cNvSpPr txBox="1"/>
-          <p:nvPr/>
-        </p:nvSpPr>
-        <p:spPr>
-          <a:xfrm>
-            <a:off x="774813" y="2254302"/>
-            <a:ext cx="1307306" cy="338554"/>
-          </a:xfrm>
-          <a:prstGeom prst="rect">
-            <a:avLst/>
-          </a:prstGeom>
-          <a:noFill/>
-        </p:spPr>
-        <p:txBody>
-          <a:bodyPr wrap="square">
-            <a:spAutoFit/>
-          </a:bodyPr>
-          <a:lstStyle/>
-          <a:p>
-            <a:r>
-              <a:rPr lang="pt-PT" sz="1600" dirty="0">
-                <a:solidFill>
-                  <a:schemeClr val="bg1"/>
-                </a:solidFill>
-                <a:latin typeface="Maven Pro" panose="020B0604020202020204" charset="0"/>
-              </a:rPr>
-              <a:t>Projetos</a:t>
-            </a:r>
-          </a:p>
-        </p:txBody>
-      </p:sp>
-      <p:sp>
-        <p:nvSpPr>
-          <p:cNvPr id="32" name="Google Shape;1240;p44">
-            <a:extLst>
-              <a:ext uri="{FF2B5EF4-FFF2-40B4-BE49-F238E27FC236}">
-                <a16:creationId xmlns:a16="http://schemas.microsoft.com/office/drawing/2014/main" id="{8C121996-6D87-44C6-04C3-1AB4B79F4F72}"/>
-              </a:ext>
-            </a:extLst>
-          </p:cNvPr>
-          <p:cNvSpPr/>
-          <p:nvPr/>
-        </p:nvSpPr>
-        <p:spPr>
-          <a:xfrm>
-            <a:off x="1096610" y="3688303"/>
-            <a:ext cx="1218326" cy="320374"/>
-          </a:xfrm>
-          <a:prstGeom prst="roundRect">
-            <a:avLst>
-              <a:gd name="adj" fmla="val 0"/>
-            </a:avLst>
-          </a:prstGeom>
-          <a:noFill/>
-          <a:ln w="19050" cap="flat" cmpd="sng">
-            <a:solidFill>
-              <a:schemeClr val="accent2"/>
-            </a:solidFill>
-            <a:prstDash val="solid"/>
-            <a:round/>
-            <a:headEnd type="none" w="sm" len="sm"/>
-            <a:tailEnd type="none" w="sm" len="sm"/>
-          </a:ln>
-        </p:spPr>
-        <p:txBody>
-          <a:bodyPr spcFirstLastPara="1" wrap="square" lIns="91425" tIns="91425" rIns="91425" bIns="91425" anchor="ctr" anchorCtr="0">
-            <a:noAutofit/>
-          </a:bodyPr>
-          <a:lstStyle/>
-          <a:p>
-            <a:pPr marL="0" lvl="0" indent="0" algn="l" rtl="0">
-              <a:spcBef>
-                <a:spcPts val="0"/>
-              </a:spcBef>
-              <a:spcAft>
-                <a:spcPts val="0"/>
-              </a:spcAft>
-              <a:buNone/>
-            </a:pPr>
-            <a:endParaRPr/>
-          </a:p>
-        </p:txBody>
-      </p:sp>
-      <p:sp>
-        <p:nvSpPr>
-          <p:cNvPr id="33" name="Google Shape;1240;p44">
-            <a:extLst>
-              <a:ext uri="{FF2B5EF4-FFF2-40B4-BE49-F238E27FC236}">
-                <a16:creationId xmlns:a16="http://schemas.microsoft.com/office/drawing/2014/main" id="{80D5E537-E38C-BE6A-6C35-3E44AAB62D75}"/>
-              </a:ext>
-            </a:extLst>
-          </p:cNvPr>
-          <p:cNvSpPr/>
-          <p:nvPr/>
-        </p:nvSpPr>
-        <p:spPr>
-          <a:xfrm>
-            <a:off x="2314936" y="3688303"/>
-            <a:ext cx="1218326" cy="320374"/>
-          </a:xfrm>
-          <a:prstGeom prst="roundRect">
-            <a:avLst>
-              <a:gd name="adj" fmla="val 0"/>
-            </a:avLst>
-          </a:prstGeom>
-          <a:noFill/>
-          <a:ln w="19050" cap="flat" cmpd="sng">
-            <a:solidFill>
-              <a:schemeClr val="accent2"/>
-            </a:solidFill>
-            <a:prstDash val="solid"/>
-            <a:round/>
-            <a:headEnd type="none" w="sm" len="sm"/>
-            <a:tailEnd type="none" w="sm" len="sm"/>
-          </a:ln>
-        </p:spPr>
-        <p:txBody>
-          <a:bodyPr spcFirstLastPara="1" wrap="square" lIns="91425" tIns="91425" rIns="91425" bIns="91425" anchor="ctr" anchorCtr="0">
-            <a:noAutofit/>
-          </a:bodyPr>
-          <a:lstStyle/>
-          <a:p>
-            <a:pPr marL="0" lvl="0" indent="0" algn="l" rtl="0">
-              <a:spcBef>
-                <a:spcPts val="0"/>
-              </a:spcBef>
-              <a:spcAft>
-                <a:spcPts val="0"/>
-              </a:spcAft>
-              <a:buNone/>
-            </a:pPr>
-            <a:endParaRPr/>
-          </a:p>
-        </p:txBody>
-      </p:sp>
-      <p:sp>
-        <p:nvSpPr>
-          <p:cNvPr id="34" name="Google Shape;1240;p44">
-            <a:extLst>
-              <a:ext uri="{FF2B5EF4-FFF2-40B4-BE49-F238E27FC236}">
-                <a16:creationId xmlns:a16="http://schemas.microsoft.com/office/drawing/2014/main" id="{1B5F45B2-3A37-21E1-711D-328A33088C66}"/>
-              </a:ext>
-            </a:extLst>
-          </p:cNvPr>
-          <p:cNvSpPr/>
-          <p:nvPr/>
-        </p:nvSpPr>
-        <p:spPr>
-          <a:xfrm>
-            <a:off x="3533262" y="3688303"/>
-            <a:ext cx="1218326" cy="320374"/>
-          </a:xfrm>
-          <a:prstGeom prst="roundRect">
-            <a:avLst>
-              <a:gd name="adj" fmla="val 0"/>
-            </a:avLst>
-          </a:prstGeom>
-          <a:noFill/>
-          <a:ln w="19050" cap="flat" cmpd="sng">
-            <a:solidFill>
-              <a:schemeClr val="accent2"/>
-            </a:solidFill>
-            <a:prstDash val="solid"/>
-            <a:round/>
-            <a:headEnd type="none" w="sm" len="sm"/>
-            <a:tailEnd type="none" w="sm" len="sm"/>
-          </a:ln>
-        </p:spPr>
-        <p:txBody>
-          <a:bodyPr spcFirstLastPara="1" wrap="square" lIns="91425" tIns="91425" rIns="91425" bIns="91425" anchor="ctr" anchorCtr="0">
-            <a:noAutofit/>
-          </a:bodyPr>
-          <a:lstStyle/>
-          <a:p>
-            <a:pPr marL="0" lvl="0" indent="0" algn="l" rtl="0">
-              <a:spcBef>
-                <a:spcPts val="0"/>
-              </a:spcBef>
-              <a:spcAft>
-                <a:spcPts val="0"/>
-              </a:spcAft>
-              <a:buNone/>
-            </a:pPr>
-            <a:endParaRPr/>
-          </a:p>
-        </p:txBody>
-      </p:sp>
-      <p:sp>
-        <p:nvSpPr>
-          <p:cNvPr id="35" name="Google Shape;1240;p44">
-            <a:extLst>
-              <a:ext uri="{FF2B5EF4-FFF2-40B4-BE49-F238E27FC236}">
-                <a16:creationId xmlns:a16="http://schemas.microsoft.com/office/drawing/2014/main" id="{9A10DDB4-8887-2D8F-42C4-AD9E3E30A7BA}"/>
-              </a:ext>
-            </a:extLst>
-          </p:cNvPr>
-          <p:cNvSpPr/>
-          <p:nvPr/>
-        </p:nvSpPr>
-        <p:spPr>
-          <a:xfrm>
-            <a:off x="4751588" y="3688303"/>
-            <a:ext cx="1218326" cy="320374"/>
-          </a:xfrm>
-          <a:prstGeom prst="roundRect">
-            <a:avLst>
-              <a:gd name="adj" fmla="val 0"/>
-            </a:avLst>
-          </a:prstGeom>
-          <a:noFill/>
-          <a:ln w="19050" cap="flat" cmpd="sng">
-            <a:solidFill>
-              <a:schemeClr val="accent2"/>
-            </a:solidFill>
-            <a:prstDash val="solid"/>
-            <a:round/>
-            <a:headEnd type="none" w="sm" len="sm"/>
-            <a:tailEnd type="none" w="sm" len="sm"/>
-          </a:ln>
-        </p:spPr>
-        <p:txBody>
-          <a:bodyPr spcFirstLastPara="1" wrap="square" lIns="91425" tIns="91425" rIns="91425" bIns="91425" anchor="ctr" anchorCtr="0">
-            <a:noAutofit/>
-          </a:bodyPr>
-          <a:lstStyle/>
-          <a:p>
-            <a:pPr marL="0" lvl="0" indent="0" algn="l" rtl="0">
-              <a:spcBef>
-                <a:spcPts val="0"/>
-              </a:spcBef>
-              <a:spcAft>
-                <a:spcPts val="0"/>
-              </a:spcAft>
-              <a:buNone/>
-            </a:pPr>
-            <a:endParaRPr/>
-          </a:p>
-        </p:txBody>
-      </p:sp>
-      <p:sp>
-        <p:nvSpPr>
-          <p:cNvPr id="38" name="CaixaDeTexto 37">
-            <a:extLst>
-              <a:ext uri="{FF2B5EF4-FFF2-40B4-BE49-F238E27FC236}">
-                <a16:creationId xmlns:a16="http://schemas.microsoft.com/office/drawing/2014/main" id="{A2D6A888-0C2D-ED34-E962-FD686C16507C}"/>
-              </a:ext>
-            </a:extLst>
-          </p:cNvPr>
-          <p:cNvSpPr txBox="1"/>
-          <p:nvPr/>
-        </p:nvSpPr>
-        <p:spPr>
-          <a:xfrm>
-            <a:off x="3838150" y="3716609"/>
-            <a:ext cx="667852" cy="276999"/>
-          </a:xfrm>
-          <a:prstGeom prst="rect">
-            <a:avLst/>
-          </a:prstGeom>
-          <a:noFill/>
-        </p:spPr>
-        <p:txBody>
-          <a:bodyPr wrap="square">
-            <a:spAutoFit/>
-          </a:bodyPr>
-          <a:lstStyle/>
-          <a:p>
-            <a:r>
-              <a:rPr lang="pt-PT" sz="1200" dirty="0">
-                <a:solidFill>
-                  <a:schemeClr val="bg1"/>
-                </a:solidFill>
-                <a:latin typeface="Maven Pro" panose="020B0604020202020204" charset="0"/>
-              </a:rPr>
-              <a:t>nome </a:t>
-            </a:r>
-          </a:p>
-        </p:txBody>
-      </p:sp>
-      <p:sp>
-        <p:nvSpPr>
-          <p:cNvPr id="39" name="CaixaDeTexto 38">
-            <a:extLst>
-              <a:ext uri="{FF2B5EF4-FFF2-40B4-BE49-F238E27FC236}">
-                <a16:creationId xmlns:a16="http://schemas.microsoft.com/office/drawing/2014/main" id="{279A7594-33CC-BB7B-7BE9-C7D50A516B6E}"/>
-              </a:ext>
-            </a:extLst>
-          </p:cNvPr>
-          <p:cNvSpPr txBox="1"/>
-          <p:nvPr/>
-        </p:nvSpPr>
-        <p:spPr>
-          <a:xfrm>
-            <a:off x="819303" y="3240187"/>
-            <a:ext cx="1307306" cy="338554"/>
-          </a:xfrm>
-          <a:prstGeom prst="rect">
-            <a:avLst/>
-          </a:prstGeom>
-          <a:noFill/>
-        </p:spPr>
-        <p:txBody>
-          <a:bodyPr wrap="square">
-            <a:spAutoFit/>
-          </a:bodyPr>
-          <a:lstStyle/>
-          <a:p>
-            <a:r>
-              <a:rPr lang="pt-PT" sz="1600" dirty="0">
-                <a:solidFill>
-                  <a:schemeClr val="bg1"/>
-                </a:solidFill>
-                <a:latin typeface="Maven Pro" panose="020B0604020202020204" charset="0"/>
-              </a:rPr>
-              <a:t>Professores</a:t>
-            </a:r>
-          </a:p>
-        </p:txBody>
-      </p:sp>
-      <p:sp>
-        <p:nvSpPr>
-          <p:cNvPr id="40" name="CaixaDeTexto 39">
-            <a:extLst>
-              <a:ext uri="{FF2B5EF4-FFF2-40B4-BE49-F238E27FC236}">
-                <a16:creationId xmlns:a16="http://schemas.microsoft.com/office/drawing/2014/main" id="{B1F8033D-47D6-9C1D-A437-2FDB11186E8E}"/>
-              </a:ext>
-            </a:extLst>
-          </p:cNvPr>
-          <p:cNvSpPr txBox="1"/>
-          <p:nvPr/>
-        </p:nvSpPr>
-        <p:spPr>
-          <a:xfrm>
-            <a:off x="1140472" y="3700353"/>
-            <a:ext cx="1307306" cy="276999"/>
-          </a:xfrm>
-          <a:prstGeom prst="rect">
-            <a:avLst/>
-          </a:prstGeom>
-          <a:noFill/>
-        </p:spPr>
-        <p:txBody>
-          <a:bodyPr wrap="square">
-            <a:spAutoFit/>
-          </a:bodyPr>
-          <a:lstStyle/>
-          <a:p>
-            <a:r>
-              <a:rPr lang="pt-PT" sz="1200" u="sng" dirty="0">
-                <a:solidFill>
-                  <a:schemeClr val="bg1"/>
-                </a:solidFill>
-                <a:latin typeface="Maven Pro" panose="020B0604020202020204" charset="0"/>
-              </a:rPr>
-              <a:t>nContribuinte</a:t>
-            </a:r>
-            <a:endParaRPr lang="pt-PT" sz="1200" u="sng" dirty="0"/>
-          </a:p>
-        </p:txBody>
-      </p:sp>
-      <p:sp>
-        <p:nvSpPr>
-          <p:cNvPr id="41" name="CaixaDeTexto 40">
-            <a:extLst>
-              <a:ext uri="{FF2B5EF4-FFF2-40B4-BE49-F238E27FC236}">
-                <a16:creationId xmlns:a16="http://schemas.microsoft.com/office/drawing/2014/main" id="{38DA7A03-4D3D-215B-1385-CC5DDECC7F16}"/>
-              </a:ext>
-            </a:extLst>
-          </p:cNvPr>
-          <p:cNvSpPr txBox="1"/>
-          <p:nvPr/>
-        </p:nvSpPr>
-        <p:spPr>
-          <a:xfrm>
-            <a:off x="2325448" y="3716609"/>
-            <a:ext cx="1914871" cy="246221"/>
-          </a:xfrm>
-          <a:prstGeom prst="rect">
-            <a:avLst/>
-          </a:prstGeom>
-          <a:noFill/>
-        </p:spPr>
-        <p:txBody>
-          <a:bodyPr wrap="square">
-            <a:spAutoFit/>
-          </a:bodyPr>
-          <a:lstStyle/>
-          <a:p>
-            <a:r>
-              <a:rPr lang="pt-PT" sz="1000" dirty="0">
-                <a:solidFill>
-                  <a:schemeClr val="bg1"/>
-                </a:solidFill>
-                <a:latin typeface="Maven Pro" panose="020B0604020202020204" charset="0"/>
-              </a:rPr>
-              <a:t>dataNascimento </a:t>
-            </a:r>
-          </a:p>
-        </p:txBody>
-      </p:sp>
-      <p:sp>
-        <p:nvSpPr>
-          <p:cNvPr id="42" name="CaixaDeTexto 41">
-            <a:extLst>
-              <a:ext uri="{FF2B5EF4-FFF2-40B4-BE49-F238E27FC236}">
-                <a16:creationId xmlns:a16="http://schemas.microsoft.com/office/drawing/2014/main" id="{AF7159CC-4571-C7FE-BA2D-350CB4CB2C21}"/>
-              </a:ext>
-            </a:extLst>
-          </p:cNvPr>
-          <p:cNvSpPr txBox="1"/>
-          <p:nvPr/>
-        </p:nvSpPr>
-        <p:spPr>
-          <a:xfrm>
-            <a:off x="4810890" y="3708019"/>
-            <a:ext cx="1969612" cy="276999"/>
-          </a:xfrm>
-          <a:prstGeom prst="rect">
-            <a:avLst/>
-          </a:prstGeom>
-          <a:noFill/>
-        </p:spPr>
-        <p:txBody>
-          <a:bodyPr wrap="square">
-            <a:spAutoFit/>
-          </a:bodyPr>
-          <a:lstStyle/>
-          <a:p>
-            <a:r>
-              <a:rPr lang="pt-PT" sz="1200" dirty="0">
-                <a:solidFill>
-                  <a:schemeClr val="bg1"/>
-                </a:solidFill>
-                <a:latin typeface="Maven Pro" panose="020B0604020202020204" charset="0"/>
-              </a:rPr>
-              <a:t>especialidade </a:t>
-            </a:r>
-          </a:p>
-        </p:txBody>
-      </p:sp>
-      <p:sp>
-        <p:nvSpPr>
-          <p:cNvPr id="43" name="Google Shape;1240;p44">
-            <a:extLst>
-              <a:ext uri="{FF2B5EF4-FFF2-40B4-BE49-F238E27FC236}">
-                <a16:creationId xmlns:a16="http://schemas.microsoft.com/office/drawing/2014/main" id="{B3D4B942-0902-0B43-BAB2-D0CE80A253D6}"/>
-              </a:ext>
-            </a:extLst>
-          </p:cNvPr>
-          <p:cNvSpPr/>
-          <p:nvPr/>
-        </p:nvSpPr>
-        <p:spPr>
-          <a:xfrm>
-            <a:off x="5969914" y="3688303"/>
-            <a:ext cx="1218326" cy="320374"/>
-          </a:xfrm>
-          <a:prstGeom prst="roundRect">
-            <a:avLst>
-              <a:gd name="adj" fmla="val 0"/>
-            </a:avLst>
-          </a:prstGeom>
-          <a:noFill/>
-          <a:ln w="19050" cap="flat" cmpd="sng">
-            <a:solidFill>
-              <a:schemeClr val="accent2"/>
-            </a:solidFill>
-            <a:prstDash val="solid"/>
-            <a:round/>
-            <a:headEnd type="none" w="sm" len="sm"/>
-            <a:tailEnd type="none" w="sm" len="sm"/>
-          </a:ln>
-        </p:spPr>
-        <p:txBody>
-          <a:bodyPr spcFirstLastPara="1" wrap="square" lIns="91425" tIns="91425" rIns="91425" bIns="91425" anchor="ctr" anchorCtr="0">
-            <a:noAutofit/>
-          </a:bodyPr>
-          <a:lstStyle/>
-          <a:p>
-            <a:pPr marL="0" lvl="0" indent="0" algn="l" rtl="0">
-              <a:spcBef>
-                <a:spcPts val="0"/>
-              </a:spcBef>
-              <a:spcAft>
-                <a:spcPts val="0"/>
-              </a:spcAft>
-              <a:buNone/>
-            </a:pPr>
-            <a:endParaRPr/>
-          </a:p>
-        </p:txBody>
-      </p:sp>
-      <p:sp>
-        <p:nvSpPr>
-          <p:cNvPr id="44" name="CaixaDeTexto 43">
-            <a:extLst>
-              <a:ext uri="{FF2B5EF4-FFF2-40B4-BE49-F238E27FC236}">
-                <a16:creationId xmlns:a16="http://schemas.microsoft.com/office/drawing/2014/main" id="{D363E415-3CF2-C0F5-7AF0-572DD4E7833E}"/>
-              </a:ext>
-            </a:extLst>
-          </p:cNvPr>
-          <p:cNvSpPr txBox="1"/>
-          <p:nvPr/>
-        </p:nvSpPr>
-        <p:spPr>
-          <a:xfrm>
-            <a:off x="6312386" y="3701219"/>
-            <a:ext cx="1969612" cy="276999"/>
-          </a:xfrm>
-          <a:prstGeom prst="rect">
-            <a:avLst/>
-          </a:prstGeom>
-          <a:noFill/>
-        </p:spPr>
-        <p:txBody>
-          <a:bodyPr wrap="square">
-            <a:spAutoFit/>
-          </a:bodyPr>
-          <a:lstStyle/>
-          <a:p>
-            <a:r>
-              <a:rPr lang="pt-PT" sz="1200" dirty="0">
-                <a:solidFill>
-                  <a:schemeClr val="bg1"/>
-                </a:solidFill>
-                <a:latin typeface="Maven Pro" panose="020B0604020202020204" charset="0"/>
-              </a:rPr>
-              <a:t>posto </a:t>
-            </a:r>
+          <a:p>
+            <a:pPr algn="l"/>
+            <a:endParaRPr lang="pt-PT" b="0" i="0" dirty="0">
+              <a:solidFill>
+                <a:schemeClr val="bg1"/>
+              </a:solidFill>
+              <a:effectLst/>
+              <a:latin typeface="Maven Pro" panose="020B0604020202020204" charset="0"/>
+            </a:endParaRPr>
+          </a:p>
+          <a:p>
+            <a:pPr algn="l"/>
+            <a:endParaRPr lang="pt-PT" b="0" i="0" dirty="0">
+              <a:solidFill>
+                <a:schemeClr val="bg1"/>
+              </a:solidFill>
+              <a:effectLst/>
+              <a:latin typeface="-apple-system"/>
+            </a:endParaRPr>
           </a:p>
         </p:txBody>
       </p:sp>
     </p:spTree>
     <p:extLst>
       <p:ext uri="{BB962C8B-B14F-4D97-AF65-F5344CB8AC3E}">
-        <p14:creationId xmlns:p14="http://schemas.microsoft.com/office/powerpoint/2010/main" val="2498504807"/>
+        <p14:creationId xmlns:p14="http://schemas.microsoft.com/office/powerpoint/2010/main" val="352662029"/>
       </p:ext>
     </p:extLst>
   </p:cSld>
@@ -19392,7 +18174,7 @@
             </a:pPr>
             <a:r>
               <a:rPr lang="pt-PT" dirty="0"/>
-              <a:t>Normalização (C3)</a:t>
+              <a:t>Esquema Relacional (C4)</a:t>
             </a:r>
           </a:p>
         </p:txBody>
@@ -19427,12 +18209,42 @@
           </a:prstGeom>
         </p:spPr>
       </p:pic>
-      <p:sp>
-        <p:nvSpPr>
-          <p:cNvPr id="7" name="Google Shape;1240;p44">
+      <p:pic>
+        <p:nvPicPr>
+          <p:cNvPr id="3" name="Imagem 2">
             <a:extLst>
               <a:ext uri="{FF2B5EF4-FFF2-40B4-BE49-F238E27FC236}">
-                <a16:creationId xmlns:a16="http://schemas.microsoft.com/office/drawing/2014/main" id="{B3B33B0C-9EFA-10EC-8A58-23EDF29A304B}"/>
+                <a16:creationId xmlns:a16="http://schemas.microsoft.com/office/drawing/2014/main" id="{3CA0298D-E5ED-30DE-65E2-FC7432417973}"/>
+              </a:ext>
+            </a:extLst>
+          </p:cNvPr>
+          <p:cNvPicPr>
+            <a:picLocks noChangeAspect="1"/>
+          </p:cNvPicPr>
+          <p:nvPr/>
+        </p:nvPicPr>
+        <p:blipFill>
+          <a:blip r:embed="rId4"/>
+          <a:stretch>
+            <a:fillRect/>
+          </a:stretch>
+        </p:blipFill>
+        <p:spPr>
+          <a:xfrm>
+            <a:off x="505208" y="1248535"/>
+            <a:ext cx="4472374" cy="2847558"/>
+          </a:xfrm>
+          <a:prstGeom prst="rect">
+            <a:avLst/>
+          </a:prstGeom>
+        </p:spPr>
+      </p:pic>
+      <p:sp>
+        <p:nvSpPr>
+          <p:cNvPr id="5" name="Google Shape;1240;p44">
+            <a:extLst>
+              <a:ext uri="{FF2B5EF4-FFF2-40B4-BE49-F238E27FC236}">
+                <a16:creationId xmlns:a16="http://schemas.microsoft.com/office/drawing/2014/main" id="{3A2984AD-1487-42F5-A6D0-F159C0F87735}"/>
               </a:ext>
             </a:extLst>
           </p:cNvPr>
@@ -19441,8 +18253,8 @@
         </p:nvSpPr>
         <p:spPr>
           <a:xfrm>
-            <a:off x="1037307" y="1681963"/>
-            <a:ext cx="1218326" cy="320374"/>
+            <a:off x="505208" y="1248535"/>
+            <a:ext cx="4472374" cy="2847558"/>
           </a:xfrm>
           <a:prstGeom prst="roundRect">
             <a:avLst>
@@ -19479,592 +18291,10 @@
           </a:p>
         </p:txBody>
       </p:sp>
-      <p:sp>
-        <p:nvSpPr>
-          <p:cNvPr id="9" name="Google Shape;1240;p44">
-            <a:extLst>
-              <a:ext uri="{FF2B5EF4-FFF2-40B4-BE49-F238E27FC236}">
-                <a16:creationId xmlns:a16="http://schemas.microsoft.com/office/drawing/2014/main" id="{037AA908-A6BA-C76F-7DE7-E791BE764814}"/>
-              </a:ext>
-            </a:extLst>
-          </p:cNvPr>
-          <p:cNvSpPr/>
-          <p:nvPr/>
-        </p:nvSpPr>
-        <p:spPr>
-          <a:xfrm>
-            <a:off x="2255633" y="1681963"/>
-            <a:ext cx="1218326" cy="320374"/>
-          </a:xfrm>
-          <a:prstGeom prst="roundRect">
-            <a:avLst>
-              <a:gd name="adj" fmla="val 0"/>
-            </a:avLst>
-          </a:prstGeom>
-          <a:noFill/>
-          <a:ln w="19050" cap="flat" cmpd="sng">
-            <a:solidFill>
-              <a:schemeClr val="accent2"/>
-            </a:solidFill>
-            <a:prstDash val="solid"/>
-            <a:round/>
-            <a:headEnd type="none" w="sm" len="sm"/>
-            <a:tailEnd type="none" w="sm" len="sm"/>
-          </a:ln>
-        </p:spPr>
-        <p:txBody>
-          <a:bodyPr spcFirstLastPara="1" wrap="square" lIns="91425" tIns="91425" rIns="91425" bIns="91425" anchor="ctr" anchorCtr="0">
-            <a:noAutofit/>
-          </a:bodyPr>
-          <a:lstStyle/>
-          <a:p>
-            <a:pPr marL="0" lvl="0" indent="0" algn="l" rtl="0">
-              <a:spcBef>
-                <a:spcPts val="0"/>
-              </a:spcBef>
-              <a:spcAft>
-                <a:spcPts val="0"/>
-              </a:spcAft>
-              <a:buNone/>
-            </a:pPr>
-            <a:endParaRPr/>
-          </a:p>
-        </p:txBody>
-      </p:sp>
-      <p:sp>
-        <p:nvSpPr>
-          <p:cNvPr id="10" name="Google Shape;1240;p44">
-            <a:extLst>
-              <a:ext uri="{FF2B5EF4-FFF2-40B4-BE49-F238E27FC236}">
-                <a16:creationId xmlns:a16="http://schemas.microsoft.com/office/drawing/2014/main" id="{E5256318-ABDD-DD4E-62AA-ADF071078FEA}"/>
-              </a:ext>
-            </a:extLst>
-          </p:cNvPr>
-          <p:cNvSpPr/>
-          <p:nvPr/>
-        </p:nvSpPr>
-        <p:spPr>
-          <a:xfrm>
-            <a:off x="3473959" y="1681963"/>
-            <a:ext cx="1218326" cy="320374"/>
-          </a:xfrm>
-          <a:prstGeom prst="roundRect">
-            <a:avLst>
-              <a:gd name="adj" fmla="val 0"/>
-            </a:avLst>
-          </a:prstGeom>
-          <a:noFill/>
-          <a:ln w="19050" cap="flat" cmpd="sng">
-            <a:solidFill>
-              <a:schemeClr val="accent2"/>
-            </a:solidFill>
-            <a:prstDash val="solid"/>
-            <a:round/>
-            <a:headEnd type="none" w="sm" len="sm"/>
-            <a:tailEnd type="none" w="sm" len="sm"/>
-          </a:ln>
-        </p:spPr>
-        <p:txBody>
-          <a:bodyPr spcFirstLastPara="1" wrap="square" lIns="91425" tIns="91425" rIns="91425" bIns="91425" anchor="ctr" anchorCtr="0">
-            <a:noAutofit/>
-          </a:bodyPr>
-          <a:lstStyle/>
-          <a:p>
-            <a:pPr marL="0" lvl="0" indent="0" algn="l" rtl="0">
-              <a:spcBef>
-                <a:spcPts val="0"/>
-              </a:spcBef>
-              <a:spcAft>
-                <a:spcPts val="0"/>
-              </a:spcAft>
-              <a:buNone/>
-            </a:pPr>
-            <a:endParaRPr/>
-          </a:p>
-        </p:txBody>
-      </p:sp>
-      <p:sp>
-        <p:nvSpPr>
-          <p:cNvPr id="11" name="Google Shape;1240;p44">
-            <a:extLst>
-              <a:ext uri="{FF2B5EF4-FFF2-40B4-BE49-F238E27FC236}">
-                <a16:creationId xmlns:a16="http://schemas.microsoft.com/office/drawing/2014/main" id="{64F50E18-3B26-5FF6-7978-21C2E73148FA}"/>
-              </a:ext>
-            </a:extLst>
-          </p:cNvPr>
-          <p:cNvSpPr/>
-          <p:nvPr/>
-        </p:nvSpPr>
-        <p:spPr>
-          <a:xfrm>
-            <a:off x="4692285" y="1681963"/>
-            <a:ext cx="1752760" cy="320374"/>
-          </a:xfrm>
-          <a:prstGeom prst="roundRect">
-            <a:avLst>
-              <a:gd name="adj" fmla="val 0"/>
-            </a:avLst>
-          </a:prstGeom>
-          <a:noFill/>
-          <a:ln w="19050" cap="flat" cmpd="sng">
-            <a:solidFill>
-              <a:schemeClr val="accent2"/>
-            </a:solidFill>
-            <a:prstDash val="solid"/>
-            <a:round/>
-            <a:headEnd type="none" w="sm" len="sm"/>
-            <a:tailEnd type="none" w="sm" len="sm"/>
-          </a:ln>
-        </p:spPr>
-        <p:txBody>
-          <a:bodyPr spcFirstLastPara="1" wrap="square" lIns="91425" tIns="91425" rIns="91425" bIns="91425" anchor="ctr" anchorCtr="0">
-            <a:noAutofit/>
-          </a:bodyPr>
-          <a:lstStyle/>
-          <a:p>
-            <a:pPr marL="0" lvl="0" indent="0" algn="l" rtl="0">
-              <a:spcBef>
-                <a:spcPts val="0"/>
-              </a:spcBef>
-              <a:spcAft>
-                <a:spcPts val="0"/>
-              </a:spcAft>
-              <a:buNone/>
-            </a:pPr>
-            <a:endParaRPr/>
-          </a:p>
-        </p:txBody>
-      </p:sp>
-      <p:sp>
-        <p:nvSpPr>
-          <p:cNvPr id="14" name="CaixaDeTexto 13">
-            <a:extLst>
-              <a:ext uri="{FF2B5EF4-FFF2-40B4-BE49-F238E27FC236}">
-                <a16:creationId xmlns:a16="http://schemas.microsoft.com/office/drawing/2014/main" id="{C49CC464-5F45-7DA1-C18D-7AFEB3B1B8A0}"/>
-              </a:ext>
-            </a:extLst>
-          </p:cNvPr>
-          <p:cNvSpPr txBox="1"/>
-          <p:nvPr/>
-        </p:nvSpPr>
-        <p:spPr>
-          <a:xfrm>
-            <a:off x="1252601" y="1687526"/>
-            <a:ext cx="1307306" cy="276999"/>
-          </a:xfrm>
-          <a:prstGeom prst="rect">
-            <a:avLst/>
-          </a:prstGeom>
-          <a:noFill/>
-        </p:spPr>
-        <p:txBody>
-          <a:bodyPr wrap="square">
-            <a:spAutoFit/>
-          </a:bodyPr>
-          <a:lstStyle/>
-          <a:p>
-            <a:r>
-              <a:rPr lang="pt-PT" sz="1200" u="sng" dirty="0">
-                <a:solidFill>
-                  <a:schemeClr val="bg1"/>
-                </a:solidFill>
-                <a:latin typeface="Maven Pro" panose="020B0604020202020204" charset="0"/>
-              </a:rPr>
-              <a:t>número</a:t>
-            </a:r>
-            <a:endParaRPr lang="pt-PT" sz="1200" u="sng" dirty="0"/>
-          </a:p>
-        </p:txBody>
-      </p:sp>
-      <p:sp>
-        <p:nvSpPr>
-          <p:cNvPr id="15" name="CaixaDeTexto 14">
-            <a:extLst>
-              <a:ext uri="{FF2B5EF4-FFF2-40B4-BE49-F238E27FC236}">
-                <a16:creationId xmlns:a16="http://schemas.microsoft.com/office/drawing/2014/main" id="{C098A461-7016-6E21-71EF-33E090162732}"/>
-              </a:ext>
-            </a:extLst>
-          </p:cNvPr>
-          <p:cNvSpPr txBox="1"/>
-          <p:nvPr/>
-        </p:nvSpPr>
-        <p:spPr>
-          <a:xfrm>
-            <a:off x="2433207" y="1702914"/>
-            <a:ext cx="1307306" cy="276999"/>
-          </a:xfrm>
-          <a:prstGeom prst="rect">
-            <a:avLst/>
-          </a:prstGeom>
-          <a:noFill/>
-        </p:spPr>
-        <p:txBody>
-          <a:bodyPr wrap="square">
-            <a:spAutoFit/>
-          </a:bodyPr>
-          <a:lstStyle/>
-          <a:p>
-            <a:r>
-              <a:rPr lang="pt-PT" sz="1200" dirty="0">
-                <a:solidFill>
-                  <a:schemeClr val="bg1"/>
-                </a:solidFill>
-                <a:latin typeface="Maven Pro" panose="020B0604020202020204" charset="0"/>
-              </a:rPr>
-              <a:t>escritório</a:t>
-            </a:r>
-          </a:p>
-        </p:txBody>
-      </p:sp>
-      <p:sp>
-        <p:nvSpPr>
-          <p:cNvPr id="17" name="CaixaDeTexto 16">
-            <a:extLst>
-              <a:ext uri="{FF2B5EF4-FFF2-40B4-BE49-F238E27FC236}">
-                <a16:creationId xmlns:a16="http://schemas.microsoft.com/office/drawing/2014/main" id="{12B7F3CB-0D43-358F-D34A-8B4F009C053D}"/>
-              </a:ext>
-            </a:extLst>
-          </p:cNvPr>
-          <p:cNvSpPr txBox="1"/>
-          <p:nvPr/>
-        </p:nvSpPr>
-        <p:spPr>
-          <a:xfrm>
-            <a:off x="3778847" y="1710269"/>
-            <a:ext cx="608549" cy="276999"/>
-          </a:xfrm>
-          <a:prstGeom prst="rect">
-            <a:avLst/>
-          </a:prstGeom>
-          <a:noFill/>
-        </p:spPr>
-        <p:txBody>
-          <a:bodyPr wrap="square">
-            <a:spAutoFit/>
-          </a:bodyPr>
-          <a:lstStyle/>
-          <a:p>
-            <a:r>
-              <a:rPr lang="pt-PT" sz="1200" dirty="0">
-                <a:solidFill>
-                  <a:schemeClr val="bg1"/>
-                </a:solidFill>
-                <a:latin typeface="Maven Pro" panose="020B0604020202020204" charset="0"/>
-              </a:rPr>
-              <a:t>nome </a:t>
-            </a:r>
-          </a:p>
-        </p:txBody>
-      </p:sp>
-      <p:sp>
-        <p:nvSpPr>
-          <p:cNvPr id="18" name="CaixaDeTexto 17">
-            <a:extLst>
-              <a:ext uri="{FF2B5EF4-FFF2-40B4-BE49-F238E27FC236}">
-                <a16:creationId xmlns:a16="http://schemas.microsoft.com/office/drawing/2014/main" id="{7A5532D7-B074-D3B8-F305-08C33F668F7F}"/>
-              </a:ext>
-            </a:extLst>
-          </p:cNvPr>
-          <p:cNvSpPr txBox="1"/>
-          <p:nvPr/>
-        </p:nvSpPr>
-        <p:spPr>
-          <a:xfrm>
-            <a:off x="4647794" y="1718304"/>
-            <a:ext cx="1914871" cy="246221"/>
-          </a:xfrm>
-          <a:prstGeom prst="rect">
-            <a:avLst/>
-          </a:prstGeom>
-          <a:noFill/>
-        </p:spPr>
-        <p:txBody>
-          <a:bodyPr wrap="square">
-            <a:spAutoFit/>
-          </a:bodyPr>
-          <a:lstStyle/>
-          <a:p>
-            <a:r>
-              <a:rPr lang="pt-PT" sz="1000" dirty="0">
-                <a:solidFill>
-                  <a:schemeClr val="bg1"/>
-                </a:solidFill>
-                <a:latin typeface="Maven Pro" panose="020B0604020202020204" charset="0"/>
-              </a:rPr>
-              <a:t>#nContribuinte_Professores</a:t>
-            </a:r>
-          </a:p>
-        </p:txBody>
-      </p:sp>
-      <p:sp>
-        <p:nvSpPr>
-          <p:cNvPr id="20" name="CaixaDeTexto 19">
-            <a:extLst>
-              <a:ext uri="{FF2B5EF4-FFF2-40B4-BE49-F238E27FC236}">
-                <a16:creationId xmlns:a16="http://schemas.microsoft.com/office/drawing/2014/main" id="{A3E0C257-9503-6B6E-B055-C00021705B59}"/>
-              </a:ext>
-            </a:extLst>
-          </p:cNvPr>
-          <p:cNvSpPr txBox="1"/>
-          <p:nvPr/>
-        </p:nvSpPr>
-        <p:spPr>
-          <a:xfrm>
-            <a:off x="819303" y="1263683"/>
-            <a:ext cx="2285244" cy="338554"/>
-          </a:xfrm>
-          <a:prstGeom prst="rect">
-            <a:avLst/>
-          </a:prstGeom>
-          <a:noFill/>
-        </p:spPr>
-        <p:txBody>
-          <a:bodyPr wrap="square">
-            <a:spAutoFit/>
-          </a:bodyPr>
-          <a:lstStyle/>
-          <a:p>
-            <a:r>
-              <a:rPr lang="pt-PT" sz="1600" dirty="0">
-                <a:solidFill>
-                  <a:schemeClr val="bg1"/>
-                </a:solidFill>
-                <a:latin typeface="Maven Pro" panose="020B0604020202020204" charset="0"/>
-              </a:rPr>
-              <a:t>Departamentos</a:t>
-            </a:r>
-          </a:p>
-        </p:txBody>
-      </p:sp>
-      <p:sp>
-        <p:nvSpPr>
-          <p:cNvPr id="2" name="CaixaDeTexto 1">
-            <a:extLst>
-              <a:ext uri="{FF2B5EF4-FFF2-40B4-BE49-F238E27FC236}">
-                <a16:creationId xmlns:a16="http://schemas.microsoft.com/office/drawing/2014/main" id="{CD07961D-1FF0-3EA5-2A7D-63C1164FF250}"/>
-              </a:ext>
-            </a:extLst>
-          </p:cNvPr>
-          <p:cNvSpPr txBox="1"/>
-          <p:nvPr/>
-        </p:nvSpPr>
-        <p:spPr>
-          <a:xfrm>
-            <a:off x="801615" y="2402473"/>
-            <a:ext cx="2672343" cy="338554"/>
-          </a:xfrm>
-          <a:prstGeom prst="rect">
-            <a:avLst/>
-          </a:prstGeom>
-          <a:noFill/>
-        </p:spPr>
-        <p:txBody>
-          <a:bodyPr wrap="square">
-            <a:spAutoFit/>
-          </a:bodyPr>
-          <a:lstStyle/>
-          <a:p>
-            <a:r>
-              <a:rPr lang="pt-PT" sz="1600" dirty="0">
-                <a:solidFill>
-                  <a:schemeClr val="bg1"/>
-                </a:solidFill>
-                <a:latin typeface="Maven Pro" panose="020B0604020202020204" charset="0"/>
-              </a:rPr>
-              <a:t>Organismo_Financiador</a:t>
-            </a:r>
-          </a:p>
-        </p:txBody>
-      </p:sp>
-      <p:sp>
-        <p:nvSpPr>
-          <p:cNvPr id="3" name="Google Shape;1240;p44">
-            <a:extLst>
-              <a:ext uri="{FF2B5EF4-FFF2-40B4-BE49-F238E27FC236}">
-                <a16:creationId xmlns:a16="http://schemas.microsoft.com/office/drawing/2014/main" id="{A600F194-DFD4-5F0D-8161-7BD68D21B4FE}"/>
-              </a:ext>
-            </a:extLst>
-          </p:cNvPr>
-          <p:cNvSpPr/>
-          <p:nvPr/>
-        </p:nvSpPr>
-        <p:spPr>
-          <a:xfrm>
-            <a:off x="1037307" y="2912133"/>
-            <a:ext cx="1218326" cy="320374"/>
-          </a:xfrm>
-          <a:prstGeom prst="roundRect">
-            <a:avLst>
-              <a:gd name="adj" fmla="val 0"/>
-            </a:avLst>
-          </a:prstGeom>
-          <a:noFill/>
-          <a:ln w="19050" cap="flat" cmpd="sng">
-            <a:solidFill>
-              <a:schemeClr val="accent2"/>
-            </a:solidFill>
-            <a:prstDash val="solid"/>
-            <a:round/>
-            <a:headEnd type="none" w="sm" len="sm"/>
-            <a:tailEnd type="none" w="sm" len="sm"/>
-          </a:ln>
-        </p:spPr>
-        <p:txBody>
-          <a:bodyPr spcFirstLastPara="1" wrap="square" lIns="91425" tIns="91425" rIns="91425" bIns="91425" anchor="ctr" anchorCtr="0">
-            <a:noAutofit/>
-          </a:bodyPr>
-          <a:lstStyle/>
-          <a:p>
-            <a:pPr marL="0" lvl="0" indent="0" algn="l" rtl="0">
-              <a:spcBef>
-                <a:spcPts val="0"/>
-              </a:spcBef>
-              <a:spcAft>
-                <a:spcPts val="0"/>
-              </a:spcAft>
-              <a:buNone/>
-            </a:pPr>
-            <a:endParaRPr/>
-          </a:p>
-        </p:txBody>
-      </p:sp>
-      <p:sp>
-        <p:nvSpPr>
-          <p:cNvPr id="5" name="CaixaDeTexto 4">
-            <a:extLst>
-              <a:ext uri="{FF2B5EF4-FFF2-40B4-BE49-F238E27FC236}">
-                <a16:creationId xmlns:a16="http://schemas.microsoft.com/office/drawing/2014/main" id="{0FFD30A2-2873-73A1-560C-445D06553004}"/>
-              </a:ext>
-            </a:extLst>
-          </p:cNvPr>
-          <p:cNvSpPr txBox="1"/>
-          <p:nvPr/>
-        </p:nvSpPr>
-        <p:spPr>
-          <a:xfrm>
-            <a:off x="1125901" y="2933083"/>
-            <a:ext cx="1307306" cy="276999"/>
-          </a:xfrm>
-          <a:prstGeom prst="rect">
-            <a:avLst/>
-          </a:prstGeom>
-          <a:noFill/>
-        </p:spPr>
-        <p:txBody>
-          <a:bodyPr wrap="square">
-            <a:spAutoFit/>
-          </a:bodyPr>
-          <a:lstStyle/>
-          <a:p>
-            <a:r>
-              <a:rPr lang="pt-PT" sz="1200" u="sng" dirty="0">
-                <a:solidFill>
-                  <a:schemeClr val="bg1"/>
-                </a:solidFill>
-                <a:latin typeface="Maven Pro" panose="020B0604020202020204" charset="0"/>
-              </a:rPr>
-              <a:t>identificação</a:t>
-            </a:r>
-            <a:endParaRPr lang="pt-PT" sz="1200" u="sng" dirty="0"/>
-          </a:p>
-        </p:txBody>
-      </p:sp>
-      <p:sp>
-        <p:nvSpPr>
-          <p:cNvPr id="6" name="CaixaDeTexto 5">
-            <a:extLst>
-              <a:ext uri="{FF2B5EF4-FFF2-40B4-BE49-F238E27FC236}">
-                <a16:creationId xmlns:a16="http://schemas.microsoft.com/office/drawing/2014/main" id="{4E58B6FD-506E-4787-5505-C0BBD5874D36}"/>
-              </a:ext>
-            </a:extLst>
-          </p:cNvPr>
-          <p:cNvSpPr txBox="1"/>
-          <p:nvPr/>
-        </p:nvSpPr>
-        <p:spPr>
-          <a:xfrm>
-            <a:off x="2559907" y="2933083"/>
-            <a:ext cx="1307306" cy="276999"/>
-          </a:xfrm>
-          <a:prstGeom prst="rect">
-            <a:avLst/>
-          </a:prstGeom>
-          <a:noFill/>
-        </p:spPr>
-        <p:txBody>
-          <a:bodyPr wrap="square">
-            <a:spAutoFit/>
-          </a:bodyPr>
-          <a:lstStyle/>
-          <a:p>
-            <a:r>
-              <a:rPr lang="pt-PT" sz="1200" dirty="0">
-                <a:solidFill>
-                  <a:schemeClr val="bg1"/>
-                </a:solidFill>
-                <a:latin typeface="Maven Pro" panose="020B0604020202020204" charset="0"/>
-              </a:rPr>
-              <a:t>nome</a:t>
-            </a:r>
-          </a:p>
-        </p:txBody>
-      </p:sp>
-      <p:sp>
-        <p:nvSpPr>
-          <p:cNvPr id="8" name="Google Shape;1240;p44">
-            <a:extLst>
-              <a:ext uri="{FF2B5EF4-FFF2-40B4-BE49-F238E27FC236}">
-                <a16:creationId xmlns:a16="http://schemas.microsoft.com/office/drawing/2014/main" id="{6828574A-BA97-28D1-F11D-66AEA185F975}"/>
-              </a:ext>
-            </a:extLst>
-          </p:cNvPr>
-          <p:cNvSpPr/>
-          <p:nvPr/>
-        </p:nvSpPr>
-        <p:spPr>
-          <a:xfrm>
-            <a:off x="2255633" y="2912133"/>
-            <a:ext cx="1218326" cy="320374"/>
-          </a:xfrm>
-          <a:prstGeom prst="roundRect">
-            <a:avLst>
-              <a:gd name="adj" fmla="val 0"/>
-            </a:avLst>
-          </a:prstGeom>
-          <a:noFill/>
-          <a:ln w="19050" cap="flat" cmpd="sng">
-            <a:solidFill>
-              <a:schemeClr val="accent2"/>
-            </a:solidFill>
-            <a:prstDash val="solid"/>
-            <a:round/>
-            <a:headEnd type="none" w="sm" len="sm"/>
-            <a:tailEnd type="none" w="sm" len="sm"/>
-          </a:ln>
-        </p:spPr>
-        <p:txBody>
-          <a:bodyPr spcFirstLastPara="1" wrap="square" lIns="91425" tIns="91425" rIns="91425" bIns="91425" anchor="ctr" anchorCtr="0">
-            <a:noAutofit/>
-          </a:bodyPr>
-          <a:lstStyle/>
-          <a:p>
-            <a:pPr marL="0" lvl="0" indent="0" algn="l" rtl="0">
-              <a:spcBef>
-                <a:spcPts val="0"/>
-              </a:spcBef>
-              <a:spcAft>
-                <a:spcPts val="0"/>
-              </a:spcAft>
-              <a:buNone/>
-            </a:pPr>
-            <a:endParaRPr/>
-          </a:p>
-        </p:txBody>
-      </p:sp>
     </p:spTree>
     <p:extLst>
       <p:ext uri="{BB962C8B-B14F-4D97-AF65-F5344CB8AC3E}">
-        <p14:creationId xmlns:p14="http://schemas.microsoft.com/office/powerpoint/2010/main" val="466864437"/>
+        <p14:creationId xmlns:p14="http://schemas.microsoft.com/office/powerpoint/2010/main" val="298802895"/>
       </p:ext>
     </p:extLst>
   </p:cSld>
@@ -20127,7 +18357,7 @@
             </a:pPr>
             <a:r>
               <a:rPr lang="pt-PT" dirty="0"/>
-              <a:t>Normalização (C3)</a:t>
+              <a:t>Esquema Relacional (C4)</a:t>
             </a:r>
           </a:p>
         </p:txBody>
@@ -20164,57 +18394,40 @@
       </p:pic>
       <p:pic>
         <p:nvPicPr>
-          <p:cNvPr id="1026" name="Picture 2" descr="3NF">
+          <p:cNvPr id="10" name="Imagem 9">
             <a:extLst>
               <a:ext uri="{FF2B5EF4-FFF2-40B4-BE49-F238E27FC236}">
-                <a16:creationId xmlns:a16="http://schemas.microsoft.com/office/drawing/2014/main" id="{B674C830-49AE-EF76-93B7-3FF6D5D90F6E}"/>
+                <a16:creationId xmlns:a16="http://schemas.microsoft.com/office/drawing/2014/main" id="{81B1CEF7-FF69-7DC5-AF8F-335EEC7A49F9}"/>
               </a:ext>
             </a:extLst>
           </p:cNvPr>
           <p:cNvPicPr>
-            <a:picLocks noChangeAspect="1" noChangeArrowheads="1"/>
+            <a:picLocks noChangeAspect="1"/>
           </p:cNvPicPr>
           <p:nvPr/>
         </p:nvPicPr>
         <p:blipFill>
-          <a:blip r:embed="rId4">
-            <a:extLst>
-              <a:ext uri="{28A0092B-C50C-407E-A947-70E740481C1C}">
-                <a14:useLocalDpi xmlns:a14="http://schemas.microsoft.com/office/drawing/2010/main" val="0"/>
-              </a:ext>
-            </a:extLst>
-          </a:blip>
-          <a:srcRect/>
+          <a:blip r:embed="rId4"/>
           <a:stretch>
             <a:fillRect/>
           </a:stretch>
         </p:blipFill>
-        <p:spPr bwMode="auto">
-          <a:xfrm>
-            <a:off x="2119671" y="989475"/>
-            <a:ext cx="3882923" cy="4012973"/>
+        <p:spPr>
+          <a:xfrm>
+            <a:off x="505208" y="1248534"/>
+            <a:ext cx="4472374" cy="2847557"/>
           </a:xfrm>
           <a:prstGeom prst="rect">
             <a:avLst/>
           </a:prstGeom>
-          <a:noFill/>
-          <a:extLst>
-            <a:ext uri="{909E8E84-426E-40DD-AFC4-6F175D3DCCD1}">
-              <a14:hiddenFill xmlns:a14="http://schemas.microsoft.com/office/drawing/2010/main">
-                <a:solidFill>
-                  <a:srgbClr val="FFFFFF"/>
-                </a:solidFill>
-              </a14:hiddenFill>
-            </a:ext>
-          </a:extLst>
         </p:spPr>
       </p:pic>
       <p:sp>
         <p:nvSpPr>
-          <p:cNvPr id="12" name="Google Shape;1240;p44">
+          <p:cNvPr id="5" name="Google Shape;1240;p44">
             <a:extLst>
               <a:ext uri="{FF2B5EF4-FFF2-40B4-BE49-F238E27FC236}">
-                <a16:creationId xmlns:a16="http://schemas.microsoft.com/office/drawing/2014/main" id="{8BFA409E-BB07-20C2-0B04-91E456482A72}"/>
+                <a16:creationId xmlns:a16="http://schemas.microsoft.com/office/drawing/2014/main" id="{3A2984AD-1487-42F5-A6D0-F159C0F87735}"/>
               </a:ext>
             </a:extLst>
           </p:cNvPr>
@@ -20223,8 +18436,8 @@
         </p:nvSpPr>
         <p:spPr>
           <a:xfrm>
-            <a:off x="2119671" y="989475"/>
-            <a:ext cx="3882923" cy="4012973"/>
+            <a:off x="505208" y="1248535"/>
+            <a:ext cx="4472374" cy="2847558"/>
           </a:xfrm>
           <a:prstGeom prst="roundRect">
             <a:avLst>
@@ -20264,7 +18477,7 @@
     </p:spTree>
     <p:extLst>
       <p:ext uri="{BB962C8B-B14F-4D97-AF65-F5344CB8AC3E}">
-        <p14:creationId xmlns:p14="http://schemas.microsoft.com/office/powerpoint/2010/main" val="3634953045"/>
+        <p14:creationId xmlns:p14="http://schemas.microsoft.com/office/powerpoint/2010/main" val="1333165103"/>
       </p:ext>
     </p:extLst>
   </p:cSld>
@@ -20327,7 +18540,7 @@
             </a:pPr>
             <a:r>
               <a:rPr lang="pt-PT" dirty="0"/>
-              <a:t>Normalização (C3)</a:t>
+              <a:t>Esquema Relacional (C4)</a:t>
             </a:r>
           </a:p>
         </p:txBody>
@@ -20362,299 +18575,42 @@
           </a:prstGeom>
         </p:spPr>
       </p:pic>
-      <p:sp>
-        <p:nvSpPr>
-          <p:cNvPr id="2" name="Google Shape;658;p31">
+      <p:pic>
+        <p:nvPicPr>
+          <p:cNvPr id="3" name="Imagem 2">
             <a:extLst>
               <a:ext uri="{FF2B5EF4-FFF2-40B4-BE49-F238E27FC236}">
-                <a16:creationId xmlns:a16="http://schemas.microsoft.com/office/drawing/2014/main" id="{810AC101-B848-D2C0-9F0D-E0799C0A8BB1}"/>
+                <a16:creationId xmlns:a16="http://schemas.microsoft.com/office/drawing/2014/main" id="{7F1CEDC8-62D6-905D-C91B-65B9A90D6CB4}"/>
               </a:ext>
             </a:extLst>
           </p:cNvPr>
-          <p:cNvSpPr txBox="1">
-            <a:spLocks/>
-          </p:cNvSpPr>
+          <p:cNvPicPr>
+            <a:picLocks noChangeAspect="1"/>
+          </p:cNvPicPr>
           <p:nvPr/>
-        </p:nvSpPr>
-        <p:spPr>
-          <a:xfrm>
-            <a:off x="819303" y="411675"/>
-            <a:ext cx="4727700" cy="577800"/>
+        </p:nvPicPr>
+        <p:blipFill>
+          <a:blip r:embed="rId4"/>
+          <a:stretch>
+            <a:fillRect/>
+          </a:stretch>
+        </p:blipFill>
+        <p:spPr>
+          <a:xfrm>
+            <a:off x="505208" y="1248535"/>
+            <a:ext cx="4472374" cy="2755652"/>
           </a:xfrm>
           <a:prstGeom prst="rect">
             <a:avLst/>
           </a:prstGeom>
-          <a:noFill/>
-          <a:ln>
-            <a:noFill/>
-          </a:ln>
-        </p:spPr>
-        <p:txBody>
-          <a:bodyPr spcFirstLastPara="1" wrap="square" lIns="91425" tIns="91425" rIns="91425" bIns="91425" anchor="b" anchorCtr="0">
-            <a:noAutofit/>
-          </a:bodyPr>
-          <a:lstStyle>
-            <a:defPPr marR="0" lvl="0" algn="l" rtl="0">
-              <a:lnSpc>
-                <a:spcPct val="100000"/>
-              </a:lnSpc>
-              <a:spcBef>
-                <a:spcPts val="0"/>
-              </a:spcBef>
-              <a:spcAft>
-                <a:spcPts val="0"/>
-              </a:spcAft>
-            </a:defPPr>
-            <a:lvl1pPr marR="0" lvl="0" algn="l" rtl="0">
-              <a:lnSpc>
-                <a:spcPct val="100000"/>
-              </a:lnSpc>
-              <a:spcBef>
-                <a:spcPts val="0"/>
-              </a:spcBef>
-              <a:spcAft>
-                <a:spcPts val="0"/>
-              </a:spcAft>
-              <a:buClr>
-                <a:srgbClr val="000000"/>
-              </a:buClr>
-              <a:buSzPts val="3600"/>
-              <a:buFont typeface="Share Tech"/>
-              <a:buNone/>
-              <a:defRPr sz="3000" b="0" i="0" u="none" strike="noStrike" cap="none">
-                <a:solidFill>
-                  <a:schemeClr val="lt1"/>
-                </a:solidFill>
-                <a:latin typeface="Share Tech"/>
-                <a:ea typeface="Share Tech"/>
-                <a:cs typeface="Share Tech"/>
-                <a:sym typeface="Share Tech"/>
-              </a:defRPr>
-            </a:lvl1pPr>
-            <a:lvl2pPr marR="0" lvl="1" algn="ctr" rtl="0">
-              <a:lnSpc>
-                <a:spcPct val="100000"/>
-              </a:lnSpc>
-              <a:spcBef>
-                <a:spcPts val="0"/>
-              </a:spcBef>
-              <a:spcAft>
-                <a:spcPts val="0"/>
-              </a:spcAft>
-              <a:buClr>
-                <a:srgbClr val="D9D9D9"/>
-              </a:buClr>
-              <a:buSzPts val="1800"/>
-              <a:buFont typeface="Share Tech"/>
-              <a:buNone/>
-              <a:defRPr sz="1800" b="0" i="0" u="none" strike="noStrike" cap="none">
-                <a:solidFill>
-                  <a:srgbClr val="D9D9D9"/>
-                </a:solidFill>
-                <a:latin typeface="Share Tech"/>
-                <a:ea typeface="Share Tech"/>
-                <a:cs typeface="Share Tech"/>
-                <a:sym typeface="Share Tech"/>
-              </a:defRPr>
-            </a:lvl2pPr>
-            <a:lvl3pPr marR="0" lvl="2" algn="ctr" rtl="0">
-              <a:lnSpc>
-                <a:spcPct val="100000"/>
-              </a:lnSpc>
-              <a:spcBef>
-                <a:spcPts val="0"/>
-              </a:spcBef>
-              <a:spcAft>
-                <a:spcPts val="0"/>
-              </a:spcAft>
-              <a:buClr>
-                <a:srgbClr val="D9D9D9"/>
-              </a:buClr>
-              <a:buSzPts val="1800"/>
-              <a:buFont typeface="Share Tech"/>
-              <a:buNone/>
-              <a:defRPr sz="1800" b="0" i="0" u="none" strike="noStrike" cap="none">
-                <a:solidFill>
-                  <a:srgbClr val="D9D9D9"/>
-                </a:solidFill>
-                <a:latin typeface="Share Tech"/>
-                <a:ea typeface="Share Tech"/>
-                <a:cs typeface="Share Tech"/>
-                <a:sym typeface="Share Tech"/>
-              </a:defRPr>
-            </a:lvl3pPr>
-            <a:lvl4pPr marR="0" lvl="3" algn="ctr" rtl="0">
-              <a:lnSpc>
-                <a:spcPct val="100000"/>
-              </a:lnSpc>
-              <a:spcBef>
-                <a:spcPts val="0"/>
-              </a:spcBef>
-              <a:spcAft>
-                <a:spcPts val="0"/>
-              </a:spcAft>
-              <a:buClr>
-                <a:srgbClr val="D9D9D9"/>
-              </a:buClr>
-              <a:buSzPts val="1800"/>
-              <a:buFont typeface="Share Tech"/>
-              <a:buNone/>
-              <a:defRPr sz="1800" b="0" i="0" u="none" strike="noStrike" cap="none">
-                <a:solidFill>
-                  <a:srgbClr val="D9D9D9"/>
-                </a:solidFill>
-                <a:latin typeface="Share Tech"/>
-                <a:ea typeface="Share Tech"/>
-                <a:cs typeface="Share Tech"/>
-                <a:sym typeface="Share Tech"/>
-              </a:defRPr>
-            </a:lvl4pPr>
-            <a:lvl5pPr marR="0" lvl="4" algn="ctr" rtl="0">
-              <a:lnSpc>
-                <a:spcPct val="100000"/>
-              </a:lnSpc>
-              <a:spcBef>
-                <a:spcPts val="0"/>
-              </a:spcBef>
-              <a:spcAft>
-                <a:spcPts val="0"/>
-              </a:spcAft>
-              <a:buClr>
-                <a:srgbClr val="D9D9D9"/>
-              </a:buClr>
-              <a:buSzPts val="1800"/>
-              <a:buFont typeface="Share Tech"/>
-              <a:buNone/>
-              <a:defRPr sz="1800" b="0" i="0" u="none" strike="noStrike" cap="none">
-                <a:solidFill>
-                  <a:srgbClr val="D9D9D9"/>
-                </a:solidFill>
-                <a:latin typeface="Share Tech"/>
-                <a:ea typeface="Share Tech"/>
-                <a:cs typeface="Share Tech"/>
-                <a:sym typeface="Share Tech"/>
-              </a:defRPr>
-            </a:lvl5pPr>
-            <a:lvl6pPr marR="0" lvl="5" algn="ctr" rtl="0">
-              <a:lnSpc>
-                <a:spcPct val="100000"/>
-              </a:lnSpc>
-              <a:spcBef>
-                <a:spcPts val="0"/>
-              </a:spcBef>
-              <a:spcAft>
-                <a:spcPts val="0"/>
-              </a:spcAft>
-              <a:buClr>
-                <a:srgbClr val="D9D9D9"/>
-              </a:buClr>
-              <a:buSzPts val="1800"/>
-              <a:buFont typeface="Share Tech"/>
-              <a:buNone/>
-              <a:defRPr sz="1800" b="0" i="0" u="none" strike="noStrike" cap="none">
-                <a:solidFill>
-                  <a:srgbClr val="D9D9D9"/>
-                </a:solidFill>
-                <a:latin typeface="Share Tech"/>
-                <a:ea typeface="Share Tech"/>
-                <a:cs typeface="Share Tech"/>
-                <a:sym typeface="Share Tech"/>
-              </a:defRPr>
-            </a:lvl6pPr>
-            <a:lvl7pPr marR="0" lvl="6" algn="ctr" rtl="0">
-              <a:lnSpc>
-                <a:spcPct val="100000"/>
-              </a:lnSpc>
-              <a:spcBef>
-                <a:spcPts val="0"/>
-              </a:spcBef>
-              <a:spcAft>
-                <a:spcPts val="0"/>
-              </a:spcAft>
-              <a:buClr>
-                <a:srgbClr val="D9D9D9"/>
-              </a:buClr>
-              <a:buSzPts val="1800"/>
-              <a:buFont typeface="Share Tech"/>
-              <a:buNone/>
-              <a:defRPr sz="1800" b="0" i="0" u="none" strike="noStrike" cap="none">
-                <a:solidFill>
-                  <a:srgbClr val="D9D9D9"/>
-                </a:solidFill>
-                <a:latin typeface="Share Tech"/>
-                <a:ea typeface="Share Tech"/>
-                <a:cs typeface="Share Tech"/>
-                <a:sym typeface="Share Tech"/>
-              </a:defRPr>
-            </a:lvl7pPr>
-            <a:lvl8pPr marR="0" lvl="7" algn="ctr" rtl="0">
-              <a:lnSpc>
-                <a:spcPct val="100000"/>
-              </a:lnSpc>
-              <a:spcBef>
-                <a:spcPts val="0"/>
-              </a:spcBef>
-              <a:spcAft>
-                <a:spcPts val="0"/>
-              </a:spcAft>
-              <a:buClr>
-                <a:srgbClr val="D9D9D9"/>
-              </a:buClr>
-              <a:buSzPts val="1800"/>
-              <a:buFont typeface="Share Tech"/>
-              <a:buNone/>
-              <a:defRPr sz="1800" b="0" i="0" u="none" strike="noStrike" cap="none">
-                <a:solidFill>
-                  <a:srgbClr val="D9D9D9"/>
-                </a:solidFill>
-                <a:latin typeface="Share Tech"/>
-                <a:ea typeface="Share Tech"/>
-                <a:cs typeface="Share Tech"/>
-                <a:sym typeface="Share Tech"/>
-              </a:defRPr>
-            </a:lvl8pPr>
-            <a:lvl9pPr marR="0" lvl="8" algn="ctr" rtl="0">
-              <a:lnSpc>
-                <a:spcPct val="100000"/>
-              </a:lnSpc>
-              <a:spcBef>
-                <a:spcPts val="0"/>
-              </a:spcBef>
-              <a:spcAft>
-                <a:spcPts val="0"/>
-              </a:spcAft>
-              <a:buClr>
-                <a:srgbClr val="D9D9D9"/>
-              </a:buClr>
-              <a:buSzPts val="1800"/>
-              <a:buFont typeface="Share Tech"/>
-              <a:buNone/>
-              <a:defRPr sz="1800" b="0" i="0" u="none" strike="noStrike" cap="none">
-                <a:solidFill>
-                  <a:srgbClr val="D9D9D9"/>
-                </a:solidFill>
-                <a:latin typeface="Share Tech"/>
-                <a:ea typeface="Share Tech"/>
-                <a:cs typeface="Share Tech"/>
-                <a:sym typeface="Share Tech"/>
-              </a:defRPr>
-            </a:lvl9pPr>
-          </a:lstStyle>
-          <a:p>
-            <a:r>
-              <a:rPr lang="pt-PT"/>
-              <a:t>Normalização (C3)</a:t>
-            </a:r>
-            <a:endParaRPr lang="pt-PT" dirty="0"/>
-          </a:p>
-        </p:txBody>
-      </p:sp>
-      <p:sp>
-        <p:nvSpPr>
-          <p:cNvPr id="3" name="Google Shape;1240;p44">
+        </p:spPr>
+      </p:pic>
+      <p:sp>
+        <p:nvSpPr>
+          <p:cNvPr id="5" name="Google Shape;1240;p44">
             <a:extLst>
               <a:ext uri="{FF2B5EF4-FFF2-40B4-BE49-F238E27FC236}">
-                <a16:creationId xmlns:a16="http://schemas.microsoft.com/office/drawing/2014/main" id="{9C0DF139-F2D0-9BE7-5F44-66A3E4FFA741}"/>
+                <a16:creationId xmlns:a16="http://schemas.microsoft.com/office/drawing/2014/main" id="{3A2984AD-1487-42F5-A6D0-F159C0F87735}"/>
               </a:ext>
             </a:extLst>
           </p:cNvPr>
@@ -20663,18 +18619,18 @@
         </p:nvSpPr>
         <p:spPr>
           <a:xfrm>
-            <a:off x="380443" y="1482969"/>
-            <a:ext cx="6374101" cy="1732180"/>
+            <a:off x="505208" y="1248535"/>
+            <a:ext cx="4472374" cy="2755652"/>
           </a:xfrm>
           <a:prstGeom prst="roundRect">
             <a:avLst>
-              <a:gd name="adj" fmla="val 16667"/>
+              <a:gd name="adj" fmla="val 0"/>
             </a:avLst>
           </a:prstGeom>
           <a:noFill/>
           <a:ln w="19050" cap="flat" cmpd="sng">
             <a:solidFill>
-              <a:schemeClr val="accent1"/>
+              <a:schemeClr val="accent2"/>
             </a:solidFill>
             <a:prstDash val="solid"/>
             <a:round/>
@@ -20701,287 +18657,10 @@
           </a:p>
         </p:txBody>
       </p:sp>
-      <p:sp>
-        <p:nvSpPr>
-          <p:cNvPr id="5" name="Google Shape;1241;p44">
-            <a:extLst>
-              <a:ext uri="{FF2B5EF4-FFF2-40B4-BE49-F238E27FC236}">
-                <a16:creationId xmlns:a16="http://schemas.microsoft.com/office/drawing/2014/main" id="{8B761DD9-4D42-034C-8E59-ADF12855743C}"/>
-              </a:ext>
-            </a:extLst>
-          </p:cNvPr>
-          <p:cNvSpPr/>
-          <p:nvPr/>
-        </p:nvSpPr>
-        <p:spPr>
-          <a:xfrm>
-            <a:off x="505767" y="1591243"/>
-            <a:ext cx="6120385" cy="1491170"/>
-          </a:xfrm>
-          <a:prstGeom prst="roundRect">
-            <a:avLst>
-              <a:gd name="adj" fmla="val 16667"/>
-            </a:avLst>
-          </a:prstGeom>
-          <a:noFill/>
-          <a:ln w="9525" cap="flat" cmpd="sng">
-            <a:solidFill>
-              <a:schemeClr val="lt2"/>
-            </a:solidFill>
-            <a:prstDash val="solid"/>
-            <a:round/>
-            <a:headEnd type="none" w="sm" len="sm"/>
-            <a:tailEnd type="none" w="sm" len="sm"/>
-          </a:ln>
-        </p:spPr>
-        <p:txBody>
-          <a:bodyPr spcFirstLastPara="1" wrap="square" lIns="91425" tIns="91425" rIns="91425" bIns="91425" anchor="ctr" anchorCtr="0">
-            <a:noAutofit/>
-          </a:bodyPr>
-          <a:lstStyle/>
-          <a:p>
-            <a:pPr marL="0" lvl="0" indent="0" algn="l" rtl="0">
-              <a:spcBef>
-                <a:spcPts val="0"/>
-              </a:spcBef>
-              <a:spcAft>
-                <a:spcPts val="0"/>
-              </a:spcAft>
-              <a:buNone/>
-            </a:pPr>
-            <a:endParaRPr/>
-          </a:p>
-        </p:txBody>
-      </p:sp>
-      <p:sp>
-        <p:nvSpPr>
-          <p:cNvPr id="6" name="CaixaDeTexto 5">
-            <a:extLst>
-              <a:ext uri="{FF2B5EF4-FFF2-40B4-BE49-F238E27FC236}">
-                <a16:creationId xmlns:a16="http://schemas.microsoft.com/office/drawing/2014/main" id="{E3505EAB-A221-F853-43F1-2AD45F31DE5D}"/>
-              </a:ext>
-            </a:extLst>
-          </p:cNvPr>
-          <p:cNvSpPr txBox="1"/>
-          <p:nvPr/>
-        </p:nvSpPr>
-        <p:spPr>
-          <a:xfrm>
-            <a:off x="602993" y="1623200"/>
-            <a:ext cx="6148483" cy="1384995"/>
-          </a:xfrm>
-          <a:prstGeom prst="rect">
-            <a:avLst/>
-          </a:prstGeom>
-          <a:noFill/>
-        </p:spPr>
-        <p:txBody>
-          <a:bodyPr wrap="square">
-            <a:spAutoFit/>
-          </a:bodyPr>
-          <a:lstStyle/>
-          <a:p>
-            <a:r>
-              <a:rPr lang="pt-PT" b="1" dirty="0">
-                <a:solidFill>
-                  <a:schemeClr val="bg1"/>
-                </a:solidFill>
-                <a:latin typeface="Maven Pro" panose="020B0604020202020204" charset="0"/>
-              </a:rPr>
-              <a:t>Forma Normal de Boyce-Codd (BCNF)</a:t>
-            </a:r>
-          </a:p>
-          <a:p>
-            <a:r>
-              <a:rPr lang="pt-PT" dirty="0">
-                <a:solidFill>
-                  <a:schemeClr val="bg1"/>
-                </a:solidFill>
-                <a:latin typeface="Maven Pro" panose="020B0604020202020204" charset="0"/>
-              </a:rPr>
-              <a:t>A BCNF garante que todas as dependências funcionais são determinadas pela chave primária apenas.</a:t>
-            </a:r>
-          </a:p>
-          <a:p>
-            <a:endParaRPr lang="pt-PT" dirty="0">
-              <a:solidFill>
-                <a:schemeClr val="bg1"/>
-              </a:solidFill>
-              <a:latin typeface="Maven Pro" panose="020B0604020202020204" charset="0"/>
-            </a:endParaRPr>
-          </a:p>
-          <a:p>
-            <a:r>
-              <a:rPr lang="pt-PT" dirty="0">
-                <a:solidFill>
-                  <a:schemeClr val="bg1"/>
-                </a:solidFill>
-                <a:latin typeface="Maven Pro" panose="020B0604020202020204" charset="0"/>
-              </a:rPr>
-              <a:t>No modelo atual, todas as dependências são determinadas pelas chaves primárias de cada tabela estando portanto na BCNF.</a:t>
-            </a:r>
-          </a:p>
-        </p:txBody>
-      </p:sp>
-      <p:sp>
-        <p:nvSpPr>
-          <p:cNvPr id="7" name="CaixaDeTexto 6">
-            <a:extLst>
-              <a:ext uri="{FF2B5EF4-FFF2-40B4-BE49-F238E27FC236}">
-                <a16:creationId xmlns:a16="http://schemas.microsoft.com/office/drawing/2014/main" id="{4437CAA7-7818-AC20-75A2-121D4F88D548}"/>
-              </a:ext>
-            </a:extLst>
-          </p:cNvPr>
-          <p:cNvSpPr txBox="1"/>
-          <p:nvPr/>
-        </p:nvSpPr>
-        <p:spPr>
-          <a:xfrm>
-            <a:off x="1082589" y="3590183"/>
-            <a:ext cx="4642054" cy="738664"/>
-          </a:xfrm>
-          <a:prstGeom prst="rect">
-            <a:avLst/>
-          </a:prstGeom>
-          <a:noFill/>
-        </p:spPr>
-        <p:txBody>
-          <a:bodyPr wrap="square">
-            <a:spAutoFit/>
-          </a:bodyPr>
-          <a:lstStyle/>
-          <a:p>
-            <a:r>
-              <a:rPr lang="pt-PT" b="1" dirty="0">
-                <a:solidFill>
-                  <a:schemeClr val="bg1"/>
-                </a:solidFill>
-                <a:latin typeface="Maven Pro" panose="020B0604020202020204" charset="0"/>
-              </a:rPr>
-              <a:t>4ª Forma Normal (4NF)</a:t>
-            </a:r>
-          </a:p>
-          <a:p>
-            <a:r>
-              <a:rPr lang="pt-PT" dirty="0">
-                <a:solidFill>
-                  <a:schemeClr val="bg1"/>
-                </a:solidFill>
-                <a:latin typeface="Maven Pro" panose="020B0604020202020204" charset="0"/>
-              </a:rPr>
-              <a:t>Uma vez que não existem dependências de multivalor, verificamos que está na 4NF</a:t>
-            </a:r>
-          </a:p>
-        </p:txBody>
-      </p:sp>
-      <p:sp>
-        <p:nvSpPr>
-          <p:cNvPr id="8" name="Google Shape;1240;p44">
-            <a:extLst>
-              <a:ext uri="{FF2B5EF4-FFF2-40B4-BE49-F238E27FC236}">
-                <a16:creationId xmlns:a16="http://schemas.microsoft.com/office/drawing/2014/main" id="{08FD7547-ACDE-3742-6573-65405AFF2D27}"/>
-              </a:ext>
-            </a:extLst>
-          </p:cNvPr>
-          <p:cNvSpPr/>
-          <p:nvPr/>
-        </p:nvSpPr>
-        <p:spPr>
-          <a:xfrm>
-            <a:off x="878418" y="3395117"/>
-            <a:ext cx="5083197" cy="1079320"/>
-          </a:xfrm>
-          <a:prstGeom prst="roundRect">
-            <a:avLst>
-              <a:gd name="adj" fmla="val 16667"/>
-            </a:avLst>
-          </a:prstGeom>
-          <a:noFill/>
-          <a:ln w="19050" cap="flat" cmpd="sng">
-            <a:solidFill>
-              <a:schemeClr val="accent1"/>
-            </a:solidFill>
-            <a:prstDash val="solid"/>
-            <a:round/>
-            <a:headEnd type="none" w="sm" len="sm"/>
-            <a:tailEnd type="none" w="sm" len="sm"/>
-          </a:ln>
-        </p:spPr>
-        <p:txBody>
-          <a:bodyPr spcFirstLastPara="1" wrap="square" lIns="91425" tIns="91425" rIns="91425" bIns="91425" anchor="ctr" anchorCtr="0">
-            <a:noAutofit/>
-          </a:bodyPr>
-          <a:lstStyle/>
-          <a:p>
-            <a:pPr marL="0" lvl="0" indent="0" algn="l" rtl="0">
-              <a:spcBef>
-                <a:spcPts val="0"/>
-              </a:spcBef>
-              <a:spcAft>
-                <a:spcPts val="0"/>
-              </a:spcAft>
-              <a:buNone/>
-            </a:pPr>
-            <a:endParaRPr/>
-          </a:p>
-        </p:txBody>
-      </p:sp>
-      <p:sp>
-        <p:nvSpPr>
-          <p:cNvPr id="9" name="Google Shape;1241;p44">
-            <a:extLst>
-              <a:ext uri="{FF2B5EF4-FFF2-40B4-BE49-F238E27FC236}">
-                <a16:creationId xmlns:a16="http://schemas.microsoft.com/office/drawing/2014/main" id="{8391A3D9-D28B-F0BD-3F86-4869FEF62450}"/>
-              </a:ext>
-            </a:extLst>
-          </p:cNvPr>
-          <p:cNvSpPr/>
-          <p:nvPr/>
-        </p:nvSpPr>
-        <p:spPr>
-          <a:xfrm>
-            <a:off x="1003742" y="3503391"/>
-            <a:ext cx="4799748" cy="889930"/>
-          </a:xfrm>
-          <a:prstGeom prst="roundRect">
-            <a:avLst>
-              <a:gd name="adj" fmla="val 16667"/>
-            </a:avLst>
-          </a:prstGeom>
-          <a:noFill/>
-          <a:ln w="9525" cap="flat" cmpd="sng">
-            <a:solidFill>
-              <a:schemeClr val="lt2"/>
-            </a:solidFill>
-            <a:prstDash val="solid"/>
-            <a:round/>
-            <a:headEnd type="none" w="sm" len="sm"/>
-            <a:tailEnd type="none" w="sm" len="sm"/>
-          </a:ln>
-        </p:spPr>
-        <p:txBody>
-          <a:bodyPr spcFirstLastPara="1" wrap="square" lIns="91425" tIns="91425" rIns="91425" bIns="91425" anchor="ctr" anchorCtr="0">
-            <a:noAutofit/>
-          </a:bodyPr>
-          <a:lstStyle/>
-          <a:p>
-            <a:pPr marL="0" lvl="0" indent="0" algn="l" rtl="0">
-              <a:spcBef>
-                <a:spcPts val="0"/>
-              </a:spcBef>
-              <a:spcAft>
-                <a:spcPts val="0"/>
-              </a:spcAft>
-              <a:buNone/>
-            </a:pPr>
-            <a:endParaRPr/>
-          </a:p>
-        </p:txBody>
-      </p:sp>
     </p:spTree>
     <p:extLst>
       <p:ext uri="{BB962C8B-B14F-4D97-AF65-F5344CB8AC3E}">
-        <p14:creationId xmlns:p14="http://schemas.microsoft.com/office/powerpoint/2010/main" val="2422376508"/>
+        <p14:creationId xmlns:p14="http://schemas.microsoft.com/office/powerpoint/2010/main" val="84769887"/>
       </p:ext>
     </p:extLst>
   </p:cSld>
@@ -21079,244 +18758,92 @@
           </a:prstGeom>
         </p:spPr>
       </p:pic>
-      <p:sp>
-        <p:nvSpPr>
-          <p:cNvPr id="23" name="CaixaDeTexto 22">
+      <p:pic>
+        <p:nvPicPr>
+          <p:cNvPr id="8" name="Imagem 7">
             <a:extLst>
               <a:ext uri="{FF2B5EF4-FFF2-40B4-BE49-F238E27FC236}">
-                <a16:creationId xmlns:a16="http://schemas.microsoft.com/office/drawing/2014/main" id="{0203FF76-21E8-4F5D-F21E-5777216807AC}"/>
+                <a16:creationId xmlns:a16="http://schemas.microsoft.com/office/drawing/2014/main" id="{6494CFC5-EC6E-6DDA-0D59-9355D2497573}"/>
               </a:ext>
             </a:extLst>
           </p:cNvPr>
-          <p:cNvSpPr txBox="1"/>
+          <p:cNvPicPr>
+            <a:picLocks noChangeAspect="1"/>
+          </p:cNvPicPr>
           <p:nvPr/>
-        </p:nvSpPr>
-        <p:spPr>
-          <a:xfrm>
-            <a:off x="443348" y="989475"/>
-            <a:ext cx="6306778" cy="1600438"/>
+        </p:nvPicPr>
+        <p:blipFill>
+          <a:blip r:embed="rId4"/>
+          <a:stretch>
+            <a:fillRect/>
+          </a:stretch>
+        </p:blipFill>
+        <p:spPr>
+          <a:xfrm>
+            <a:off x="505208" y="1248535"/>
+            <a:ext cx="5814476" cy="2755652"/>
           </a:xfrm>
           <a:prstGeom prst="rect">
             <a:avLst/>
           </a:prstGeom>
-          <a:noFill/>
-        </p:spPr>
-        <p:txBody>
-          <a:bodyPr wrap="square">
-            <a:spAutoFit/>
-          </a:bodyPr>
-          <a:lstStyle/>
-          <a:p>
-            <a:pPr algn="l"/>
-            <a:r>
-              <a:rPr lang="pt-PT" b="1" i="0" dirty="0">
-                <a:solidFill>
-                  <a:schemeClr val="bg1"/>
-                </a:solidFill>
-                <a:effectLst/>
-                <a:latin typeface="Maven Pro" panose="020B0604020202020204" charset="0"/>
-              </a:rPr>
-              <a:t>Passo 1 – Entidades-tipo</a:t>
-            </a:r>
-          </a:p>
-          <a:p>
-            <a:pPr algn="l"/>
-            <a:endParaRPr lang="pt-PT" b="1" i="0" dirty="0">
-              <a:solidFill>
-                <a:schemeClr val="bg1"/>
-              </a:solidFill>
-              <a:effectLst/>
-              <a:latin typeface="Maven Pro" panose="020B0604020202020204" charset="0"/>
-            </a:endParaRPr>
-          </a:p>
-          <a:p>
-            <a:pPr algn="l"/>
-            <a:r>
-              <a:rPr lang="pt-PT" b="0" i="0" dirty="0">
-                <a:solidFill>
-                  <a:schemeClr val="bg1"/>
-                </a:solidFill>
-                <a:effectLst/>
-                <a:latin typeface="Maven Pro" panose="020B0604020202020204" charset="0"/>
-              </a:rPr>
-              <a:t>Estudantes (nContribuinte, plano_de_curso, nome, dataNascimentoEst)</a:t>
-            </a:r>
-          </a:p>
-          <a:p>
-            <a:pPr algn="l"/>
-            <a:r>
-              <a:rPr lang="pt-PT" b="0" i="0" dirty="0">
-                <a:solidFill>
-                  <a:schemeClr val="bg1"/>
-                </a:solidFill>
-                <a:effectLst/>
-                <a:latin typeface="Maven Pro" panose="020B0604020202020204" charset="0"/>
-              </a:rPr>
-              <a:t>Projetos (orçamentos, dtFinal, dtIncio, número)</a:t>
-            </a:r>
-          </a:p>
-          <a:p>
-            <a:pPr algn="l"/>
-            <a:r>
-              <a:rPr lang="pt-PT" b="0" i="0" dirty="0">
-                <a:solidFill>
-                  <a:schemeClr val="bg1"/>
-                </a:solidFill>
-                <a:effectLst/>
-                <a:latin typeface="Maven Pro" panose="020B0604020202020204" charset="0"/>
-              </a:rPr>
-              <a:t>Professores (nContribuinte, dataNascimento, nome, especialidade, posto)</a:t>
-            </a:r>
-          </a:p>
-          <a:p>
-            <a:pPr algn="l"/>
-            <a:r>
-              <a:rPr lang="pt-PT" b="0" i="0" dirty="0">
-                <a:solidFill>
-                  <a:schemeClr val="bg1"/>
-                </a:solidFill>
-                <a:effectLst/>
-                <a:latin typeface="Maven Pro" panose="020B0604020202020204" charset="0"/>
-              </a:rPr>
-              <a:t>Departamento (nome, escritório, número)</a:t>
-            </a:r>
-          </a:p>
-          <a:p>
-            <a:pPr algn="l"/>
-            <a:r>
-              <a:rPr lang="pt-PT" b="0" i="0" dirty="0">
-                <a:solidFill>
-                  <a:schemeClr val="bg1"/>
-                </a:solidFill>
-                <a:effectLst/>
-                <a:latin typeface="Maven Pro" panose="020B0604020202020204" charset="0"/>
-              </a:rPr>
-              <a:t>Organismo financiador (identificação, nome)</a:t>
-            </a:r>
-          </a:p>
-        </p:txBody>
-      </p:sp>
-      <p:sp>
-        <p:nvSpPr>
-          <p:cNvPr id="25" name="CaixaDeTexto 24">
+        </p:spPr>
+      </p:pic>
+      <p:sp>
+        <p:nvSpPr>
+          <p:cNvPr id="5" name="Google Shape;1240;p44">
             <a:extLst>
               <a:ext uri="{FF2B5EF4-FFF2-40B4-BE49-F238E27FC236}">
-                <a16:creationId xmlns:a16="http://schemas.microsoft.com/office/drawing/2014/main" id="{D151EEA1-A4E2-8603-C95D-0E8FFE6102CF}"/>
+                <a16:creationId xmlns:a16="http://schemas.microsoft.com/office/drawing/2014/main" id="{3A2984AD-1487-42F5-A6D0-F159C0F87735}"/>
               </a:ext>
             </a:extLst>
           </p:cNvPr>
-          <p:cNvSpPr txBox="1"/>
+          <p:cNvSpPr/>
           <p:nvPr/>
         </p:nvSpPr>
         <p:spPr>
           <a:xfrm>
-            <a:off x="443348" y="2803764"/>
-            <a:ext cx="7420281" cy="1600438"/>
-          </a:xfrm>
-          <a:prstGeom prst="rect">
-            <a:avLst/>
+            <a:off x="505207" y="1248535"/>
+            <a:ext cx="5814475" cy="2755652"/>
+          </a:xfrm>
+          <a:prstGeom prst="roundRect">
+            <a:avLst>
+              <a:gd name="adj" fmla="val 0"/>
+            </a:avLst>
           </a:prstGeom>
           <a:noFill/>
+          <a:ln w="19050" cap="flat" cmpd="sng">
+            <a:solidFill>
+              <a:schemeClr val="accent2"/>
+            </a:solidFill>
+            <a:prstDash val="solid"/>
+            <a:round/>
+            <a:headEnd type="none" w="sm" len="sm"/>
+            <a:tailEnd type="none" w="sm" len="sm"/>
+          </a:ln>
         </p:spPr>
         <p:txBody>
-          <a:bodyPr wrap="square">
-            <a:spAutoFit/>
+          <a:bodyPr spcFirstLastPara="1" wrap="square" lIns="91425" tIns="91425" rIns="91425" bIns="91425" anchor="ctr" anchorCtr="0">
+            <a:noAutofit/>
           </a:bodyPr>
           <a:lstStyle/>
           <a:p>
-            <a:pPr algn="l"/>
-            <a:r>
-              <a:rPr lang="pt-PT" b="1" i="0" dirty="0">
-                <a:solidFill>
-                  <a:schemeClr val="bg1"/>
-                </a:solidFill>
-                <a:effectLst/>
-                <a:latin typeface="Maven Pro" panose="020B0604020202020204" charset="0"/>
-              </a:rPr>
-              <a:t>Passo 2 – associação 1:1</a:t>
-            </a:r>
-          </a:p>
-          <a:p>
-            <a:pPr algn="l"/>
-            <a:endParaRPr lang="pt-PT" b="1" i="0" dirty="0">
-              <a:solidFill>
-                <a:schemeClr val="bg1"/>
-              </a:solidFill>
-              <a:effectLst/>
-              <a:latin typeface="Maven Pro" panose="020B0604020202020204" charset="0"/>
-            </a:endParaRPr>
-          </a:p>
-          <a:p>
-            <a:pPr algn="l"/>
-            <a:r>
-              <a:rPr lang="pt-PT" b="0" i="0" dirty="0">
-                <a:solidFill>
-                  <a:schemeClr val="bg1"/>
-                </a:solidFill>
-                <a:effectLst/>
-                <a:latin typeface="Maven Pro" panose="020B0604020202020204" charset="0"/>
-              </a:rPr>
-              <a:t>Estudantes (nContribuinte, plano_de_curso, nome, dataNascimentoEst)</a:t>
-            </a:r>
-          </a:p>
-          <a:p>
-            <a:pPr algn="l"/>
-            <a:r>
-              <a:rPr lang="pt-PT" b="0" i="0" dirty="0">
-                <a:solidFill>
-                  <a:schemeClr val="bg1"/>
-                </a:solidFill>
-                <a:effectLst/>
-                <a:latin typeface="Maven Pro" panose="020B0604020202020204" charset="0"/>
-              </a:rPr>
-              <a:t>Projetos (orçamentos, dtFinal, dtIncio, número #nContribuinte &gt; Professores)</a:t>
-            </a:r>
-          </a:p>
-          <a:p>
-            <a:pPr algn="l"/>
-            <a:r>
-              <a:rPr lang="pt-PT" b="0" i="0" dirty="0">
-                <a:solidFill>
-                  <a:schemeClr val="bg1"/>
-                </a:solidFill>
-                <a:effectLst/>
-                <a:latin typeface="Maven Pro" panose="020B0604020202020204" charset="0"/>
-              </a:rPr>
-              <a:t>Professores (nContribuinte, dataNascimento, nome, especialidade, posto)</a:t>
-            </a:r>
-          </a:p>
-          <a:p>
-            <a:pPr algn="l"/>
-            <a:r>
-              <a:rPr lang="pt-PT" b="0" i="0" dirty="0">
-                <a:solidFill>
-                  <a:schemeClr val="bg1"/>
-                </a:solidFill>
-                <a:effectLst/>
-                <a:latin typeface="Maven Pro" panose="020B0604020202020204" charset="0"/>
-              </a:rPr>
-              <a:t>Departamento (nome, escritório, número)</a:t>
-            </a:r>
-          </a:p>
-          <a:p>
-            <a:pPr algn="l"/>
-            <a:r>
-              <a:rPr lang="pt-PT" b="0" i="0" dirty="0">
-                <a:solidFill>
-                  <a:schemeClr val="bg1"/>
-                </a:solidFill>
-                <a:effectLst/>
-                <a:latin typeface="Maven Pro" panose="020B0604020202020204" charset="0"/>
-              </a:rPr>
-              <a:t>Organismo financiador (identificação, nome)</a:t>
-            </a:r>
+            <a:pPr marL="0" lvl="0" indent="0" algn="l" rtl="0">
+              <a:spcBef>
+                <a:spcPts val="0"/>
+              </a:spcBef>
+              <a:spcAft>
+                <a:spcPts val="0"/>
+              </a:spcAft>
+              <a:buNone/>
+            </a:pPr>
+            <a:endParaRPr/>
           </a:p>
         </p:txBody>
       </p:sp>
     </p:spTree>
     <p:extLst>
       <p:ext uri="{BB962C8B-B14F-4D97-AF65-F5344CB8AC3E}">
-        <p14:creationId xmlns:p14="http://schemas.microsoft.com/office/powerpoint/2010/main" val="3815151236"/>
+        <p14:creationId xmlns:p14="http://schemas.microsoft.com/office/powerpoint/2010/main" val="4199043126"/>
       </p:ext>
     </p:extLst>
   </p:cSld>
@@ -25314,137 +22841,92 @@
           </a:prstGeom>
         </p:spPr>
       </p:pic>
-      <p:sp>
-        <p:nvSpPr>
-          <p:cNvPr id="23" name="CaixaDeTexto 22">
+      <p:pic>
+        <p:nvPicPr>
+          <p:cNvPr id="8" name="Imagem 7">
             <a:extLst>
               <a:ext uri="{FF2B5EF4-FFF2-40B4-BE49-F238E27FC236}">
-                <a16:creationId xmlns:a16="http://schemas.microsoft.com/office/drawing/2014/main" id="{0203FF76-21E8-4F5D-F21E-5777216807AC}"/>
+                <a16:creationId xmlns:a16="http://schemas.microsoft.com/office/drawing/2014/main" id="{6494CFC5-EC6E-6DDA-0D59-9355D2497573}"/>
               </a:ext>
             </a:extLst>
           </p:cNvPr>
-          <p:cNvSpPr txBox="1"/>
+          <p:cNvPicPr>
+            <a:picLocks noChangeAspect="1"/>
+          </p:cNvPicPr>
           <p:nvPr/>
-        </p:nvSpPr>
-        <p:spPr>
-          <a:xfrm>
-            <a:off x="443348" y="1354990"/>
-            <a:ext cx="8000104" cy="2246769"/>
+        </p:nvPicPr>
+        <p:blipFill>
+          <a:blip r:embed="rId4"/>
+          <a:stretch>
+            <a:fillRect/>
+          </a:stretch>
+        </p:blipFill>
+        <p:spPr>
+          <a:xfrm>
+            <a:off x="505208" y="1248535"/>
+            <a:ext cx="5814476" cy="2755652"/>
           </a:xfrm>
           <a:prstGeom prst="rect">
             <a:avLst/>
           </a:prstGeom>
+        </p:spPr>
+      </p:pic>
+      <p:sp>
+        <p:nvSpPr>
+          <p:cNvPr id="5" name="Google Shape;1240;p44">
+            <a:extLst>
+              <a:ext uri="{FF2B5EF4-FFF2-40B4-BE49-F238E27FC236}">
+                <a16:creationId xmlns:a16="http://schemas.microsoft.com/office/drawing/2014/main" id="{3A2984AD-1487-42F5-A6D0-F159C0F87735}"/>
+              </a:ext>
+            </a:extLst>
+          </p:cNvPr>
+          <p:cNvSpPr/>
+          <p:nvPr/>
+        </p:nvSpPr>
+        <p:spPr>
+          <a:xfrm>
+            <a:off x="505207" y="1248535"/>
+            <a:ext cx="5814475" cy="2755652"/>
+          </a:xfrm>
+          <a:prstGeom prst="roundRect">
+            <a:avLst>
+              <a:gd name="adj" fmla="val 0"/>
+            </a:avLst>
+          </a:prstGeom>
           <a:noFill/>
+          <a:ln w="19050" cap="flat" cmpd="sng">
+            <a:solidFill>
+              <a:schemeClr val="accent2"/>
+            </a:solidFill>
+            <a:prstDash val="solid"/>
+            <a:round/>
+            <a:headEnd type="none" w="sm" len="sm"/>
+            <a:tailEnd type="none" w="sm" len="sm"/>
+          </a:ln>
         </p:spPr>
         <p:txBody>
-          <a:bodyPr wrap="square">
-            <a:spAutoFit/>
+          <a:bodyPr spcFirstLastPara="1" wrap="square" lIns="91425" tIns="91425" rIns="91425" bIns="91425" anchor="ctr" anchorCtr="0">
+            <a:noAutofit/>
           </a:bodyPr>
           <a:lstStyle/>
           <a:p>
-            <a:pPr algn="l"/>
-            <a:r>
-              <a:rPr lang="pt-PT" b="1" i="0" dirty="0">
-                <a:solidFill>
-                  <a:schemeClr val="bg1"/>
-                </a:solidFill>
-                <a:effectLst/>
-                <a:latin typeface="Maven Pro" panose="020B0604020202020204" charset="0"/>
-              </a:rPr>
-              <a:t>Passo 3 – associação 1:N</a:t>
-            </a:r>
-          </a:p>
-          <a:p>
-            <a:pPr algn="l"/>
-            <a:endParaRPr lang="pt-PT" b="1" i="0" dirty="0">
-              <a:solidFill>
-                <a:schemeClr val="bg1"/>
-              </a:solidFill>
-              <a:effectLst/>
-              <a:latin typeface="Maven Pro" panose="020B0604020202020204" charset="0"/>
-            </a:endParaRPr>
-          </a:p>
-          <a:p>
-            <a:pPr algn="l"/>
-            <a:r>
-              <a:rPr lang="pt-PT" b="0" i="0" dirty="0">
-                <a:solidFill>
-                  <a:schemeClr val="bg1"/>
-                </a:solidFill>
-                <a:effectLst/>
-                <a:latin typeface="Maven Pro" panose="020B0604020202020204" charset="0"/>
-              </a:rPr>
-              <a:t>Estudantes (nContribuinte, plano_de_curso, nome, dataNascimentoEst, #número &gt; Departamento)</a:t>
-            </a:r>
-          </a:p>
-          <a:p>
-            <a:pPr algn="l"/>
-            <a:r>
-              <a:rPr lang="pt-PT" b="0" i="0" dirty="0">
-                <a:solidFill>
-                  <a:schemeClr val="bg1"/>
-                </a:solidFill>
-                <a:effectLst/>
-                <a:latin typeface="Maven Pro" panose="020B0604020202020204" charset="0"/>
-              </a:rPr>
-              <a:t>Projetos (orçamentos, dtFinal, dtIncio, número #nContribuinte &gt; Professores, #identificação &gt; Organismo Financiador)</a:t>
-            </a:r>
-          </a:p>
-          <a:p>
-            <a:pPr algn="l"/>
-            <a:r>
-              <a:rPr lang="pt-PT" b="0" i="0" dirty="0">
-                <a:solidFill>
-                  <a:schemeClr val="bg1"/>
-                </a:solidFill>
-                <a:effectLst/>
-                <a:latin typeface="Maven Pro" panose="020B0604020202020204" charset="0"/>
-              </a:rPr>
-              <a:t>Professores (nContribuinte, dataNascimento, nome, especialidade, posto)</a:t>
-            </a:r>
-          </a:p>
-          <a:p>
-            <a:pPr algn="l"/>
-            <a:r>
-              <a:rPr lang="pt-PT" b="0" i="0" dirty="0">
-                <a:solidFill>
-                  <a:schemeClr val="bg1"/>
-                </a:solidFill>
-                <a:effectLst/>
-                <a:latin typeface="Maven Pro" panose="020B0604020202020204" charset="0"/>
-              </a:rPr>
-              <a:t>Departamento (nome, escritório, número, #nContribuinte &gt; Professores)</a:t>
-            </a:r>
-          </a:p>
-          <a:p>
-            <a:pPr algn="l"/>
-            <a:r>
-              <a:rPr lang="pt-PT" b="0" i="0" dirty="0">
-                <a:solidFill>
-                  <a:schemeClr val="bg1"/>
-                </a:solidFill>
-                <a:effectLst/>
-                <a:latin typeface="Maven Pro" panose="020B0604020202020204" charset="0"/>
-              </a:rPr>
-              <a:t>Organismo financiador (identificação, nome)</a:t>
-            </a:r>
-          </a:p>
-          <a:p>
-            <a:pPr algn="l"/>
-            <a:endParaRPr lang="pt-PT" b="0" i="0" dirty="0">
-              <a:solidFill>
-                <a:schemeClr val="bg1"/>
-              </a:solidFill>
-              <a:effectLst/>
-              <a:latin typeface="-apple-system"/>
-            </a:endParaRPr>
+            <a:pPr marL="0" lvl="0" indent="0" algn="l" rtl="0">
+              <a:spcBef>
+                <a:spcPts val="0"/>
+              </a:spcBef>
+              <a:spcAft>
+                <a:spcPts val="0"/>
+              </a:spcAft>
+              <a:buNone/>
+            </a:pPr>
+            <a:endParaRPr/>
           </a:p>
         </p:txBody>
       </p:sp>
     </p:spTree>
     <p:extLst>
       <p:ext uri="{BB962C8B-B14F-4D97-AF65-F5344CB8AC3E}">
-        <p14:creationId xmlns:p14="http://schemas.microsoft.com/office/powerpoint/2010/main" val="1571667576"/>
+        <p14:creationId xmlns:p14="http://schemas.microsoft.com/office/powerpoint/2010/main" val="2889548402"/>
       </p:ext>
     </p:extLst>
   </p:cSld>
@@ -25542,173 +23024,92 @@
           </a:prstGeom>
         </p:spPr>
       </p:pic>
-      <p:sp>
-        <p:nvSpPr>
-          <p:cNvPr id="23" name="CaixaDeTexto 22">
+      <p:pic>
+        <p:nvPicPr>
+          <p:cNvPr id="3" name="Imagem 2">
             <a:extLst>
               <a:ext uri="{FF2B5EF4-FFF2-40B4-BE49-F238E27FC236}">
-                <a16:creationId xmlns:a16="http://schemas.microsoft.com/office/drawing/2014/main" id="{0203FF76-21E8-4F5D-F21E-5777216807AC}"/>
+                <a16:creationId xmlns:a16="http://schemas.microsoft.com/office/drawing/2014/main" id="{44ACDDDE-AA23-72D5-786D-E61A7BF1AED5}"/>
               </a:ext>
             </a:extLst>
           </p:cNvPr>
-          <p:cNvSpPr txBox="1"/>
+          <p:cNvPicPr>
+            <a:picLocks noChangeAspect="1"/>
+          </p:cNvPicPr>
           <p:nvPr/>
-        </p:nvSpPr>
-        <p:spPr>
-          <a:xfrm>
-            <a:off x="443348" y="1377112"/>
-            <a:ext cx="8000104" cy="2893100"/>
+        </p:nvPicPr>
+        <p:blipFill>
+          <a:blip r:embed="rId4"/>
+          <a:stretch>
+            <a:fillRect/>
+          </a:stretch>
+        </p:blipFill>
+        <p:spPr>
+          <a:xfrm>
+            <a:off x="505207" y="1248535"/>
+            <a:ext cx="6957478" cy="2755652"/>
           </a:xfrm>
           <a:prstGeom prst="rect">
             <a:avLst/>
           </a:prstGeom>
+        </p:spPr>
+      </p:pic>
+      <p:sp>
+        <p:nvSpPr>
+          <p:cNvPr id="5" name="Google Shape;1240;p44">
+            <a:extLst>
+              <a:ext uri="{FF2B5EF4-FFF2-40B4-BE49-F238E27FC236}">
+                <a16:creationId xmlns:a16="http://schemas.microsoft.com/office/drawing/2014/main" id="{3A2984AD-1487-42F5-A6D0-F159C0F87735}"/>
+              </a:ext>
+            </a:extLst>
+          </p:cNvPr>
+          <p:cNvSpPr/>
+          <p:nvPr/>
+        </p:nvSpPr>
+        <p:spPr>
+          <a:xfrm>
+            <a:off x="505207" y="1248535"/>
+            <a:ext cx="6957478" cy="2755652"/>
+          </a:xfrm>
+          <a:prstGeom prst="roundRect">
+            <a:avLst>
+              <a:gd name="adj" fmla="val 0"/>
+            </a:avLst>
+          </a:prstGeom>
           <a:noFill/>
+          <a:ln w="19050" cap="flat" cmpd="sng">
+            <a:solidFill>
+              <a:schemeClr val="accent2"/>
+            </a:solidFill>
+            <a:prstDash val="solid"/>
+            <a:round/>
+            <a:headEnd type="none" w="sm" len="sm"/>
+            <a:tailEnd type="none" w="sm" len="sm"/>
+          </a:ln>
         </p:spPr>
         <p:txBody>
-          <a:bodyPr wrap="square">
-            <a:spAutoFit/>
+          <a:bodyPr spcFirstLastPara="1" wrap="square" lIns="91425" tIns="91425" rIns="91425" bIns="91425" anchor="ctr" anchorCtr="0">
+            <a:noAutofit/>
           </a:bodyPr>
           <a:lstStyle/>
           <a:p>
-            <a:pPr algn="l"/>
-            <a:r>
-              <a:rPr lang="pt-PT" b="1" i="0" dirty="0">
-                <a:solidFill>
-                  <a:schemeClr val="bg1"/>
-                </a:solidFill>
-                <a:effectLst/>
-                <a:latin typeface="Maven Pro" panose="020B0604020202020204" charset="0"/>
-              </a:rPr>
-              <a:t>Passo 4 – associação N:M</a:t>
-            </a:r>
-          </a:p>
-          <a:p>
-            <a:pPr algn="l"/>
-            <a:endParaRPr lang="pt-PT" b="0" i="0" dirty="0">
-              <a:solidFill>
-                <a:schemeClr val="bg1"/>
-              </a:solidFill>
-              <a:effectLst/>
-              <a:latin typeface="Maven Pro" panose="020B0604020202020204" charset="0"/>
-            </a:endParaRPr>
-          </a:p>
-          <a:p>
-            <a:pPr algn="l"/>
-            <a:r>
-              <a:rPr lang="pt-PT" b="0" i="0" dirty="0">
-                <a:solidFill>
-                  <a:schemeClr val="bg1"/>
-                </a:solidFill>
-                <a:effectLst/>
-                <a:latin typeface="Maven Pro" panose="020B0604020202020204" charset="0"/>
-              </a:rPr>
-              <a:t>Estudantes (nContribuinte, plano_de_curso, nome, dataNascimentoEst, #número &gt; Departamento)</a:t>
-            </a:r>
-          </a:p>
-          <a:p>
-            <a:pPr algn="l"/>
-            <a:r>
-              <a:rPr lang="pt-PT" b="0" i="0" dirty="0">
-                <a:solidFill>
-                  <a:schemeClr val="bg1"/>
-                </a:solidFill>
-                <a:effectLst/>
-                <a:latin typeface="Maven Pro" panose="020B0604020202020204" charset="0"/>
-              </a:rPr>
-              <a:t>Projetos (orçamentos, dtFinal, dtIncio, número #nContribuinte &gt; Professores, #identificação &gt; Organismo Financiador)</a:t>
-            </a:r>
-          </a:p>
-          <a:p>
-            <a:pPr algn="l"/>
-            <a:r>
-              <a:rPr lang="pt-PT" b="0" i="0" dirty="0">
-                <a:solidFill>
-                  <a:schemeClr val="bg1"/>
-                </a:solidFill>
-                <a:effectLst/>
-                <a:latin typeface="Maven Pro" panose="020B0604020202020204" charset="0"/>
-              </a:rPr>
-              <a:t>Professores (nContribuinte, dataNascimento, nome, especialidade, posto)</a:t>
-            </a:r>
-          </a:p>
-          <a:p>
-            <a:pPr algn="l"/>
-            <a:r>
-              <a:rPr lang="pt-PT" b="0" i="0" dirty="0">
-                <a:solidFill>
-                  <a:schemeClr val="bg1"/>
-                </a:solidFill>
-                <a:effectLst/>
-                <a:latin typeface="Maven Pro" panose="020B0604020202020204" charset="0"/>
-              </a:rPr>
-              <a:t>Departamento (nome, escritório, número, #nContribuinte &gt; Professores)</a:t>
-            </a:r>
-          </a:p>
-          <a:p>
-            <a:pPr algn="l"/>
-            <a:r>
-              <a:rPr lang="pt-PT" b="0" i="0" dirty="0">
-                <a:solidFill>
-                  <a:schemeClr val="bg1"/>
-                </a:solidFill>
-                <a:effectLst/>
-                <a:latin typeface="Maven Pro" panose="020B0604020202020204" charset="0"/>
-              </a:rPr>
-              <a:t>Organismo financiador (identificação, nome)</a:t>
-            </a:r>
-          </a:p>
-          <a:p>
-            <a:pPr algn="l"/>
-            <a:r>
-              <a:rPr lang="pt-PT" b="0" i="0" dirty="0">
-                <a:solidFill>
-                  <a:schemeClr val="bg1"/>
-                </a:solidFill>
-                <a:effectLst/>
-                <a:latin typeface="Maven Pro" panose="020B0604020202020204" charset="0"/>
-              </a:rPr>
-              <a:t>Trabalham (#nContribuinte &gt; Professor, #número &gt; Departamento, percentagemTempo)</a:t>
-            </a:r>
-          </a:p>
-          <a:p>
-            <a:pPr algn="l"/>
-            <a:r>
-              <a:rPr lang="pt-PT" b="0" i="0" dirty="0">
-                <a:solidFill>
-                  <a:schemeClr val="bg1"/>
-                </a:solidFill>
-                <a:effectLst/>
-                <a:latin typeface="Maven Pro" panose="020B0604020202020204" charset="0"/>
-              </a:rPr>
-              <a:t>Tem ( #nContribuinte &gt; Estudantes, #número &gt; Projetos)</a:t>
-            </a:r>
-          </a:p>
-          <a:p>
-            <a:pPr algn="l"/>
-            <a:endParaRPr lang="pt-PT" b="0" i="0" dirty="0">
-              <a:solidFill>
-                <a:schemeClr val="bg1"/>
-              </a:solidFill>
-              <a:effectLst/>
-              <a:latin typeface="-apple-system"/>
-            </a:endParaRPr>
-          </a:p>
-          <a:p>
-            <a:pPr algn="l"/>
-            <a:endParaRPr lang="pt-PT" b="0" i="0" dirty="0">
-              <a:solidFill>
-                <a:schemeClr val="bg1"/>
-              </a:solidFill>
-              <a:effectLst/>
-              <a:latin typeface="-apple-system"/>
-            </a:endParaRPr>
+            <a:pPr marL="0" lvl="0" indent="0" algn="l" rtl="0">
+              <a:spcBef>
+                <a:spcPts val="0"/>
+              </a:spcBef>
+              <a:spcAft>
+                <a:spcPts val="0"/>
+              </a:spcAft>
+              <a:buNone/>
+            </a:pPr>
+            <a:endParaRPr/>
           </a:p>
         </p:txBody>
       </p:sp>
     </p:spTree>
     <p:extLst>
       <p:ext uri="{BB962C8B-B14F-4D97-AF65-F5344CB8AC3E}">
-        <p14:creationId xmlns:p14="http://schemas.microsoft.com/office/powerpoint/2010/main" val="3705864397"/>
+        <p14:creationId xmlns:p14="http://schemas.microsoft.com/office/powerpoint/2010/main" val="895173587"/>
       </p:ext>
     </p:extLst>
   </p:cSld>
@@ -25771,8 +23172,112 @@
             </a:pPr>
             <a:r>
               <a:rPr lang="pt-PT" dirty="0"/>
-              <a:t>Esquema Relacional (C4)</a:t>
+              <a:t>Normalização (C3)</a:t>
             </a:r>
+          </a:p>
+        </p:txBody>
+      </p:sp>
+      <p:sp>
+        <p:nvSpPr>
+          <p:cNvPr id="2" name="Google Shape;1240;p44">
+            <a:extLst>
+              <a:ext uri="{FF2B5EF4-FFF2-40B4-BE49-F238E27FC236}">
+                <a16:creationId xmlns:a16="http://schemas.microsoft.com/office/drawing/2014/main" id="{7E00A9D4-681C-4A4F-5EA1-2AB8373900D4}"/>
+              </a:ext>
+            </a:extLst>
+          </p:cNvPr>
+          <p:cNvSpPr/>
+          <p:nvPr/>
+        </p:nvSpPr>
+        <p:spPr>
+          <a:xfrm>
+            <a:off x="372114" y="1482968"/>
+            <a:ext cx="6769550" cy="1840909"/>
+          </a:xfrm>
+          <a:prstGeom prst="roundRect">
+            <a:avLst>
+              <a:gd name="adj" fmla="val 16667"/>
+            </a:avLst>
+          </a:prstGeom>
+          <a:noFill/>
+          <a:ln w="19050" cap="flat" cmpd="sng">
+            <a:solidFill>
+              <a:schemeClr val="accent1"/>
+            </a:solidFill>
+            <a:prstDash val="solid"/>
+            <a:round/>
+            <a:headEnd type="none" w="sm" len="sm"/>
+            <a:tailEnd type="none" w="sm" len="sm"/>
+          </a:ln>
+        </p:spPr>
+        <p:txBody>
+          <a:bodyPr spcFirstLastPara="1" wrap="square" lIns="91425" tIns="91425" rIns="91425" bIns="91425" anchor="ctr" anchorCtr="0">
+            <a:noAutofit/>
+          </a:bodyPr>
+          <a:lstStyle/>
+          <a:p>
+            <a:pPr marL="0" lvl="0" indent="0" algn="l" rtl="0">
+              <a:spcBef>
+                <a:spcPts val="0"/>
+              </a:spcBef>
+              <a:spcAft>
+                <a:spcPts val="0"/>
+              </a:spcAft>
+              <a:buNone/>
+            </a:pPr>
+            <a:endParaRPr/>
+          </a:p>
+        </p:txBody>
+      </p:sp>
+      <p:sp>
+        <p:nvSpPr>
+          <p:cNvPr id="3" name="Google Shape;1241;p44">
+            <a:extLst>
+              <a:ext uri="{FF2B5EF4-FFF2-40B4-BE49-F238E27FC236}">
+                <a16:creationId xmlns:a16="http://schemas.microsoft.com/office/drawing/2014/main" id="{176BAA0D-0DB8-C116-40A9-1EE5C58B06EB}"/>
+              </a:ext>
+            </a:extLst>
+          </p:cNvPr>
+          <p:cNvSpPr/>
+          <p:nvPr/>
+        </p:nvSpPr>
+        <p:spPr>
+          <a:xfrm>
+            <a:off x="505768" y="1591242"/>
+            <a:ext cx="6470326" cy="1616561"/>
+          </a:xfrm>
+          <a:prstGeom prst="roundRect">
+            <a:avLst>
+              <a:gd name="adj" fmla="val 16667"/>
+            </a:avLst>
+          </a:prstGeom>
+          <a:noFill/>
+          <a:ln w="9525" cap="flat" cmpd="sng">
+            <a:solidFill>
+              <a:schemeClr val="lt2"/>
+            </a:solidFill>
+            <a:prstDash val="solid"/>
+            <a:round/>
+            <a:headEnd type="none" w="sm" len="sm"/>
+            <a:tailEnd type="none" w="sm" len="sm"/>
+          </a:ln>
+        </p:spPr>
+        <p:txBody>
+          <a:bodyPr spcFirstLastPara="1" wrap="square" lIns="91425" tIns="91425" rIns="91425" bIns="91425" anchor="ctr" anchorCtr="0">
+            <a:noAutofit/>
+          </a:bodyPr>
+          <a:lstStyle/>
+          <a:p>
+            <a:pPr marL="0" lvl="0" indent="0" algn="l" rtl="0">
+              <a:spcBef>
+                <a:spcPts val="0"/>
+              </a:spcBef>
+              <a:spcAft>
+                <a:spcPts val="0"/>
+              </a:spcAft>
+              <a:buNone/>
+            </a:pPr>
+            <a:endParaRPr/>
           </a:p>
         </p:txBody>
       </p:sp>
@@ -25808,10 +23313,10 @@
       </p:pic>
       <p:sp>
         <p:nvSpPr>
-          <p:cNvPr id="23" name="CaixaDeTexto 22">
+          <p:cNvPr id="8" name="CaixaDeTexto 7">
             <a:extLst>
               <a:ext uri="{FF2B5EF4-FFF2-40B4-BE49-F238E27FC236}">
-                <a16:creationId xmlns:a16="http://schemas.microsoft.com/office/drawing/2014/main" id="{0203FF76-21E8-4F5D-F21E-5777216807AC}"/>
+                <a16:creationId xmlns:a16="http://schemas.microsoft.com/office/drawing/2014/main" id="{431BBFDB-7EB5-AE6B-6FB7-6B67C79F9BDD}"/>
               </a:ext>
             </a:extLst>
           </p:cNvPr>
@@ -25820,8 +23325,8 @@
         </p:nvSpPr>
         <p:spPr>
           <a:xfrm>
-            <a:off x="443348" y="1354990"/>
-            <a:ext cx="8000104" cy="2893100"/>
+            <a:off x="559151" y="1688221"/>
+            <a:ext cx="6301304" cy="1384995"/>
           </a:xfrm>
           <a:prstGeom prst="rect">
             <a:avLst/>
@@ -25834,147 +23339,49 @@
           </a:bodyPr>
           <a:lstStyle/>
           <a:p>
-            <a:pPr algn="l"/>
             <a:r>
-              <a:rPr lang="pt-PT" b="1" i="0" dirty="0">
+              <a:rPr lang="pt-PT" b="1" dirty="0">
                 <a:solidFill>
                   <a:schemeClr val="bg1"/>
                 </a:solidFill>
-                <a:effectLst/>
                 <a:latin typeface="Maven Pro" panose="020B0604020202020204" charset="0"/>
               </a:rPr>
-              <a:t>Resultado:</a:t>
+              <a:t>1ª Forma Normal (1NF)</a:t>
             </a:r>
           </a:p>
           <a:p>
-            <a:pPr algn="l"/>
-            <a:endParaRPr lang="pt-PT" b="1" i="0" dirty="0">
+            <a:r>
+              <a:rPr lang="pt-PT" dirty="0">
+                <a:solidFill>
+                  <a:schemeClr val="bg1"/>
+                </a:solidFill>
+                <a:latin typeface="Maven Pro" panose="020B0604020202020204" charset="0"/>
+              </a:rPr>
+              <a:t>Verificamos que todos os atributos contêm valores atómicos e que não existem repetições de grupos de valores.</a:t>
+            </a:r>
+          </a:p>
+          <a:p>
+            <a:endParaRPr lang="pt-PT" dirty="0">
               <a:solidFill>
                 <a:schemeClr val="bg1"/>
               </a:solidFill>
-              <a:effectLst/>
               <a:latin typeface="Maven Pro" panose="020B0604020202020204" charset="0"/>
             </a:endParaRPr>
           </a:p>
           <a:p>
-            <a:pPr algn="l"/>
             <a:r>
-              <a:rPr lang="pt-PT" b="0" i="0" dirty="0">
+              <a:rPr lang="pt-PT" dirty="0">
                 <a:solidFill>
                   <a:schemeClr val="bg1"/>
                 </a:solidFill>
-                <a:effectLst/>
                 <a:latin typeface="Maven Pro" panose="020B0604020202020204" charset="0"/>
               </a:rPr>
-              <a:t>Estudantes (nContribuinte, plano_de_curso, nome, dataNascimentoEst, #número &gt; Departamento)</a:t>
+              <a:t>Não tendo atributos de multivalor, e sendo os valores destes atómicos, verificamos que está na 1NF</a:t>
             </a:r>
           </a:p>
-          <a:p>
-            <a:pPr algn="l"/>
-            <a:r>
-              <a:rPr lang="pt-PT" b="0" i="0" dirty="0">
-                <a:solidFill>
-                  <a:schemeClr val="bg1"/>
-                </a:solidFill>
-                <a:effectLst/>
-                <a:latin typeface="Maven Pro" panose="020B0604020202020204" charset="0"/>
-              </a:rPr>
-              <a:t>Projetos (orçamentos, dtFinal, dtIncio, número #nContribuinte &gt; Professores, #identificação &gt; Organismo Financiador)</a:t>
-            </a:r>
-          </a:p>
-          <a:p>
-            <a:pPr algn="l"/>
-            <a:r>
-              <a:rPr lang="pt-PT" b="0" i="0" dirty="0">
-                <a:solidFill>
-                  <a:schemeClr val="bg1"/>
-                </a:solidFill>
-                <a:effectLst/>
-                <a:latin typeface="Maven Pro" panose="020B0604020202020204" charset="0"/>
-              </a:rPr>
-              <a:t>Professores (nContribuinte, dataNascimento, nome, especialidade, posto)</a:t>
-            </a:r>
-          </a:p>
-          <a:p>
-            <a:pPr algn="l"/>
-            <a:r>
-              <a:rPr lang="pt-PT" b="0" i="0" dirty="0">
-                <a:solidFill>
-                  <a:schemeClr val="bg1"/>
-                </a:solidFill>
-                <a:effectLst/>
-                <a:latin typeface="Maven Pro" panose="020B0604020202020204" charset="0"/>
-              </a:rPr>
-              <a:t>Departamento (nome, escritório, número, #nContribuinte &gt; Professores)</a:t>
-            </a:r>
-          </a:p>
-          <a:p>
-            <a:pPr algn="l"/>
-            <a:r>
-              <a:rPr lang="pt-PT" b="0" i="0" dirty="0">
-                <a:solidFill>
-                  <a:schemeClr val="bg1"/>
-                </a:solidFill>
-                <a:effectLst/>
-                <a:latin typeface="Maven Pro" panose="020B0604020202020204" charset="0"/>
-              </a:rPr>
-              <a:t>Organismo financiador (identificação, nome)</a:t>
-            </a:r>
-          </a:p>
-          <a:p>
-            <a:pPr algn="l"/>
-            <a:r>
-              <a:rPr lang="pt-PT" b="0" i="0" dirty="0">
-                <a:solidFill>
-                  <a:schemeClr val="bg1"/>
-                </a:solidFill>
-                <a:effectLst/>
-                <a:latin typeface="Maven Pro" panose="020B0604020202020204" charset="0"/>
-              </a:rPr>
-              <a:t>Trabalham (#nContribuinte &gt; Professor, #número &gt; Departamento, percentagemTempo)</a:t>
-            </a:r>
-          </a:p>
-          <a:p>
-            <a:pPr algn="l"/>
-            <a:r>
-              <a:rPr lang="pt-PT" b="0" i="0" dirty="0">
-                <a:solidFill>
-                  <a:schemeClr val="bg1"/>
-                </a:solidFill>
-                <a:effectLst/>
-                <a:latin typeface="Maven Pro" panose="020B0604020202020204" charset="0"/>
-              </a:rPr>
-              <a:t>Tem ( #nContribuinte &gt; Estudantes, #número &gt; Projetos)</a:t>
-            </a:r>
-          </a:p>
-          <a:p>
-            <a:pPr algn="l"/>
-            <a:endParaRPr lang="pt-PT" b="0" i="0" dirty="0">
-              <a:solidFill>
-                <a:schemeClr val="bg1"/>
-              </a:solidFill>
-              <a:effectLst/>
-              <a:latin typeface="Maven Pro" panose="020B0604020202020204" charset="0"/>
-            </a:endParaRPr>
-          </a:p>
-          <a:p>
-            <a:pPr algn="l"/>
-            <a:endParaRPr lang="pt-PT" b="0" i="0" dirty="0">
-              <a:solidFill>
-                <a:schemeClr val="bg1"/>
-              </a:solidFill>
-              <a:effectLst/>
-              <a:latin typeface="-apple-system"/>
-            </a:endParaRPr>
-          </a:p>
         </p:txBody>
       </p:sp>
     </p:spTree>
-    <p:extLst>
-      <p:ext uri="{BB962C8B-B14F-4D97-AF65-F5344CB8AC3E}">
-        <p14:creationId xmlns:p14="http://schemas.microsoft.com/office/powerpoint/2010/main" val="352662029"/>
-      </p:ext>
-    </p:extLst>
   </p:cSld>
   <p:clrMapOvr>
     <a:masterClrMapping/>
@@ -26035,8 +23442,112 @@
             </a:pPr>
             <a:r>
               <a:rPr lang="pt-PT" dirty="0"/>
-              <a:t>Esquema Relacional (C4)</a:t>
+              <a:t>Normalização (C3)</a:t>
             </a:r>
+          </a:p>
+        </p:txBody>
+      </p:sp>
+      <p:sp>
+        <p:nvSpPr>
+          <p:cNvPr id="2" name="Google Shape;1240;p44">
+            <a:extLst>
+              <a:ext uri="{FF2B5EF4-FFF2-40B4-BE49-F238E27FC236}">
+                <a16:creationId xmlns:a16="http://schemas.microsoft.com/office/drawing/2014/main" id="{7E00A9D4-681C-4A4F-5EA1-2AB8373900D4}"/>
+              </a:ext>
+            </a:extLst>
+          </p:cNvPr>
+          <p:cNvSpPr/>
+          <p:nvPr/>
+        </p:nvSpPr>
+        <p:spPr>
+          <a:xfrm>
+            <a:off x="380443" y="1482968"/>
+            <a:ext cx="6374101" cy="1440442"/>
+          </a:xfrm>
+          <a:prstGeom prst="roundRect">
+            <a:avLst>
+              <a:gd name="adj" fmla="val 16667"/>
+            </a:avLst>
+          </a:prstGeom>
+          <a:noFill/>
+          <a:ln w="19050" cap="flat" cmpd="sng">
+            <a:solidFill>
+              <a:schemeClr val="accent1"/>
+            </a:solidFill>
+            <a:prstDash val="solid"/>
+            <a:round/>
+            <a:headEnd type="none" w="sm" len="sm"/>
+            <a:tailEnd type="none" w="sm" len="sm"/>
+          </a:ln>
+        </p:spPr>
+        <p:txBody>
+          <a:bodyPr spcFirstLastPara="1" wrap="square" lIns="91425" tIns="91425" rIns="91425" bIns="91425" anchor="ctr" anchorCtr="0">
+            <a:noAutofit/>
+          </a:bodyPr>
+          <a:lstStyle/>
+          <a:p>
+            <a:pPr marL="0" lvl="0" indent="0" algn="l" rtl="0">
+              <a:spcBef>
+                <a:spcPts val="0"/>
+              </a:spcBef>
+              <a:spcAft>
+                <a:spcPts val="0"/>
+              </a:spcAft>
+              <a:buNone/>
+            </a:pPr>
+            <a:endParaRPr/>
+          </a:p>
+        </p:txBody>
+      </p:sp>
+      <p:sp>
+        <p:nvSpPr>
+          <p:cNvPr id="3" name="Google Shape;1241;p44">
+            <a:extLst>
+              <a:ext uri="{FF2B5EF4-FFF2-40B4-BE49-F238E27FC236}">
+                <a16:creationId xmlns:a16="http://schemas.microsoft.com/office/drawing/2014/main" id="{176BAA0D-0DB8-C116-40A9-1EE5C58B06EB}"/>
+              </a:ext>
+            </a:extLst>
+          </p:cNvPr>
+          <p:cNvSpPr/>
+          <p:nvPr/>
+        </p:nvSpPr>
+        <p:spPr>
+          <a:xfrm>
+            <a:off x="505767" y="1591242"/>
+            <a:ext cx="6120385" cy="1201509"/>
+          </a:xfrm>
+          <a:prstGeom prst="roundRect">
+            <a:avLst>
+              <a:gd name="adj" fmla="val 16667"/>
+            </a:avLst>
+          </a:prstGeom>
+          <a:noFill/>
+          <a:ln w="9525" cap="flat" cmpd="sng">
+            <a:solidFill>
+              <a:schemeClr val="lt2"/>
+            </a:solidFill>
+            <a:prstDash val="solid"/>
+            <a:round/>
+            <a:headEnd type="none" w="sm" len="sm"/>
+            <a:tailEnd type="none" w="sm" len="sm"/>
+          </a:ln>
+        </p:spPr>
+        <p:txBody>
+          <a:bodyPr spcFirstLastPara="1" wrap="square" lIns="91425" tIns="91425" rIns="91425" bIns="91425" anchor="ctr" anchorCtr="0">
+            <a:noAutofit/>
+          </a:bodyPr>
+          <a:lstStyle/>
+          <a:p>
+            <a:pPr marL="0" lvl="0" indent="0" algn="l" rtl="0">
+              <a:spcBef>
+                <a:spcPts val="0"/>
+              </a:spcBef>
+              <a:spcAft>
+                <a:spcPts val="0"/>
+              </a:spcAft>
+              <a:buNone/>
+            </a:pPr>
+            <a:endParaRPr/>
           </a:p>
         </p:txBody>
       </p:sp>
@@ -26070,92 +23581,72 @@
           </a:prstGeom>
         </p:spPr>
       </p:pic>
-      <p:pic>
-        <p:nvPicPr>
-          <p:cNvPr id="3" name="Imagem 2">
+      <p:sp>
+        <p:nvSpPr>
+          <p:cNvPr id="8" name="CaixaDeTexto 7">
             <a:extLst>
               <a:ext uri="{FF2B5EF4-FFF2-40B4-BE49-F238E27FC236}">
-                <a16:creationId xmlns:a16="http://schemas.microsoft.com/office/drawing/2014/main" id="{3CA0298D-E5ED-30DE-65E2-FC7432417973}"/>
+                <a16:creationId xmlns:a16="http://schemas.microsoft.com/office/drawing/2014/main" id="{431BBFDB-7EB5-AE6B-6FB7-6B67C79F9BDD}"/>
               </a:ext>
             </a:extLst>
           </p:cNvPr>
-          <p:cNvPicPr>
-            <a:picLocks noChangeAspect="1"/>
-          </p:cNvPicPr>
+          <p:cNvSpPr txBox="1"/>
           <p:nvPr/>
-        </p:nvPicPr>
-        <p:blipFill>
-          <a:blip r:embed="rId4"/>
-          <a:stretch>
-            <a:fillRect/>
-          </a:stretch>
-        </p:blipFill>
-        <p:spPr>
-          <a:xfrm>
-            <a:off x="505208" y="1248535"/>
-            <a:ext cx="4472374" cy="2847558"/>
+        </p:nvSpPr>
+        <p:spPr>
+          <a:xfrm>
+            <a:off x="602993" y="1623200"/>
+            <a:ext cx="6148483" cy="1169551"/>
           </a:xfrm>
           <a:prstGeom prst="rect">
             <a:avLst/>
           </a:prstGeom>
-        </p:spPr>
-      </p:pic>
-      <p:sp>
-        <p:nvSpPr>
-          <p:cNvPr id="5" name="Google Shape;1240;p44">
-            <a:extLst>
-              <a:ext uri="{FF2B5EF4-FFF2-40B4-BE49-F238E27FC236}">
-                <a16:creationId xmlns:a16="http://schemas.microsoft.com/office/drawing/2014/main" id="{3A2984AD-1487-42F5-A6D0-F159C0F87735}"/>
-              </a:ext>
-            </a:extLst>
-          </p:cNvPr>
-          <p:cNvSpPr/>
-          <p:nvPr/>
-        </p:nvSpPr>
-        <p:spPr>
-          <a:xfrm>
-            <a:off x="505208" y="1248535"/>
-            <a:ext cx="4472374" cy="2847558"/>
-          </a:xfrm>
-          <a:prstGeom prst="roundRect">
-            <a:avLst>
-              <a:gd name="adj" fmla="val 0"/>
-            </a:avLst>
-          </a:prstGeom>
           <a:noFill/>
-          <a:ln w="19050" cap="flat" cmpd="sng">
-            <a:solidFill>
-              <a:schemeClr val="accent2"/>
-            </a:solidFill>
-            <a:prstDash val="solid"/>
-            <a:round/>
-            <a:headEnd type="none" w="sm" len="sm"/>
-            <a:tailEnd type="none" w="sm" len="sm"/>
-          </a:ln>
         </p:spPr>
         <p:txBody>
-          <a:bodyPr spcFirstLastPara="1" wrap="square" lIns="91425" tIns="91425" rIns="91425" bIns="91425" anchor="ctr" anchorCtr="0">
-            <a:noAutofit/>
+          <a:bodyPr wrap="square">
+            <a:spAutoFit/>
           </a:bodyPr>
           <a:lstStyle/>
           <a:p>
-            <a:pPr marL="0" lvl="0" indent="0" algn="l" rtl="0">
-              <a:spcBef>
-                <a:spcPts val="0"/>
-              </a:spcBef>
-              <a:spcAft>
-                <a:spcPts val="0"/>
-              </a:spcAft>
-              <a:buNone/>
-            </a:pPr>
-            <a:endParaRPr/>
+            <a:r>
+              <a:rPr lang="pt-PT" b="1" dirty="0">
+                <a:solidFill>
+                  <a:schemeClr val="bg1"/>
+                </a:solidFill>
+                <a:latin typeface="Maven Pro" panose="020B0604020202020204" charset="0"/>
+              </a:rPr>
+              <a:t>2ª Forma Normal (2NF)</a:t>
+            </a:r>
+          </a:p>
+          <a:p>
+            <a:r>
+              <a:rPr lang="pt-PT" dirty="0">
+                <a:solidFill>
+                  <a:schemeClr val="bg1"/>
+                </a:solidFill>
+                <a:latin typeface="Maven Pro" panose="020B0604020202020204" charset="0"/>
+              </a:rPr>
+              <a:t>Verificamos se todos os atributos que não sejam chaves dependem totalmente da chave primária</a:t>
+            </a:r>
+          </a:p>
+          <a:p>
+            <a:r>
+              <a:rPr lang="pt-PT" dirty="0">
+                <a:solidFill>
+                  <a:schemeClr val="bg1"/>
+                </a:solidFill>
+                <a:latin typeface="Maven Pro" panose="020B0604020202020204" charset="0"/>
+              </a:rPr>
+              <a:t>Uma vez que não existem dependências parciais, verificamos que está na 2NF</a:t>
+            </a:r>
           </a:p>
         </p:txBody>
       </p:sp>
     </p:spTree>
     <p:extLst>
       <p:ext uri="{BB962C8B-B14F-4D97-AF65-F5344CB8AC3E}">
-        <p14:creationId xmlns:p14="http://schemas.microsoft.com/office/powerpoint/2010/main" val="298802895"/>
+        <p14:creationId xmlns:p14="http://schemas.microsoft.com/office/powerpoint/2010/main" val="1460015671"/>
       </p:ext>
     </p:extLst>
   </p:cSld>
@@ -26218,8 +23709,112 @@
             </a:pPr>
             <a:r>
               <a:rPr lang="pt-PT" dirty="0"/>
-              <a:t>Esquema Relacional (C4)</a:t>
+              <a:t>Normalização (C3)</a:t>
             </a:r>
+          </a:p>
+        </p:txBody>
+      </p:sp>
+      <p:sp>
+        <p:nvSpPr>
+          <p:cNvPr id="2" name="Google Shape;1240;p44">
+            <a:extLst>
+              <a:ext uri="{FF2B5EF4-FFF2-40B4-BE49-F238E27FC236}">
+                <a16:creationId xmlns:a16="http://schemas.microsoft.com/office/drawing/2014/main" id="{7E00A9D4-681C-4A4F-5EA1-2AB8373900D4}"/>
+              </a:ext>
+            </a:extLst>
+          </p:cNvPr>
+          <p:cNvSpPr/>
+          <p:nvPr/>
+        </p:nvSpPr>
+        <p:spPr>
+          <a:xfrm>
+            <a:off x="380443" y="1482968"/>
+            <a:ext cx="6374101" cy="1186813"/>
+          </a:xfrm>
+          <a:prstGeom prst="roundRect">
+            <a:avLst>
+              <a:gd name="adj" fmla="val 16667"/>
+            </a:avLst>
+          </a:prstGeom>
+          <a:noFill/>
+          <a:ln w="19050" cap="flat" cmpd="sng">
+            <a:solidFill>
+              <a:schemeClr val="accent1"/>
+            </a:solidFill>
+            <a:prstDash val="solid"/>
+            <a:round/>
+            <a:headEnd type="none" w="sm" len="sm"/>
+            <a:tailEnd type="none" w="sm" len="sm"/>
+          </a:ln>
+        </p:spPr>
+        <p:txBody>
+          <a:bodyPr spcFirstLastPara="1" wrap="square" lIns="91425" tIns="91425" rIns="91425" bIns="91425" anchor="ctr" anchorCtr="0">
+            <a:noAutofit/>
+          </a:bodyPr>
+          <a:lstStyle/>
+          <a:p>
+            <a:pPr marL="0" lvl="0" indent="0" algn="l" rtl="0">
+              <a:spcBef>
+                <a:spcPts val="0"/>
+              </a:spcBef>
+              <a:spcAft>
+                <a:spcPts val="0"/>
+              </a:spcAft>
+              <a:buNone/>
+            </a:pPr>
+            <a:endParaRPr/>
+          </a:p>
+        </p:txBody>
+      </p:sp>
+      <p:sp>
+        <p:nvSpPr>
+          <p:cNvPr id="3" name="Google Shape;1241;p44">
+            <a:extLst>
+              <a:ext uri="{FF2B5EF4-FFF2-40B4-BE49-F238E27FC236}">
+                <a16:creationId xmlns:a16="http://schemas.microsoft.com/office/drawing/2014/main" id="{176BAA0D-0DB8-C116-40A9-1EE5C58B06EB}"/>
+              </a:ext>
+            </a:extLst>
+          </p:cNvPr>
+          <p:cNvSpPr/>
+          <p:nvPr/>
+        </p:nvSpPr>
+        <p:spPr>
+          <a:xfrm>
+            <a:off x="505767" y="1591243"/>
+            <a:ext cx="6120385" cy="980508"/>
+          </a:xfrm>
+          <a:prstGeom prst="roundRect">
+            <a:avLst>
+              <a:gd name="adj" fmla="val 16667"/>
+            </a:avLst>
+          </a:prstGeom>
+          <a:noFill/>
+          <a:ln w="9525" cap="flat" cmpd="sng">
+            <a:solidFill>
+              <a:schemeClr val="lt2"/>
+            </a:solidFill>
+            <a:prstDash val="solid"/>
+            <a:round/>
+            <a:headEnd type="none" w="sm" len="sm"/>
+            <a:tailEnd type="none" w="sm" len="sm"/>
+          </a:ln>
+        </p:spPr>
+        <p:txBody>
+          <a:bodyPr spcFirstLastPara="1" wrap="square" lIns="91425" tIns="91425" rIns="91425" bIns="91425" anchor="ctr" anchorCtr="0">
+            <a:noAutofit/>
+          </a:bodyPr>
+          <a:lstStyle/>
+          <a:p>
+            <a:pPr marL="0" lvl="0" indent="0" algn="l" rtl="0">
+              <a:spcBef>
+                <a:spcPts val="0"/>
+              </a:spcBef>
+              <a:spcAft>
+                <a:spcPts val="0"/>
+              </a:spcAft>
+              <a:buNone/>
+            </a:pPr>
+            <a:endParaRPr/>
           </a:p>
         </p:txBody>
       </p:sp>
@@ -26253,92 +23848,61 @@
           </a:prstGeom>
         </p:spPr>
       </p:pic>
-      <p:pic>
-        <p:nvPicPr>
-          <p:cNvPr id="10" name="Imagem 9">
+      <p:sp>
+        <p:nvSpPr>
+          <p:cNvPr id="8" name="CaixaDeTexto 7">
             <a:extLst>
               <a:ext uri="{FF2B5EF4-FFF2-40B4-BE49-F238E27FC236}">
-                <a16:creationId xmlns:a16="http://schemas.microsoft.com/office/drawing/2014/main" id="{81B1CEF7-FF69-7DC5-AF8F-335EEC7A49F9}"/>
+                <a16:creationId xmlns:a16="http://schemas.microsoft.com/office/drawing/2014/main" id="{431BBFDB-7EB5-AE6B-6FB7-6B67C79F9BDD}"/>
               </a:ext>
             </a:extLst>
           </p:cNvPr>
-          <p:cNvPicPr>
-            <a:picLocks noChangeAspect="1"/>
-          </p:cNvPicPr>
+          <p:cNvSpPr txBox="1"/>
           <p:nvPr/>
-        </p:nvPicPr>
-        <p:blipFill>
-          <a:blip r:embed="rId4"/>
-          <a:stretch>
-            <a:fillRect/>
-          </a:stretch>
-        </p:blipFill>
-        <p:spPr>
-          <a:xfrm>
-            <a:off x="505208" y="1248534"/>
-            <a:ext cx="4472374" cy="2847557"/>
+        </p:nvSpPr>
+        <p:spPr>
+          <a:xfrm>
+            <a:off x="602993" y="1623200"/>
+            <a:ext cx="6148483" cy="954107"/>
           </a:xfrm>
           <a:prstGeom prst="rect">
             <a:avLst/>
           </a:prstGeom>
-        </p:spPr>
-      </p:pic>
-      <p:sp>
-        <p:nvSpPr>
-          <p:cNvPr id="5" name="Google Shape;1240;p44">
-            <a:extLst>
-              <a:ext uri="{FF2B5EF4-FFF2-40B4-BE49-F238E27FC236}">
-                <a16:creationId xmlns:a16="http://schemas.microsoft.com/office/drawing/2014/main" id="{3A2984AD-1487-42F5-A6D0-F159C0F87735}"/>
-              </a:ext>
-            </a:extLst>
-          </p:cNvPr>
-          <p:cNvSpPr/>
-          <p:nvPr/>
-        </p:nvSpPr>
-        <p:spPr>
-          <a:xfrm>
-            <a:off x="505208" y="1248535"/>
-            <a:ext cx="4472374" cy="2847558"/>
-          </a:xfrm>
-          <a:prstGeom prst="roundRect">
-            <a:avLst>
-              <a:gd name="adj" fmla="val 0"/>
-            </a:avLst>
-          </a:prstGeom>
           <a:noFill/>
-          <a:ln w="19050" cap="flat" cmpd="sng">
-            <a:solidFill>
-              <a:schemeClr val="accent2"/>
-            </a:solidFill>
-            <a:prstDash val="solid"/>
-            <a:round/>
-            <a:headEnd type="none" w="sm" len="sm"/>
-            <a:tailEnd type="none" w="sm" len="sm"/>
-          </a:ln>
         </p:spPr>
         <p:txBody>
-          <a:bodyPr spcFirstLastPara="1" wrap="square" lIns="91425" tIns="91425" rIns="91425" bIns="91425" anchor="ctr" anchorCtr="0">
-            <a:noAutofit/>
+          <a:bodyPr wrap="square">
+            <a:spAutoFit/>
           </a:bodyPr>
           <a:lstStyle/>
           <a:p>
-            <a:pPr marL="0" lvl="0" indent="0" algn="l" rtl="0">
-              <a:spcBef>
-                <a:spcPts val="0"/>
-              </a:spcBef>
-              <a:spcAft>
-                <a:spcPts val="0"/>
-              </a:spcAft>
-              <a:buNone/>
-            </a:pPr>
-            <a:endParaRPr/>
+            <a:r>
+              <a:rPr lang="pt-PT" b="1" dirty="0">
+                <a:solidFill>
+                  <a:schemeClr val="bg1"/>
+                </a:solidFill>
+                <a:latin typeface="Maven Pro" panose="020B0604020202020204" charset="0"/>
+              </a:rPr>
+              <a:t>3ª Forma Normal (3NF)</a:t>
+            </a:r>
+          </a:p>
+          <a:p>
+            <a:r>
+              <a:rPr lang="pt-PT" dirty="0">
+                <a:solidFill>
+                  <a:schemeClr val="bg1"/>
+                </a:solidFill>
+                <a:latin typeface="Maven Pro" panose="020B0604020202020204" charset="0"/>
+              </a:rPr>
+              <a:t>Verificamos a existência de dependências transitivas e removemos qualquer dependência onde um atributo dependa de outro atributo não chave.</a:t>
+            </a:r>
           </a:p>
         </p:txBody>
       </p:sp>
     </p:spTree>
     <p:extLst>
       <p:ext uri="{BB962C8B-B14F-4D97-AF65-F5344CB8AC3E}">
-        <p14:creationId xmlns:p14="http://schemas.microsoft.com/office/powerpoint/2010/main" val="1333165103"/>
+        <p14:creationId xmlns:p14="http://schemas.microsoft.com/office/powerpoint/2010/main" val="2311069806"/>
       </p:ext>
     </p:extLst>
   </p:cSld>
@@ -26401,7 +23965,7 @@
             </a:pPr>
             <a:r>
               <a:rPr lang="pt-PT" dirty="0"/>
-              <a:t>Esquema Relacional (C4)</a:t>
+              <a:t>Normalização (C3)</a:t>
             </a:r>
           </a:p>
         </p:txBody>
@@ -26436,42 +24000,12 @@
           </a:prstGeom>
         </p:spPr>
       </p:pic>
-      <p:pic>
-        <p:nvPicPr>
-          <p:cNvPr id="3" name="Imagem 2">
+      <p:sp>
+        <p:nvSpPr>
+          <p:cNvPr id="7" name="Google Shape;1240;p44">
             <a:extLst>
               <a:ext uri="{FF2B5EF4-FFF2-40B4-BE49-F238E27FC236}">
-                <a16:creationId xmlns:a16="http://schemas.microsoft.com/office/drawing/2014/main" id="{7F1CEDC8-62D6-905D-C91B-65B9A90D6CB4}"/>
-              </a:ext>
-            </a:extLst>
-          </p:cNvPr>
-          <p:cNvPicPr>
-            <a:picLocks noChangeAspect="1"/>
-          </p:cNvPicPr>
-          <p:nvPr/>
-        </p:nvPicPr>
-        <p:blipFill>
-          <a:blip r:embed="rId4"/>
-          <a:stretch>
-            <a:fillRect/>
-          </a:stretch>
-        </p:blipFill>
-        <p:spPr>
-          <a:xfrm>
-            <a:off x="505208" y="1248535"/>
-            <a:ext cx="4472374" cy="2755652"/>
-          </a:xfrm>
-          <a:prstGeom prst="rect">
-            <a:avLst/>
-          </a:prstGeom>
-        </p:spPr>
-      </p:pic>
-      <p:sp>
-        <p:nvSpPr>
-          <p:cNvPr id="5" name="Google Shape;1240;p44">
-            <a:extLst>
-              <a:ext uri="{FF2B5EF4-FFF2-40B4-BE49-F238E27FC236}">
-                <a16:creationId xmlns:a16="http://schemas.microsoft.com/office/drawing/2014/main" id="{3A2984AD-1487-42F5-A6D0-F159C0F87735}"/>
+                <a16:creationId xmlns:a16="http://schemas.microsoft.com/office/drawing/2014/main" id="{B3B33B0C-9EFA-10EC-8A58-23EDF29A304B}"/>
               </a:ext>
             </a:extLst>
           </p:cNvPr>
@@ -26480,8 +24014,8 @@
         </p:nvSpPr>
         <p:spPr>
           <a:xfrm>
-            <a:off x="505208" y="1248535"/>
-            <a:ext cx="4472374" cy="2755652"/>
+            <a:off x="1037307" y="1681963"/>
+            <a:ext cx="1218326" cy="320374"/>
           </a:xfrm>
           <a:prstGeom prst="roundRect">
             <a:avLst>
@@ -26518,10 +24052,1369 @@
           </a:p>
         </p:txBody>
       </p:sp>
+      <p:sp>
+        <p:nvSpPr>
+          <p:cNvPr id="9" name="Google Shape;1240;p44">
+            <a:extLst>
+              <a:ext uri="{FF2B5EF4-FFF2-40B4-BE49-F238E27FC236}">
+                <a16:creationId xmlns:a16="http://schemas.microsoft.com/office/drawing/2014/main" id="{037AA908-A6BA-C76F-7DE7-E791BE764814}"/>
+              </a:ext>
+            </a:extLst>
+          </p:cNvPr>
+          <p:cNvSpPr/>
+          <p:nvPr/>
+        </p:nvSpPr>
+        <p:spPr>
+          <a:xfrm>
+            <a:off x="2255633" y="1681963"/>
+            <a:ext cx="1218326" cy="320374"/>
+          </a:xfrm>
+          <a:prstGeom prst="roundRect">
+            <a:avLst>
+              <a:gd name="adj" fmla="val 0"/>
+            </a:avLst>
+          </a:prstGeom>
+          <a:noFill/>
+          <a:ln w="19050" cap="flat" cmpd="sng">
+            <a:solidFill>
+              <a:schemeClr val="accent2"/>
+            </a:solidFill>
+            <a:prstDash val="solid"/>
+            <a:round/>
+            <a:headEnd type="none" w="sm" len="sm"/>
+            <a:tailEnd type="none" w="sm" len="sm"/>
+          </a:ln>
+        </p:spPr>
+        <p:txBody>
+          <a:bodyPr spcFirstLastPara="1" wrap="square" lIns="91425" tIns="91425" rIns="91425" bIns="91425" anchor="ctr" anchorCtr="0">
+            <a:noAutofit/>
+          </a:bodyPr>
+          <a:lstStyle/>
+          <a:p>
+            <a:pPr marL="0" lvl="0" indent="0" algn="l" rtl="0">
+              <a:spcBef>
+                <a:spcPts val="0"/>
+              </a:spcBef>
+              <a:spcAft>
+                <a:spcPts val="0"/>
+              </a:spcAft>
+              <a:buNone/>
+            </a:pPr>
+            <a:endParaRPr/>
+          </a:p>
+        </p:txBody>
+      </p:sp>
+      <p:sp>
+        <p:nvSpPr>
+          <p:cNvPr id="10" name="Google Shape;1240;p44">
+            <a:extLst>
+              <a:ext uri="{FF2B5EF4-FFF2-40B4-BE49-F238E27FC236}">
+                <a16:creationId xmlns:a16="http://schemas.microsoft.com/office/drawing/2014/main" id="{E5256318-ABDD-DD4E-62AA-ADF071078FEA}"/>
+              </a:ext>
+            </a:extLst>
+          </p:cNvPr>
+          <p:cNvSpPr/>
+          <p:nvPr/>
+        </p:nvSpPr>
+        <p:spPr>
+          <a:xfrm>
+            <a:off x="3473959" y="1681963"/>
+            <a:ext cx="1218326" cy="320374"/>
+          </a:xfrm>
+          <a:prstGeom prst="roundRect">
+            <a:avLst>
+              <a:gd name="adj" fmla="val 0"/>
+            </a:avLst>
+          </a:prstGeom>
+          <a:noFill/>
+          <a:ln w="19050" cap="flat" cmpd="sng">
+            <a:solidFill>
+              <a:schemeClr val="accent2"/>
+            </a:solidFill>
+            <a:prstDash val="solid"/>
+            <a:round/>
+            <a:headEnd type="none" w="sm" len="sm"/>
+            <a:tailEnd type="none" w="sm" len="sm"/>
+          </a:ln>
+        </p:spPr>
+        <p:txBody>
+          <a:bodyPr spcFirstLastPara="1" wrap="square" lIns="91425" tIns="91425" rIns="91425" bIns="91425" anchor="ctr" anchorCtr="0">
+            <a:noAutofit/>
+          </a:bodyPr>
+          <a:lstStyle/>
+          <a:p>
+            <a:pPr marL="0" lvl="0" indent="0" algn="l" rtl="0">
+              <a:spcBef>
+                <a:spcPts val="0"/>
+              </a:spcBef>
+              <a:spcAft>
+                <a:spcPts val="0"/>
+              </a:spcAft>
+              <a:buNone/>
+            </a:pPr>
+            <a:endParaRPr/>
+          </a:p>
+        </p:txBody>
+      </p:sp>
+      <p:sp>
+        <p:nvSpPr>
+          <p:cNvPr id="11" name="Google Shape;1240;p44">
+            <a:extLst>
+              <a:ext uri="{FF2B5EF4-FFF2-40B4-BE49-F238E27FC236}">
+                <a16:creationId xmlns:a16="http://schemas.microsoft.com/office/drawing/2014/main" id="{64F50E18-3B26-5FF6-7978-21C2E73148FA}"/>
+              </a:ext>
+            </a:extLst>
+          </p:cNvPr>
+          <p:cNvSpPr/>
+          <p:nvPr/>
+        </p:nvSpPr>
+        <p:spPr>
+          <a:xfrm>
+            <a:off x="4692285" y="1681963"/>
+            <a:ext cx="1218326" cy="320374"/>
+          </a:xfrm>
+          <a:prstGeom prst="roundRect">
+            <a:avLst>
+              <a:gd name="adj" fmla="val 0"/>
+            </a:avLst>
+          </a:prstGeom>
+          <a:noFill/>
+          <a:ln w="19050" cap="flat" cmpd="sng">
+            <a:solidFill>
+              <a:schemeClr val="accent2"/>
+            </a:solidFill>
+            <a:prstDash val="solid"/>
+            <a:round/>
+            <a:headEnd type="none" w="sm" len="sm"/>
+            <a:tailEnd type="none" w="sm" len="sm"/>
+          </a:ln>
+        </p:spPr>
+        <p:txBody>
+          <a:bodyPr spcFirstLastPara="1" wrap="square" lIns="91425" tIns="91425" rIns="91425" bIns="91425" anchor="ctr" anchorCtr="0">
+            <a:noAutofit/>
+          </a:bodyPr>
+          <a:lstStyle/>
+          <a:p>
+            <a:pPr marL="0" lvl="0" indent="0" algn="l" rtl="0">
+              <a:spcBef>
+                <a:spcPts val="0"/>
+              </a:spcBef>
+              <a:spcAft>
+                <a:spcPts val="0"/>
+              </a:spcAft>
+              <a:buNone/>
+            </a:pPr>
+            <a:endParaRPr/>
+          </a:p>
+        </p:txBody>
+      </p:sp>
+      <p:sp>
+        <p:nvSpPr>
+          <p:cNvPr id="12" name="Google Shape;1240;p44">
+            <a:extLst>
+              <a:ext uri="{FF2B5EF4-FFF2-40B4-BE49-F238E27FC236}">
+                <a16:creationId xmlns:a16="http://schemas.microsoft.com/office/drawing/2014/main" id="{F26C0D5A-031A-2EBA-674A-F24966430FFF}"/>
+              </a:ext>
+            </a:extLst>
+          </p:cNvPr>
+          <p:cNvSpPr/>
+          <p:nvPr/>
+        </p:nvSpPr>
+        <p:spPr>
+          <a:xfrm>
+            <a:off x="5910611" y="1681963"/>
+            <a:ext cx="1218326" cy="320374"/>
+          </a:xfrm>
+          <a:prstGeom prst="roundRect">
+            <a:avLst>
+              <a:gd name="adj" fmla="val 0"/>
+            </a:avLst>
+          </a:prstGeom>
+          <a:noFill/>
+          <a:ln w="19050" cap="flat" cmpd="sng">
+            <a:solidFill>
+              <a:schemeClr val="accent2"/>
+            </a:solidFill>
+            <a:prstDash val="solid"/>
+            <a:round/>
+            <a:headEnd type="none" w="sm" len="sm"/>
+            <a:tailEnd type="none" w="sm" len="sm"/>
+          </a:ln>
+        </p:spPr>
+        <p:txBody>
+          <a:bodyPr spcFirstLastPara="1" wrap="square" lIns="91425" tIns="91425" rIns="91425" bIns="91425" anchor="ctr" anchorCtr="0">
+            <a:noAutofit/>
+          </a:bodyPr>
+          <a:lstStyle/>
+          <a:p>
+            <a:pPr marL="0" lvl="0" indent="0" algn="l" rtl="0">
+              <a:spcBef>
+                <a:spcPts val="0"/>
+              </a:spcBef>
+              <a:spcAft>
+                <a:spcPts val="0"/>
+              </a:spcAft>
+              <a:buNone/>
+            </a:pPr>
+            <a:endParaRPr/>
+          </a:p>
+        </p:txBody>
+      </p:sp>
+      <p:sp>
+        <p:nvSpPr>
+          <p:cNvPr id="14" name="CaixaDeTexto 13">
+            <a:extLst>
+              <a:ext uri="{FF2B5EF4-FFF2-40B4-BE49-F238E27FC236}">
+                <a16:creationId xmlns:a16="http://schemas.microsoft.com/office/drawing/2014/main" id="{C49CC464-5F45-7DA1-C18D-7AFEB3B1B8A0}"/>
+              </a:ext>
+            </a:extLst>
+          </p:cNvPr>
+          <p:cNvSpPr txBox="1"/>
+          <p:nvPr/>
+        </p:nvSpPr>
+        <p:spPr>
+          <a:xfrm>
+            <a:off x="1052120" y="1687526"/>
+            <a:ext cx="1307306" cy="276999"/>
+          </a:xfrm>
+          <a:prstGeom prst="rect">
+            <a:avLst/>
+          </a:prstGeom>
+          <a:noFill/>
+        </p:spPr>
+        <p:txBody>
+          <a:bodyPr wrap="square">
+            <a:spAutoFit/>
+          </a:bodyPr>
+          <a:lstStyle/>
+          <a:p>
+            <a:r>
+              <a:rPr lang="pt-PT" sz="1200" u="sng" dirty="0">
+                <a:solidFill>
+                  <a:schemeClr val="bg1"/>
+                </a:solidFill>
+                <a:latin typeface="Maven Pro" panose="020B0604020202020204" charset="0"/>
+              </a:rPr>
+              <a:t>nContribuinte</a:t>
+            </a:r>
+            <a:endParaRPr lang="pt-PT" sz="1200" u="sng" dirty="0"/>
+          </a:p>
+        </p:txBody>
+      </p:sp>
+      <p:sp>
+        <p:nvSpPr>
+          <p:cNvPr id="15" name="CaixaDeTexto 14">
+            <a:extLst>
+              <a:ext uri="{FF2B5EF4-FFF2-40B4-BE49-F238E27FC236}">
+                <a16:creationId xmlns:a16="http://schemas.microsoft.com/office/drawing/2014/main" id="{C098A461-7016-6E21-71EF-33E090162732}"/>
+              </a:ext>
+            </a:extLst>
+          </p:cNvPr>
+          <p:cNvSpPr txBox="1"/>
+          <p:nvPr/>
+        </p:nvSpPr>
+        <p:spPr>
+          <a:xfrm>
+            <a:off x="2211143" y="1703650"/>
+            <a:ext cx="1307306" cy="276999"/>
+          </a:xfrm>
+          <a:prstGeom prst="rect">
+            <a:avLst/>
+          </a:prstGeom>
+          <a:noFill/>
+        </p:spPr>
+        <p:txBody>
+          <a:bodyPr wrap="square">
+            <a:spAutoFit/>
+          </a:bodyPr>
+          <a:lstStyle/>
+          <a:p>
+            <a:r>
+              <a:rPr lang="pt-PT" sz="1200" dirty="0">
+                <a:solidFill>
+                  <a:schemeClr val="bg1"/>
+                </a:solidFill>
+                <a:latin typeface="Maven Pro" panose="020B0604020202020204" charset="0"/>
+              </a:rPr>
+              <a:t>Plano_de_curso</a:t>
+            </a:r>
+          </a:p>
+        </p:txBody>
+      </p:sp>
+      <p:sp>
+        <p:nvSpPr>
+          <p:cNvPr id="17" name="CaixaDeTexto 16">
+            <a:extLst>
+              <a:ext uri="{FF2B5EF4-FFF2-40B4-BE49-F238E27FC236}">
+                <a16:creationId xmlns:a16="http://schemas.microsoft.com/office/drawing/2014/main" id="{12B7F3CB-0D43-358F-D34A-8B4F009C053D}"/>
+              </a:ext>
+            </a:extLst>
+          </p:cNvPr>
+          <p:cNvSpPr txBox="1"/>
+          <p:nvPr/>
+        </p:nvSpPr>
+        <p:spPr>
+          <a:xfrm>
+            <a:off x="3778847" y="1710269"/>
+            <a:ext cx="608549" cy="276999"/>
+          </a:xfrm>
+          <a:prstGeom prst="rect">
+            <a:avLst/>
+          </a:prstGeom>
+          <a:noFill/>
+        </p:spPr>
+        <p:txBody>
+          <a:bodyPr wrap="square">
+            <a:spAutoFit/>
+          </a:bodyPr>
+          <a:lstStyle/>
+          <a:p>
+            <a:r>
+              <a:rPr lang="pt-PT" sz="1200" dirty="0">
+                <a:solidFill>
+                  <a:schemeClr val="bg1"/>
+                </a:solidFill>
+                <a:latin typeface="Maven Pro" panose="020B0604020202020204" charset="0"/>
+              </a:rPr>
+              <a:t>Nome </a:t>
+            </a:r>
+          </a:p>
+        </p:txBody>
+      </p:sp>
+      <p:sp>
+        <p:nvSpPr>
+          <p:cNvPr id="18" name="CaixaDeTexto 17">
+            <a:extLst>
+              <a:ext uri="{FF2B5EF4-FFF2-40B4-BE49-F238E27FC236}">
+                <a16:creationId xmlns:a16="http://schemas.microsoft.com/office/drawing/2014/main" id="{7A5532D7-B074-D3B8-F305-08C33F668F7F}"/>
+              </a:ext>
+            </a:extLst>
+          </p:cNvPr>
+          <p:cNvSpPr txBox="1"/>
+          <p:nvPr/>
+        </p:nvSpPr>
+        <p:spPr>
+          <a:xfrm>
+            <a:off x="4647794" y="1718304"/>
+            <a:ext cx="1914871" cy="246221"/>
+          </a:xfrm>
+          <a:prstGeom prst="rect">
+            <a:avLst/>
+          </a:prstGeom>
+          <a:noFill/>
+        </p:spPr>
+        <p:txBody>
+          <a:bodyPr wrap="square">
+            <a:spAutoFit/>
+          </a:bodyPr>
+          <a:lstStyle/>
+          <a:p>
+            <a:r>
+              <a:rPr lang="pt-PT" sz="1000" dirty="0">
+                <a:solidFill>
+                  <a:schemeClr val="bg1"/>
+                </a:solidFill>
+                <a:latin typeface="Maven Pro" panose="020B0604020202020204" charset="0"/>
+              </a:rPr>
+              <a:t>dataNascimentoEst </a:t>
+            </a:r>
+          </a:p>
+        </p:txBody>
+      </p:sp>
+      <p:sp>
+        <p:nvSpPr>
+          <p:cNvPr id="19" name="CaixaDeTexto 18">
+            <a:extLst>
+              <a:ext uri="{FF2B5EF4-FFF2-40B4-BE49-F238E27FC236}">
+                <a16:creationId xmlns:a16="http://schemas.microsoft.com/office/drawing/2014/main" id="{137AA15A-B874-5339-C7C0-164DEF99C9FA}"/>
+              </a:ext>
+            </a:extLst>
+          </p:cNvPr>
+          <p:cNvSpPr txBox="1"/>
+          <p:nvPr/>
+        </p:nvSpPr>
+        <p:spPr>
+          <a:xfrm>
+            <a:off x="5888366" y="1733692"/>
+            <a:ext cx="1914871" cy="215444"/>
+          </a:xfrm>
+          <a:prstGeom prst="rect">
+            <a:avLst/>
+          </a:prstGeom>
+          <a:noFill/>
+        </p:spPr>
+        <p:txBody>
+          <a:bodyPr wrap="square">
+            <a:spAutoFit/>
+          </a:bodyPr>
+          <a:lstStyle/>
+          <a:p>
+            <a:r>
+              <a:rPr lang="pt-PT" sz="800" dirty="0">
+                <a:solidFill>
+                  <a:schemeClr val="bg1"/>
+                </a:solidFill>
+                <a:latin typeface="Maven Pro" panose="020B0604020202020204" charset="0"/>
+              </a:rPr>
+              <a:t>número_Departamento</a:t>
+            </a:r>
+          </a:p>
+        </p:txBody>
+      </p:sp>
+      <p:sp>
+        <p:nvSpPr>
+          <p:cNvPr id="20" name="CaixaDeTexto 19">
+            <a:extLst>
+              <a:ext uri="{FF2B5EF4-FFF2-40B4-BE49-F238E27FC236}">
+                <a16:creationId xmlns:a16="http://schemas.microsoft.com/office/drawing/2014/main" id="{A3E0C257-9503-6B6E-B055-C00021705B59}"/>
+              </a:ext>
+            </a:extLst>
+          </p:cNvPr>
+          <p:cNvSpPr txBox="1"/>
+          <p:nvPr/>
+        </p:nvSpPr>
+        <p:spPr>
+          <a:xfrm>
+            <a:off x="819303" y="1263683"/>
+            <a:ext cx="1307306" cy="338554"/>
+          </a:xfrm>
+          <a:prstGeom prst="rect">
+            <a:avLst/>
+          </a:prstGeom>
+          <a:noFill/>
+        </p:spPr>
+        <p:txBody>
+          <a:bodyPr wrap="square">
+            <a:spAutoFit/>
+          </a:bodyPr>
+          <a:lstStyle/>
+          <a:p>
+            <a:r>
+              <a:rPr lang="pt-PT" sz="1600" dirty="0">
+                <a:solidFill>
+                  <a:schemeClr val="bg1"/>
+                </a:solidFill>
+                <a:latin typeface="Maven Pro" panose="020B0604020202020204" charset="0"/>
+              </a:rPr>
+              <a:t>Estudantes</a:t>
+            </a:r>
+          </a:p>
+        </p:txBody>
+      </p:sp>
+      <p:sp>
+        <p:nvSpPr>
+          <p:cNvPr id="21" name="Google Shape;1240;p44">
+            <a:extLst>
+              <a:ext uri="{FF2B5EF4-FFF2-40B4-BE49-F238E27FC236}">
+                <a16:creationId xmlns:a16="http://schemas.microsoft.com/office/drawing/2014/main" id="{987314E9-41C4-9BE8-1CA6-6C847A14C733}"/>
+              </a:ext>
+            </a:extLst>
+          </p:cNvPr>
+          <p:cNvSpPr/>
+          <p:nvPr/>
+        </p:nvSpPr>
+        <p:spPr>
+          <a:xfrm>
+            <a:off x="1052120" y="2671097"/>
+            <a:ext cx="1218326" cy="320374"/>
+          </a:xfrm>
+          <a:prstGeom prst="roundRect">
+            <a:avLst>
+              <a:gd name="adj" fmla="val 0"/>
+            </a:avLst>
+          </a:prstGeom>
+          <a:noFill/>
+          <a:ln w="19050" cap="flat" cmpd="sng">
+            <a:solidFill>
+              <a:schemeClr val="accent2"/>
+            </a:solidFill>
+            <a:prstDash val="solid"/>
+            <a:round/>
+            <a:headEnd type="none" w="sm" len="sm"/>
+            <a:tailEnd type="none" w="sm" len="sm"/>
+          </a:ln>
+        </p:spPr>
+        <p:txBody>
+          <a:bodyPr spcFirstLastPara="1" wrap="square" lIns="91425" tIns="91425" rIns="91425" bIns="91425" anchor="ctr" anchorCtr="0">
+            <a:noAutofit/>
+          </a:bodyPr>
+          <a:lstStyle/>
+          <a:p>
+            <a:pPr marL="0" lvl="0" indent="0" algn="l" rtl="0">
+              <a:spcBef>
+                <a:spcPts val="0"/>
+              </a:spcBef>
+              <a:spcAft>
+                <a:spcPts val="0"/>
+              </a:spcAft>
+              <a:buNone/>
+            </a:pPr>
+            <a:endParaRPr/>
+          </a:p>
+        </p:txBody>
+      </p:sp>
+      <p:sp>
+        <p:nvSpPr>
+          <p:cNvPr id="22" name="Google Shape;1240;p44">
+            <a:extLst>
+              <a:ext uri="{FF2B5EF4-FFF2-40B4-BE49-F238E27FC236}">
+                <a16:creationId xmlns:a16="http://schemas.microsoft.com/office/drawing/2014/main" id="{C47A9ED9-B6F8-AB65-B6BE-EBDFD53C3D3C}"/>
+              </a:ext>
+            </a:extLst>
+          </p:cNvPr>
+          <p:cNvSpPr/>
+          <p:nvPr/>
+        </p:nvSpPr>
+        <p:spPr>
+          <a:xfrm>
+            <a:off x="2270446" y="2671097"/>
+            <a:ext cx="1218326" cy="320374"/>
+          </a:xfrm>
+          <a:prstGeom prst="roundRect">
+            <a:avLst>
+              <a:gd name="adj" fmla="val 0"/>
+            </a:avLst>
+          </a:prstGeom>
+          <a:noFill/>
+          <a:ln w="19050" cap="flat" cmpd="sng">
+            <a:solidFill>
+              <a:schemeClr val="accent2"/>
+            </a:solidFill>
+            <a:prstDash val="solid"/>
+            <a:round/>
+            <a:headEnd type="none" w="sm" len="sm"/>
+            <a:tailEnd type="none" w="sm" len="sm"/>
+          </a:ln>
+        </p:spPr>
+        <p:txBody>
+          <a:bodyPr spcFirstLastPara="1" wrap="square" lIns="91425" tIns="91425" rIns="91425" bIns="91425" anchor="ctr" anchorCtr="0">
+            <a:noAutofit/>
+          </a:bodyPr>
+          <a:lstStyle/>
+          <a:p>
+            <a:pPr marL="0" lvl="0" indent="0" algn="l" rtl="0">
+              <a:spcBef>
+                <a:spcPts val="0"/>
+              </a:spcBef>
+              <a:spcAft>
+                <a:spcPts val="0"/>
+              </a:spcAft>
+              <a:buNone/>
+            </a:pPr>
+            <a:endParaRPr/>
+          </a:p>
+        </p:txBody>
+      </p:sp>
+      <p:sp>
+        <p:nvSpPr>
+          <p:cNvPr id="23" name="Google Shape;1240;p44">
+            <a:extLst>
+              <a:ext uri="{FF2B5EF4-FFF2-40B4-BE49-F238E27FC236}">
+                <a16:creationId xmlns:a16="http://schemas.microsoft.com/office/drawing/2014/main" id="{AC17DC57-F59F-763E-E217-710DBDD4ABF0}"/>
+              </a:ext>
+            </a:extLst>
+          </p:cNvPr>
+          <p:cNvSpPr/>
+          <p:nvPr/>
+        </p:nvSpPr>
+        <p:spPr>
+          <a:xfrm>
+            <a:off x="3488772" y="2671097"/>
+            <a:ext cx="1218326" cy="320374"/>
+          </a:xfrm>
+          <a:prstGeom prst="roundRect">
+            <a:avLst>
+              <a:gd name="adj" fmla="val 0"/>
+            </a:avLst>
+          </a:prstGeom>
+          <a:noFill/>
+          <a:ln w="19050" cap="flat" cmpd="sng">
+            <a:solidFill>
+              <a:schemeClr val="accent2"/>
+            </a:solidFill>
+            <a:prstDash val="solid"/>
+            <a:round/>
+            <a:headEnd type="none" w="sm" len="sm"/>
+            <a:tailEnd type="none" w="sm" len="sm"/>
+          </a:ln>
+        </p:spPr>
+        <p:txBody>
+          <a:bodyPr spcFirstLastPara="1" wrap="square" lIns="91425" tIns="91425" rIns="91425" bIns="91425" anchor="ctr" anchorCtr="0">
+            <a:noAutofit/>
+          </a:bodyPr>
+          <a:lstStyle/>
+          <a:p>
+            <a:pPr marL="0" lvl="0" indent="0" algn="l" rtl="0">
+              <a:spcBef>
+                <a:spcPts val="0"/>
+              </a:spcBef>
+              <a:spcAft>
+                <a:spcPts val="0"/>
+              </a:spcAft>
+              <a:buNone/>
+            </a:pPr>
+            <a:endParaRPr/>
+          </a:p>
+        </p:txBody>
+      </p:sp>
+      <p:sp>
+        <p:nvSpPr>
+          <p:cNvPr id="24" name="Google Shape;1240;p44">
+            <a:extLst>
+              <a:ext uri="{FF2B5EF4-FFF2-40B4-BE49-F238E27FC236}">
+                <a16:creationId xmlns:a16="http://schemas.microsoft.com/office/drawing/2014/main" id="{F966F7D5-C287-A63F-C301-2B76E9B63C77}"/>
+              </a:ext>
+            </a:extLst>
+          </p:cNvPr>
+          <p:cNvSpPr/>
+          <p:nvPr/>
+        </p:nvSpPr>
+        <p:spPr>
+          <a:xfrm>
+            <a:off x="4707098" y="2671097"/>
+            <a:ext cx="1218326" cy="320374"/>
+          </a:xfrm>
+          <a:prstGeom prst="roundRect">
+            <a:avLst>
+              <a:gd name="adj" fmla="val 0"/>
+            </a:avLst>
+          </a:prstGeom>
+          <a:noFill/>
+          <a:ln w="19050" cap="flat" cmpd="sng">
+            <a:solidFill>
+              <a:schemeClr val="accent2"/>
+            </a:solidFill>
+            <a:prstDash val="solid"/>
+            <a:round/>
+            <a:headEnd type="none" w="sm" len="sm"/>
+            <a:tailEnd type="none" w="sm" len="sm"/>
+          </a:ln>
+        </p:spPr>
+        <p:txBody>
+          <a:bodyPr spcFirstLastPara="1" wrap="square" lIns="91425" tIns="91425" rIns="91425" bIns="91425" anchor="ctr" anchorCtr="0">
+            <a:noAutofit/>
+          </a:bodyPr>
+          <a:lstStyle/>
+          <a:p>
+            <a:pPr marL="0" lvl="0" indent="0" algn="l" rtl="0">
+              <a:spcBef>
+                <a:spcPts val="0"/>
+              </a:spcBef>
+              <a:spcAft>
+                <a:spcPts val="0"/>
+              </a:spcAft>
+              <a:buNone/>
+            </a:pPr>
+            <a:endParaRPr/>
+          </a:p>
+        </p:txBody>
+      </p:sp>
+      <p:sp>
+        <p:nvSpPr>
+          <p:cNvPr id="26" name="CaixaDeTexto 25">
+            <a:extLst>
+              <a:ext uri="{FF2B5EF4-FFF2-40B4-BE49-F238E27FC236}">
+                <a16:creationId xmlns:a16="http://schemas.microsoft.com/office/drawing/2014/main" id="{D583A68F-CBCE-10AC-365D-9B263D278AA5}"/>
+              </a:ext>
+            </a:extLst>
+          </p:cNvPr>
+          <p:cNvSpPr txBox="1"/>
+          <p:nvPr/>
+        </p:nvSpPr>
+        <p:spPr>
+          <a:xfrm>
+            <a:off x="1300290" y="2692784"/>
+            <a:ext cx="1307306" cy="276999"/>
+          </a:xfrm>
+          <a:prstGeom prst="rect">
+            <a:avLst/>
+          </a:prstGeom>
+          <a:noFill/>
+        </p:spPr>
+        <p:txBody>
+          <a:bodyPr wrap="square">
+            <a:spAutoFit/>
+          </a:bodyPr>
+          <a:lstStyle/>
+          <a:p>
+            <a:r>
+              <a:rPr lang="pt-PT" sz="1200" u="sng" dirty="0">
+                <a:solidFill>
+                  <a:schemeClr val="bg1"/>
+                </a:solidFill>
+                <a:latin typeface="Maven Pro" panose="020B0604020202020204" charset="0"/>
+              </a:rPr>
+              <a:t>número</a:t>
+            </a:r>
+            <a:endParaRPr lang="pt-PT" sz="1200" u="sng" dirty="0"/>
+          </a:p>
+        </p:txBody>
+      </p:sp>
+      <p:sp>
+        <p:nvSpPr>
+          <p:cNvPr id="27" name="CaixaDeTexto 26">
+            <a:extLst>
+              <a:ext uri="{FF2B5EF4-FFF2-40B4-BE49-F238E27FC236}">
+                <a16:creationId xmlns:a16="http://schemas.microsoft.com/office/drawing/2014/main" id="{FD7F33F7-757A-CC3E-8BAE-7B26E94589B8}"/>
+              </a:ext>
+            </a:extLst>
+          </p:cNvPr>
+          <p:cNvSpPr txBox="1"/>
+          <p:nvPr/>
+        </p:nvSpPr>
+        <p:spPr>
+          <a:xfrm>
+            <a:off x="2406802" y="2692048"/>
+            <a:ext cx="1307306" cy="276999"/>
+          </a:xfrm>
+          <a:prstGeom prst="rect">
+            <a:avLst/>
+          </a:prstGeom>
+          <a:noFill/>
+        </p:spPr>
+        <p:txBody>
+          <a:bodyPr wrap="square">
+            <a:spAutoFit/>
+          </a:bodyPr>
+          <a:lstStyle/>
+          <a:p>
+            <a:r>
+              <a:rPr lang="pt-PT" sz="1200" dirty="0">
+                <a:solidFill>
+                  <a:schemeClr val="bg1"/>
+                </a:solidFill>
+                <a:latin typeface="Maven Pro" panose="020B0604020202020204" charset="0"/>
+              </a:rPr>
+              <a:t>orçamento</a:t>
+            </a:r>
+          </a:p>
+        </p:txBody>
+      </p:sp>
+      <p:sp>
+        <p:nvSpPr>
+          <p:cNvPr id="28" name="CaixaDeTexto 27">
+            <a:extLst>
+              <a:ext uri="{FF2B5EF4-FFF2-40B4-BE49-F238E27FC236}">
+                <a16:creationId xmlns:a16="http://schemas.microsoft.com/office/drawing/2014/main" id="{5A356B2C-1B59-AD3C-BE20-F4AD01812610}"/>
+              </a:ext>
+            </a:extLst>
+          </p:cNvPr>
+          <p:cNvSpPr txBox="1"/>
+          <p:nvPr/>
+        </p:nvSpPr>
+        <p:spPr>
+          <a:xfrm>
+            <a:off x="3793660" y="2699403"/>
+            <a:ext cx="667852" cy="276999"/>
+          </a:xfrm>
+          <a:prstGeom prst="rect">
+            <a:avLst/>
+          </a:prstGeom>
+          <a:noFill/>
+        </p:spPr>
+        <p:txBody>
+          <a:bodyPr wrap="square">
+            <a:spAutoFit/>
+          </a:bodyPr>
+          <a:lstStyle/>
+          <a:p>
+            <a:r>
+              <a:rPr lang="pt-PT" sz="1200" dirty="0">
+                <a:solidFill>
+                  <a:schemeClr val="bg1"/>
+                </a:solidFill>
+                <a:latin typeface="Maven Pro" panose="020B0604020202020204" charset="0"/>
+              </a:rPr>
+              <a:t>dtIníco </a:t>
+            </a:r>
+          </a:p>
+        </p:txBody>
+      </p:sp>
+      <p:sp>
+        <p:nvSpPr>
+          <p:cNvPr id="29" name="CaixaDeTexto 28">
+            <a:extLst>
+              <a:ext uri="{FF2B5EF4-FFF2-40B4-BE49-F238E27FC236}">
+                <a16:creationId xmlns:a16="http://schemas.microsoft.com/office/drawing/2014/main" id="{0A0F6C19-9722-9A57-6BC1-4E88A49066B6}"/>
+              </a:ext>
+            </a:extLst>
+          </p:cNvPr>
+          <p:cNvSpPr txBox="1"/>
+          <p:nvPr/>
+        </p:nvSpPr>
+        <p:spPr>
+          <a:xfrm>
+            <a:off x="4925926" y="2718857"/>
+            <a:ext cx="1914871" cy="276999"/>
+          </a:xfrm>
+          <a:prstGeom prst="rect">
+            <a:avLst/>
+          </a:prstGeom>
+          <a:noFill/>
+        </p:spPr>
+        <p:txBody>
+          <a:bodyPr wrap="square">
+            <a:spAutoFit/>
+          </a:bodyPr>
+          <a:lstStyle/>
+          <a:p>
+            <a:r>
+              <a:rPr lang="pt-PT" sz="1200" dirty="0">
+                <a:solidFill>
+                  <a:schemeClr val="bg1"/>
+                </a:solidFill>
+                <a:latin typeface="Maven Pro" panose="020B0604020202020204" charset="0"/>
+              </a:rPr>
+              <a:t>dtFinal</a:t>
+            </a:r>
+          </a:p>
+        </p:txBody>
+      </p:sp>
+      <p:sp>
+        <p:nvSpPr>
+          <p:cNvPr id="31" name="CaixaDeTexto 30">
+            <a:extLst>
+              <a:ext uri="{FF2B5EF4-FFF2-40B4-BE49-F238E27FC236}">
+                <a16:creationId xmlns:a16="http://schemas.microsoft.com/office/drawing/2014/main" id="{40843F13-2328-A422-573B-483E0875C695}"/>
+              </a:ext>
+            </a:extLst>
+          </p:cNvPr>
+          <p:cNvSpPr txBox="1"/>
+          <p:nvPr/>
+        </p:nvSpPr>
+        <p:spPr>
+          <a:xfrm>
+            <a:off x="774813" y="2254302"/>
+            <a:ext cx="1307306" cy="338554"/>
+          </a:xfrm>
+          <a:prstGeom prst="rect">
+            <a:avLst/>
+          </a:prstGeom>
+          <a:noFill/>
+        </p:spPr>
+        <p:txBody>
+          <a:bodyPr wrap="square">
+            <a:spAutoFit/>
+          </a:bodyPr>
+          <a:lstStyle/>
+          <a:p>
+            <a:r>
+              <a:rPr lang="pt-PT" sz="1600" dirty="0">
+                <a:solidFill>
+                  <a:schemeClr val="bg1"/>
+                </a:solidFill>
+                <a:latin typeface="Maven Pro" panose="020B0604020202020204" charset="0"/>
+              </a:rPr>
+              <a:t>Projetos</a:t>
+            </a:r>
+          </a:p>
+        </p:txBody>
+      </p:sp>
+      <p:sp>
+        <p:nvSpPr>
+          <p:cNvPr id="32" name="Google Shape;1240;p44">
+            <a:extLst>
+              <a:ext uri="{FF2B5EF4-FFF2-40B4-BE49-F238E27FC236}">
+                <a16:creationId xmlns:a16="http://schemas.microsoft.com/office/drawing/2014/main" id="{8C121996-6D87-44C6-04C3-1AB4B79F4F72}"/>
+              </a:ext>
+            </a:extLst>
+          </p:cNvPr>
+          <p:cNvSpPr/>
+          <p:nvPr/>
+        </p:nvSpPr>
+        <p:spPr>
+          <a:xfrm>
+            <a:off x="1096610" y="3688303"/>
+            <a:ext cx="1218326" cy="320374"/>
+          </a:xfrm>
+          <a:prstGeom prst="roundRect">
+            <a:avLst>
+              <a:gd name="adj" fmla="val 0"/>
+            </a:avLst>
+          </a:prstGeom>
+          <a:noFill/>
+          <a:ln w="19050" cap="flat" cmpd="sng">
+            <a:solidFill>
+              <a:schemeClr val="accent2"/>
+            </a:solidFill>
+            <a:prstDash val="solid"/>
+            <a:round/>
+            <a:headEnd type="none" w="sm" len="sm"/>
+            <a:tailEnd type="none" w="sm" len="sm"/>
+          </a:ln>
+        </p:spPr>
+        <p:txBody>
+          <a:bodyPr spcFirstLastPara="1" wrap="square" lIns="91425" tIns="91425" rIns="91425" bIns="91425" anchor="ctr" anchorCtr="0">
+            <a:noAutofit/>
+          </a:bodyPr>
+          <a:lstStyle/>
+          <a:p>
+            <a:pPr marL="0" lvl="0" indent="0" algn="l" rtl="0">
+              <a:spcBef>
+                <a:spcPts val="0"/>
+              </a:spcBef>
+              <a:spcAft>
+                <a:spcPts val="0"/>
+              </a:spcAft>
+              <a:buNone/>
+            </a:pPr>
+            <a:endParaRPr/>
+          </a:p>
+        </p:txBody>
+      </p:sp>
+      <p:sp>
+        <p:nvSpPr>
+          <p:cNvPr id="33" name="Google Shape;1240;p44">
+            <a:extLst>
+              <a:ext uri="{FF2B5EF4-FFF2-40B4-BE49-F238E27FC236}">
+                <a16:creationId xmlns:a16="http://schemas.microsoft.com/office/drawing/2014/main" id="{80D5E537-E38C-BE6A-6C35-3E44AAB62D75}"/>
+              </a:ext>
+            </a:extLst>
+          </p:cNvPr>
+          <p:cNvSpPr/>
+          <p:nvPr/>
+        </p:nvSpPr>
+        <p:spPr>
+          <a:xfrm>
+            <a:off x="2314936" y="3688303"/>
+            <a:ext cx="1218326" cy="320374"/>
+          </a:xfrm>
+          <a:prstGeom prst="roundRect">
+            <a:avLst>
+              <a:gd name="adj" fmla="val 0"/>
+            </a:avLst>
+          </a:prstGeom>
+          <a:noFill/>
+          <a:ln w="19050" cap="flat" cmpd="sng">
+            <a:solidFill>
+              <a:schemeClr val="accent2"/>
+            </a:solidFill>
+            <a:prstDash val="solid"/>
+            <a:round/>
+            <a:headEnd type="none" w="sm" len="sm"/>
+            <a:tailEnd type="none" w="sm" len="sm"/>
+          </a:ln>
+        </p:spPr>
+        <p:txBody>
+          <a:bodyPr spcFirstLastPara="1" wrap="square" lIns="91425" tIns="91425" rIns="91425" bIns="91425" anchor="ctr" anchorCtr="0">
+            <a:noAutofit/>
+          </a:bodyPr>
+          <a:lstStyle/>
+          <a:p>
+            <a:pPr marL="0" lvl="0" indent="0" algn="l" rtl="0">
+              <a:spcBef>
+                <a:spcPts val="0"/>
+              </a:spcBef>
+              <a:spcAft>
+                <a:spcPts val="0"/>
+              </a:spcAft>
+              <a:buNone/>
+            </a:pPr>
+            <a:endParaRPr/>
+          </a:p>
+        </p:txBody>
+      </p:sp>
+      <p:sp>
+        <p:nvSpPr>
+          <p:cNvPr id="34" name="Google Shape;1240;p44">
+            <a:extLst>
+              <a:ext uri="{FF2B5EF4-FFF2-40B4-BE49-F238E27FC236}">
+                <a16:creationId xmlns:a16="http://schemas.microsoft.com/office/drawing/2014/main" id="{1B5F45B2-3A37-21E1-711D-328A33088C66}"/>
+              </a:ext>
+            </a:extLst>
+          </p:cNvPr>
+          <p:cNvSpPr/>
+          <p:nvPr/>
+        </p:nvSpPr>
+        <p:spPr>
+          <a:xfrm>
+            <a:off x="3533262" y="3688303"/>
+            <a:ext cx="1218326" cy="320374"/>
+          </a:xfrm>
+          <a:prstGeom prst="roundRect">
+            <a:avLst>
+              <a:gd name="adj" fmla="val 0"/>
+            </a:avLst>
+          </a:prstGeom>
+          <a:noFill/>
+          <a:ln w="19050" cap="flat" cmpd="sng">
+            <a:solidFill>
+              <a:schemeClr val="accent2"/>
+            </a:solidFill>
+            <a:prstDash val="solid"/>
+            <a:round/>
+            <a:headEnd type="none" w="sm" len="sm"/>
+            <a:tailEnd type="none" w="sm" len="sm"/>
+          </a:ln>
+        </p:spPr>
+        <p:txBody>
+          <a:bodyPr spcFirstLastPara="1" wrap="square" lIns="91425" tIns="91425" rIns="91425" bIns="91425" anchor="ctr" anchorCtr="0">
+            <a:noAutofit/>
+          </a:bodyPr>
+          <a:lstStyle/>
+          <a:p>
+            <a:pPr marL="0" lvl="0" indent="0" algn="l" rtl="0">
+              <a:spcBef>
+                <a:spcPts val="0"/>
+              </a:spcBef>
+              <a:spcAft>
+                <a:spcPts val="0"/>
+              </a:spcAft>
+              <a:buNone/>
+            </a:pPr>
+            <a:endParaRPr/>
+          </a:p>
+        </p:txBody>
+      </p:sp>
+      <p:sp>
+        <p:nvSpPr>
+          <p:cNvPr id="35" name="Google Shape;1240;p44">
+            <a:extLst>
+              <a:ext uri="{FF2B5EF4-FFF2-40B4-BE49-F238E27FC236}">
+                <a16:creationId xmlns:a16="http://schemas.microsoft.com/office/drawing/2014/main" id="{9A10DDB4-8887-2D8F-42C4-AD9E3E30A7BA}"/>
+              </a:ext>
+            </a:extLst>
+          </p:cNvPr>
+          <p:cNvSpPr/>
+          <p:nvPr/>
+        </p:nvSpPr>
+        <p:spPr>
+          <a:xfrm>
+            <a:off x="4751588" y="3688303"/>
+            <a:ext cx="1218326" cy="320374"/>
+          </a:xfrm>
+          <a:prstGeom prst="roundRect">
+            <a:avLst>
+              <a:gd name="adj" fmla="val 0"/>
+            </a:avLst>
+          </a:prstGeom>
+          <a:noFill/>
+          <a:ln w="19050" cap="flat" cmpd="sng">
+            <a:solidFill>
+              <a:schemeClr val="accent2"/>
+            </a:solidFill>
+            <a:prstDash val="solid"/>
+            <a:round/>
+            <a:headEnd type="none" w="sm" len="sm"/>
+            <a:tailEnd type="none" w="sm" len="sm"/>
+          </a:ln>
+        </p:spPr>
+        <p:txBody>
+          <a:bodyPr spcFirstLastPara="1" wrap="square" lIns="91425" tIns="91425" rIns="91425" bIns="91425" anchor="ctr" anchorCtr="0">
+            <a:noAutofit/>
+          </a:bodyPr>
+          <a:lstStyle/>
+          <a:p>
+            <a:pPr marL="0" lvl="0" indent="0" algn="l" rtl="0">
+              <a:spcBef>
+                <a:spcPts val="0"/>
+              </a:spcBef>
+              <a:spcAft>
+                <a:spcPts val="0"/>
+              </a:spcAft>
+              <a:buNone/>
+            </a:pPr>
+            <a:endParaRPr/>
+          </a:p>
+        </p:txBody>
+      </p:sp>
+      <p:sp>
+        <p:nvSpPr>
+          <p:cNvPr id="38" name="CaixaDeTexto 37">
+            <a:extLst>
+              <a:ext uri="{FF2B5EF4-FFF2-40B4-BE49-F238E27FC236}">
+                <a16:creationId xmlns:a16="http://schemas.microsoft.com/office/drawing/2014/main" id="{A2D6A888-0C2D-ED34-E962-FD686C16507C}"/>
+              </a:ext>
+            </a:extLst>
+          </p:cNvPr>
+          <p:cNvSpPr txBox="1"/>
+          <p:nvPr/>
+        </p:nvSpPr>
+        <p:spPr>
+          <a:xfrm>
+            <a:off x="3838150" y="3716609"/>
+            <a:ext cx="667852" cy="276999"/>
+          </a:xfrm>
+          <a:prstGeom prst="rect">
+            <a:avLst/>
+          </a:prstGeom>
+          <a:noFill/>
+        </p:spPr>
+        <p:txBody>
+          <a:bodyPr wrap="square">
+            <a:spAutoFit/>
+          </a:bodyPr>
+          <a:lstStyle/>
+          <a:p>
+            <a:r>
+              <a:rPr lang="pt-PT" sz="1200" dirty="0">
+                <a:solidFill>
+                  <a:schemeClr val="bg1"/>
+                </a:solidFill>
+                <a:latin typeface="Maven Pro" panose="020B0604020202020204" charset="0"/>
+              </a:rPr>
+              <a:t>nome </a:t>
+            </a:r>
+          </a:p>
+        </p:txBody>
+      </p:sp>
+      <p:sp>
+        <p:nvSpPr>
+          <p:cNvPr id="39" name="CaixaDeTexto 38">
+            <a:extLst>
+              <a:ext uri="{FF2B5EF4-FFF2-40B4-BE49-F238E27FC236}">
+                <a16:creationId xmlns:a16="http://schemas.microsoft.com/office/drawing/2014/main" id="{279A7594-33CC-BB7B-7BE9-C7D50A516B6E}"/>
+              </a:ext>
+            </a:extLst>
+          </p:cNvPr>
+          <p:cNvSpPr txBox="1"/>
+          <p:nvPr/>
+        </p:nvSpPr>
+        <p:spPr>
+          <a:xfrm>
+            <a:off x="819303" y="3240187"/>
+            <a:ext cx="1307306" cy="338554"/>
+          </a:xfrm>
+          <a:prstGeom prst="rect">
+            <a:avLst/>
+          </a:prstGeom>
+          <a:noFill/>
+        </p:spPr>
+        <p:txBody>
+          <a:bodyPr wrap="square">
+            <a:spAutoFit/>
+          </a:bodyPr>
+          <a:lstStyle/>
+          <a:p>
+            <a:r>
+              <a:rPr lang="pt-PT" sz="1600" dirty="0">
+                <a:solidFill>
+                  <a:schemeClr val="bg1"/>
+                </a:solidFill>
+                <a:latin typeface="Maven Pro" panose="020B0604020202020204" charset="0"/>
+              </a:rPr>
+              <a:t>Professores</a:t>
+            </a:r>
+          </a:p>
+        </p:txBody>
+      </p:sp>
+      <p:sp>
+        <p:nvSpPr>
+          <p:cNvPr id="40" name="CaixaDeTexto 39">
+            <a:extLst>
+              <a:ext uri="{FF2B5EF4-FFF2-40B4-BE49-F238E27FC236}">
+                <a16:creationId xmlns:a16="http://schemas.microsoft.com/office/drawing/2014/main" id="{B1F8033D-47D6-9C1D-A437-2FDB11186E8E}"/>
+              </a:ext>
+            </a:extLst>
+          </p:cNvPr>
+          <p:cNvSpPr txBox="1"/>
+          <p:nvPr/>
+        </p:nvSpPr>
+        <p:spPr>
+          <a:xfrm>
+            <a:off x="1140472" y="3700353"/>
+            <a:ext cx="1307306" cy="276999"/>
+          </a:xfrm>
+          <a:prstGeom prst="rect">
+            <a:avLst/>
+          </a:prstGeom>
+          <a:noFill/>
+        </p:spPr>
+        <p:txBody>
+          <a:bodyPr wrap="square">
+            <a:spAutoFit/>
+          </a:bodyPr>
+          <a:lstStyle/>
+          <a:p>
+            <a:r>
+              <a:rPr lang="pt-PT" sz="1200" u="sng" dirty="0">
+                <a:solidFill>
+                  <a:schemeClr val="bg1"/>
+                </a:solidFill>
+                <a:latin typeface="Maven Pro" panose="020B0604020202020204" charset="0"/>
+              </a:rPr>
+              <a:t>nContribuinte</a:t>
+            </a:r>
+            <a:endParaRPr lang="pt-PT" sz="1200" u="sng" dirty="0"/>
+          </a:p>
+        </p:txBody>
+      </p:sp>
+      <p:sp>
+        <p:nvSpPr>
+          <p:cNvPr id="41" name="CaixaDeTexto 40">
+            <a:extLst>
+              <a:ext uri="{FF2B5EF4-FFF2-40B4-BE49-F238E27FC236}">
+                <a16:creationId xmlns:a16="http://schemas.microsoft.com/office/drawing/2014/main" id="{38DA7A03-4D3D-215B-1385-CC5DDECC7F16}"/>
+              </a:ext>
+            </a:extLst>
+          </p:cNvPr>
+          <p:cNvSpPr txBox="1"/>
+          <p:nvPr/>
+        </p:nvSpPr>
+        <p:spPr>
+          <a:xfrm>
+            <a:off x="2325448" y="3716609"/>
+            <a:ext cx="1914871" cy="246221"/>
+          </a:xfrm>
+          <a:prstGeom prst="rect">
+            <a:avLst/>
+          </a:prstGeom>
+          <a:noFill/>
+        </p:spPr>
+        <p:txBody>
+          <a:bodyPr wrap="square">
+            <a:spAutoFit/>
+          </a:bodyPr>
+          <a:lstStyle/>
+          <a:p>
+            <a:r>
+              <a:rPr lang="pt-PT" sz="1000" dirty="0">
+                <a:solidFill>
+                  <a:schemeClr val="bg1"/>
+                </a:solidFill>
+                <a:latin typeface="Maven Pro" panose="020B0604020202020204" charset="0"/>
+              </a:rPr>
+              <a:t>dataNascimento </a:t>
+            </a:r>
+          </a:p>
+        </p:txBody>
+      </p:sp>
+      <p:sp>
+        <p:nvSpPr>
+          <p:cNvPr id="42" name="CaixaDeTexto 41">
+            <a:extLst>
+              <a:ext uri="{FF2B5EF4-FFF2-40B4-BE49-F238E27FC236}">
+                <a16:creationId xmlns:a16="http://schemas.microsoft.com/office/drawing/2014/main" id="{AF7159CC-4571-C7FE-BA2D-350CB4CB2C21}"/>
+              </a:ext>
+            </a:extLst>
+          </p:cNvPr>
+          <p:cNvSpPr txBox="1"/>
+          <p:nvPr/>
+        </p:nvSpPr>
+        <p:spPr>
+          <a:xfrm>
+            <a:off x="4810890" y="3708019"/>
+            <a:ext cx="1969612" cy="276999"/>
+          </a:xfrm>
+          <a:prstGeom prst="rect">
+            <a:avLst/>
+          </a:prstGeom>
+          <a:noFill/>
+        </p:spPr>
+        <p:txBody>
+          <a:bodyPr wrap="square">
+            <a:spAutoFit/>
+          </a:bodyPr>
+          <a:lstStyle/>
+          <a:p>
+            <a:r>
+              <a:rPr lang="pt-PT" sz="1200" dirty="0">
+                <a:solidFill>
+                  <a:schemeClr val="bg1"/>
+                </a:solidFill>
+                <a:latin typeface="Maven Pro" panose="020B0604020202020204" charset="0"/>
+              </a:rPr>
+              <a:t>especialidade </a:t>
+            </a:r>
+          </a:p>
+        </p:txBody>
+      </p:sp>
+      <p:sp>
+        <p:nvSpPr>
+          <p:cNvPr id="43" name="Google Shape;1240;p44">
+            <a:extLst>
+              <a:ext uri="{FF2B5EF4-FFF2-40B4-BE49-F238E27FC236}">
+                <a16:creationId xmlns:a16="http://schemas.microsoft.com/office/drawing/2014/main" id="{B3D4B942-0902-0B43-BAB2-D0CE80A253D6}"/>
+              </a:ext>
+            </a:extLst>
+          </p:cNvPr>
+          <p:cNvSpPr/>
+          <p:nvPr/>
+        </p:nvSpPr>
+        <p:spPr>
+          <a:xfrm>
+            <a:off x="5969914" y="3688303"/>
+            <a:ext cx="1218326" cy="320374"/>
+          </a:xfrm>
+          <a:prstGeom prst="roundRect">
+            <a:avLst>
+              <a:gd name="adj" fmla="val 0"/>
+            </a:avLst>
+          </a:prstGeom>
+          <a:noFill/>
+          <a:ln w="19050" cap="flat" cmpd="sng">
+            <a:solidFill>
+              <a:schemeClr val="accent2"/>
+            </a:solidFill>
+            <a:prstDash val="solid"/>
+            <a:round/>
+            <a:headEnd type="none" w="sm" len="sm"/>
+            <a:tailEnd type="none" w="sm" len="sm"/>
+          </a:ln>
+        </p:spPr>
+        <p:txBody>
+          <a:bodyPr spcFirstLastPara="1" wrap="square" lIns="91425" tIns="91425" rIns="91425" bIns="91425" anchor="ctr" anchorCtr="0">
+            <a:noAutofit/>
+          </a:bodyPr>
+          <a:lstStyle/>
+          <a:p>
+            <a:pPr marL="0" lvl="0" indent="0" algn="l" rtl="0">
+              <a:spcBef>
+                <a:spcPts val="0"/>
+              </a:spcBef>
+              <a:spcAft>
+                <a:spcPts val="0"/>
+              </a:spcAft>
+              <a:buNone/>
+            </a:pPr>
+            <a:endParaRPr/>
+          </a:p>
+        </p:txBody>
+      </p:sp>
+      <p:sp>
+        <p:nvSpPr>
+          <p:cNvPr id="44" name="CaixaDeTexto 43">
+            <a:extLst>
+              <a:ext uri="{FF2B5EF4-FFF2-40B4-BE49-F238E27FC236}">
+                <a16:creationId xmlns:a16="http://schemas.microsoft.com/office/drawing/2014/main" id="{D363E415-3CF2-C0F5-7AF0-572DD4E7833E}"/>
+              </a:ext>
+            </a:extLst>
+          </p:cNvPr>
+          <p:cNvSpPr txBox="1"/>
+          <p:nvPr/>
+        </p:nvSpPr>
+        <p:spPr>
+          <a:xfrm>
+            <a:off x="6312386" y="3701219"/>
+            <a:ext cx="1969612" cy="276999"/>
+          </a:xfrm>
+          <a:prstGeom prst="rect">
+            <a:avLst/>
+          </a:prstGeom>
+          <a:noFill/>
+        </p:spPr>
+        <p:txBody>
+          <a:bodyPr wrap="square">
+            <a:spAutoFit/>
+          </a:bodyPr>
+          <a:lstStyle/>
+          <a:p>
+            <a:r>
+              <a:rPr lang="pt-PT" sz="1200" dirty="0">
+                <a:solidFill>
+                  <a:schemeClr val="bg1"/>
+                </a:solidFill>
+                <a:latin typeface="Maven Pro" panose="020B0604020202020204" charset="0"/>
+              </a:rPr>
+              <a:t>posto </a:t>
+            </a:r>
+          </a:p>
+        </p:txBody>
+      </p:sp>
     </p:spTree>
     <p:extLst>
       <p:ext uri="{BB962C8B-B14F-4D97-AF65-F5344CB8AC3E}">
-        <p14:creationId xmlns:p14="http://schemas.microsoft.com/office/powerpoint/2010/main" val="84769887"/>
+        <p14:creationId xmlns:p14="http://schemas.microsoft.com/office/powerpoint/2010/main" val="2498504807"/>
       </p:ext>
     </p:extLst>
   </p:cSld>
@@ -26584,7 +25477,7 @@
             </a:pPr>
             <a:r>
               <a:rPr lang="pt-PT" dirty="0"/>
-              <a:t>Esquema Relacional (C4)</a:t>
+              <a:t>Normalização (C3)</a:t>
             </a:r>
           </a:p>
         </p:txBody>
@@ -26619,42 +25512,12 @@
           </a:prstGeom>
         </p:spPr>
       </p:pic>
-      <p:pic>
-        <p:nvPicPr>
-          <p:cNvPr id="8" name="Imagem 7">
+      <p:sp>
+        <p:nvSpPr>
+          <p:cNvPr id="7" name="Google Shape;1240;p44">
             <a:extLst>
               <a:ext uri="{FF2B5EF4-FFF2-40B4-BE49-F238E27FC236}">
-                <a16:creationId xmlns:a16="http://schemas.microsoft.com/office/drawing/2014/main" id="{6494CFC5-EC6E-6DDA-0D59-9355D2497573}"/>
-              </a:ext>
-            </a:extLst>
-          </p:cNvPr>
-          <p:cNvPicPr>
-            <a:picLocks noChangeAspect="1"/>
-          </p:cNvPicPr>
-          <p:nvPr/>
-        </p:nvPicPr>
-        <p:blipFill>
-          <a:blip r:embed="rId4"/>
-          <a:stretch>
-            <a:fillRect/>
-          </a:stretch>
-        </p:blipFill>
-        <p:spPr>
-          <a:xfrm>
-            <a:off x="505208" y="1248535"/>
-            <a:ext cx="5814476" cy="2755652"/>
-          </a:xfrm>
-          <a:prstGeom prst="rect">
-            <a:avLst/>
-          </a:prstGeom>
-        </p:spPr>
-      </p:pic>
-      <p:sp>
-        <p:nvSpPr>
-          <p:cNvPr id="5" name="Google Shape;1240;p44">
-            <a:extLst>
-              <a:ext uri="{FF2B5EF4-FFF2-40B4-BE49-F238E27FC236}">
-                <a16:creationId xmlns:a16="http://schemas.microsoft.com/office/drawing/2014/main" id="{3A2984AD-1487-42F5-A6D0-F159C0F87735}"/>
+                <a16:creationId xmlns:a16="http://schemas.microsoft.com/office/drawing/2014/main" id="{B3B33B0C-9EFA-10EC-8A58-23EDF29A304B}"/>
               </a:ext>
             </a:extLst>
           </p:cNvPr>
@@ -26663,8 +25526,8 @@
         </p:nvSpPr>
         <p:spPr>
           <a:xfrm>
-            <a:off x="505207" y="1248535"/>
-            <a:ext cx="5814475" cy="2755652"/>
+            <a:off x="1037307" y="1681963"/>
+            <a:ext cx="1218326" cy="320374"/>
           </a:xfrm>
           <a:prstGeom prst="roundRect">
             <a:avLst>
@@ -26701,10 +25564,592 @@
           </a:p>
         </p:txBody>
       </p:sp>
+      <p:sp>
+        <p:nvSpPr>
+          <p:cNvPr id="9" name="Google Shape;1240;p44">
+            <a:extLst>
+              <a:ext uri="{FF2B5EF4-FFF2-40B4-BE49-F238E27FC236}">
+                <a16:creationId xmlns:a16="http://schemas.microsoft.com/office/drawing/2014/main" id="{037AA908-A6BA-C76F-7DE7-E791BE764814}"/>
+              </a:ext>
+            </a:extLst>
+          </p:cNvPr>
+          <p:cNvSpPr/>
+          <p:nvPr/>
+        </p:nvSpPr>
+        <p:spPr>
+          <a:xfrm>
+            <a:off x="2255633" y="1681963"/>
+            <a:ext cx="1218326" cy="320374"/>
+          </a:xfrm>
+          <a:prstGeom prst="roundRect">
+            <a:avLst>
+              <a:gd name="adj" fmla="val 0"/>
+            </a:avLst>
+          </a:prstGeom>
+          <a:noFill/>
+          <a:ln w="19050" cap="flat" cmpd="sng">
+            <a:solidFill>
+              <a:schemeClr val="accent2"/>
+            </a:solidFill>
+            <a:prstDash val="solid"/>
+            <a:round/>
+            <a:headEnd type="none" w="sm" len="sm"/>
+            <a:tailEnd type="none" w="sm" len="sm"/>
+          </a:ln>
+        </p:spPr>
+        <p:txBody>
+          <a:bodyPr spcFirstLastPara="1" wrap="square" lIns="91425" tIns="91425" rIns="91425" bIns="91425" anchor="ctr" anchorCtr="0">
+            <a:noAutofit/>
+          </a:bodyPr>
+          <a:lstStyle/>
+          <a:p>
+            <a:pPr marL="0" lvl="0" indent="0" algn="l" rtl="0">
+              <a:spcBef>
+                <a:spcPts val="0"/>
+              </a:spcBef>
+              <a:spcAft>
+                <a:spcPts val="0"/>
+              </a:spcAft>
+              <a:buNone/>
+            </a:pPr>
+            <a:endParaRPr/>
+          </a:p>
+        </p:txBody>
+      </p:sp>
+      <p:sp>
+        <p:nvSpPr>
+          <p:cNvPr id="10" name="Google Shape;1240;p44">
+            <a:extLst>
+              <a:ext uri="{FF2B5EF4-FFF2-40B4-BE49-F238E27FC236}">
+                <a16:creationId xmlns:a16="http://schemas.microsoft.com/office/drawing/2014/main" id="{E5256318-ABDD-DD4E-62AA-ADF071078FEA}"/>
+              </a:ext>
+            </a:extLst>
+          </p:cNvPr>
+          <p:cNvSpPr/>
+          <p:nvPr/>
+        </p:nvSpPr>
+        <p:spPr>
+          <a:xfrm>
+            <a:off x="3473959" y="1681963"/>
+            <a:ext cx="1218326" cy="320374"/>
+          </a:xfrm>
+          <a:prstGeom prst="roundRect">
+            <a:avLst>
+              <a:gd name="adj" fmla="val 0"/>
+            </a:avLst>
+          </a:prstGeom>
+          <a:noFill/>
+          <a:ln w="19050" cap="flat" cmpd="sng">
+            <a:solidFill>
+              <a:schemeClr val="accent2"/>
+            </a:solidFill>
+            <a:prstDash val="solid"/>
+            <a:round/>
+            <a:headEnd type="none" w="sm" len="sm"/>
+            <a:tailEnd type="none" w="sm" len="sm"/>
+          </a:ln>
+        </p:spPr>
+        <p:txBody>
+          <a:bodyPr spcFirstLastPara="1" wrap="square" lIns="91425" tIns="91425" rIns="91425" bIns="91425" anchor="ctr" anchorCtr="0">
+            <a:noAutofit/>
+          </a:bodyPr>
+          <a:lstStyle/>
+          <a:p>
+            <a:pPr marL="0" lvl="0" indent="0" algn="l" rtl="0">
+              <a:spcBef>
+                <a:spcPts val="0"/>
+              </a:spcBef>
+              <a:spcAft>
+                <a:spcPts val="0"/>
+              </a:spcAft>
+              <a:buNone/>
+            </a:pPr>
+            <a:endParaRPr/>
+          </a:p>
+        </p:txBody>
+      </p:sp>
+      <p:sp>
+        <p:nvSpPr>
+          <p:cNvPr id="11" name="Google Shape;1240;p44">
+            <a:extLst>
+              <a:ext uri="{FF2B5EF4-FFF2-40B4-BE49-F238E27FC236}">
+                <a16:creationId xmlns:a16="http://schemas.microsoft.com/office/drawing/2014/main" id="{64F50E18-3B26-5FF6-7978-21C2E73148FA}"/>
+              </a:ext>
+            </a:extLst>
+          </p:cNvPr>
+          <p:cNvSpPr/>
+          <p:nvPr/>
+        </p:nvSpPr>
+        <p:spPr>
+          <a:xfrm>
+            <a:off x="4692285" y="1681963"/>
+            <a:ext cx="1752760" cy="320374"/>
+          </a:xfrm>
+          <a:prstGeom prst="roundRect">
+            <a:avLst>
+              <a:gd name="adj" fmla="val 0"/>
+            </a:avLst>
+          </a:prstGeom>
+          <a:noFill/>
+          <a:ln w="19050" cap="flat" cmpd="sng">
+            <a:solidFill>
+              <a:schemeClr val="accent2"/>
+            </a:solidFill>
+            <a:prstDash val="solid"/>
+            <a:round/>
+            <a:headEnd type="none" w="sm" len="sm"/>
+            <a:tailEnd type="none" w="sm" len="sm"/>
+          </a:ln>
+        </p:spPr>
+        <p:txBody>
+          <a:bodyPr spcFirstLastPara="1" wrap="square" lIns="91425" tIns="91425" rIns="91425" bIns="91425" anchor="ctr" anchorCtr="0">
+            <a:noAutofit/>
+          </a:bodyPr>
+          <a:lstStyle/>
+          <a:p>
+            <a:pPr marL="0" lvl="0" indent="0" algn="l" rtl="0">
+              <a:spcBef>
+                <a:spcPts val="0"/>
+              </a:spcBef>
+              <a:spcAft>
+                <a:spcPts val="0"/>
+              </a:spcAft>
+              <a:buNone/>
+            </a:pPr>
+            <a:endParaRPr/>
+          </a:p>
+        </p:txBody>
+      </p:sp>
+      <p:sp>
+        <p:nvSpPr>
+          <p:cNvPr id="14" name="CaixaDeTexto 13">
+            <a:extLst>
+              <a:ext uri="{FF2B5EF4-FFF2-40B4-BE49-F238E27FC236}">
+                <a16:creationId xmlns:a16="http://schemas.microsoft.com/office/drawing/2014/main" id="{C49CC464-5F45-7DA1-C18D-7AFEB3B1B8A0}"/>
+              </a:ext>
+            </a:extLst>
+          </p:cNvPr>
+          <p:cNvSpPr txBox="1"/>
+          <p:nvPr/>
+        </p:nvSpPr>
+        <p:spPr>
+          <a:xfrm>
+            <a:off x="1252601" y="1687526"/>
+            <a:ext cx="1307306" cy="276999"/>
+          </a:xfrm>
+          <a:prstGeom prst="rect">
+            <a:avLst/>
+          </a:prstGeom>
+          <a:noFill/>
+        </p:spPr>
+        <p:txBody>
+          <a:bodyPr wrap="square">
+            <a:spAutoFit/>
+          </a:bodyPr>
+          <a:lstStyle/>
+          <a:p>
+            <a:r>
+              <a:rPr lang="pt-PT" sz="1200" u="sng" dirty="0">
+                <a:solidFill>
+                  <a:schemeClr val="bg1"/>
+                </a:solidFill>
+                <a:latin typeface="Maven Pro" panose="020B0604020202020204" charset="0"/>
+              </a:rPr>
+              <a:t>número</a:t>
+            </a:r>
+            <a:endParaRPr lang="pt-PT" sz="1200" u="sng" dirty="0"/>
+          </a:p>
+        </p:txBody>
+      </p:sp>
+      <p:sp>
+        <p:nvSpPr>
+          <p:cNvPr id="15" name="CaixaDeTexto 14">
+            <a:extLst>
+              <a:ext uri="{FF2B5EF4-FFF2-40B4-BE49-F238E27FC236}">
+                <a16:creationId xmlns:a16="http://schemas.microsoft.com/office/drawing/2014/main" id="{C098A461-7016-6E21-71EF-33E090162732}"/>
+              </a:ext>
+            </a:extLst>
+          </p:cNvPr>
+          <p:cNvSpPr txBox="1"/>
+          <p:nvPr/>
+        </p:nvSpPr>
+        <p:spPr>
+          <a:xfrm>
+            <a:off x="2433207" y="1702914"/>
+            <a:ext cx="1307306" cy="276999"/>
+          </a:xfrm>
+          <a:prstGeom prst="rect">
+            <a:avLst/>
+          </a:prstGeom>
+          <a:noFill/>
+        </p:spPr>
+        <p:txBody>
+          <a:bodyPr wrap="square">
+            <a:spAutoFit/>
+          </a:bodyPr>
+          <a:lstStyle/>
+          <a:p>
+            <a:r>
+              <a:rPr lang="pt-PT" sz="1200" dirty="0">
+                <a:solidFill>
+                  <a:schemeClr val="bg1"/>
+                </a:solidFill>
+                <a:latin typeface="Maven Pro" panose="020B0604020202020204" charset="0"/>
+              </a:rPr>
+              <a:t>escritório</a:t>
+            </a:r>
+          </a:p>
+        </p:txBody>
+      </p:sp>
+      <p:sp>
+        <p:nvSpPr>
+          <p:cNvPr id="17" name="CaixaDeTexto 16">
+            <a:extLst>
+              <a:ext uri="{FF2B5EF4-FFF2-40B4-BE49-F238E27FC236}">
+                <a16:creationId xmlns:a16="http://schemas.microsoft.com/office/drawing/2014/main" id="{12B7F3CB-0D43-358F-D34A-8B4F009C053D}"/>
+              </a:ext>
+            </a:extLst>
+          </p:cNvPr>
+          <p:cNvSpPr txBox="1"/>
+          <p:nvPr/>
+        </p:nvSpPr>
+        <p:spPr>
+          <a:xfrm>
+            <a:off x="3778847" y="1710269"/>
+            <a:ext cx="608549" cy="276999"/>
+          </a:xfrm>
+          <a:prstGeom prst="rect">
+            <a:avLst/>
+          </a:prstGeom>
+          <a:noFill/>
+        </p:spPr>
+        <p:txBody>
+          <a:bodyPr wrap="square">
+            <a:spAutoFit/>
+          </a:bodyPr>
+          <a:lstStyle/>
+          <a:p>
+            <a:r>
+              <a:rPr lang="pt-PT" sz="1200" dirty="0">
+                <a:solidFill>
+                  <a:schemeClr val="bg1"/>
+                </a:solidFill>
+                <a:latin typeface="Maven Pro" panose="020B0604020202020204" charset="0"/>
+              </a:rPr>
+              <a:t>nome </a:t>
+            </a:r>
+          </a:p>
+        </p:txBody>
+      </p:sp>
+      <p:sp>
+        <p:nvSpPr>
+          <p:cNvPr id="18" name="CaixaDeTexto 17">
+            <a:extLst>
+              <a:ext uri="{FF2B5EF4-FFF2-40B4-BE49-F238E27FC236}">
+                <a16:creationId xmlns:a16="http://schemas.microsoft.com/office/drawing/2014/main" id="{7A5532D7-B074-D3B8-F305-08C33F668F7F}"/>
+              </a:ext>
+            </a:extLst>
+          </p:cNvPr>
+          <p:cNvSpPr txBox="1"/>
+          <p:nvPr/>
+        </p:nvSpPr>
+        <p:spPr>
+          <a:xfrm>
+            <a:off x="4647794" y="1718304"/>
+            <a:ext cx="1914871" cy="246221"/>
+          </a:xfrm>
+          <a:prstGeom prst="rect">
+            <a:avLst/>
+          </a:prstGeom>
+          <a:noFill/>
+        </p:spPr>
+        <p:txBody>
+          <a:bodyPr wrap="square">
+            <a:spAutoFit/>
+          </a:bodyPr>
+          <a:lstStyle/>
+          <a:p>
+            <a:r>
+              <a:rPr lang="pt-PT" sz="1000" dirty="0">
+                <a:solidFill>
+                  <a:schemeClr val="bg1"/>
+                </a:solidFill>
+                <a:latin typeface="Maven Pro" panose="020B0604020202020204" charset="0"/>
+              </a:rPr>
+              <a:t>#nContribuinte_Professores</a:t>
+            </a:r>
+          </a:p>
+        </p:txBody>
+      </p:sp>
+      <p:sp>
+        <p:nvSpPr>
+          <p:cNvPr id="20" name="CaixaDeTexto 19">
+            <a:extLst>
+              <a:ext uri="{FF2B5EF4-FFF2-40B4-BE49-F238E27FC236}">
+                <a16:creationId xmlns:a16="http://schemas.microsoft.com/office/drawing/2014/main" id="{A3E0C257-9503-6B6E-B055-C00021705B59}"/>
+              </a:ext>
+            </a:extLst>
+          </p:cNvPr>
+          <p:cNvSpPr txBox="1"/>
+          <p:nvPr/>
+        </p:nvSpPr>
+        <p:spPr>
+          <a:xfrm>
+            <a:off x="819303" y="1263683"/>
+            <a:ext cx="2285244" cy="338554"/>
+          </a:xfrm>
+          <a:prstGeom prst="rect">
+            <a:avLst/>
+          </a:prstGeom>
+          <a:noFill/>
+        </p:spPr>
+        <p:txBody>
+          <a:bodyPr wrap="square">
+            <a:spAutoFit/>
+          </a:bodyPr>
+          <a:lstStyle/>
+          <a:p>
+            <a:r>
+              <a:rPr lang="pt-PT" sz="1600" dirty="0">
+                <a:solidFill>
+                  <a:schemeClr val="bg1"/>
+                </a:solidFill>
+                <a:latin typeface="Maven Pro" panose="020B0604020202020204" charset="0"/>
+              </a:rPr>
+              <a:t>Departamentos</a:t>
+            </a:r>
+          </a:p>
+        </p:txBody>
+      </p:sp>
+      <p:sp>
+        <p:nvSpPr>
+          <p:cNvPr id="2" name="CaixaDeTexto 1">
+            <a:extLst>
+              <a:ext uri="{FF2B5EF4-FFF2-40B4-BE49-F238E27FC236}">
+                <a16:creationId xmlns:a16="http://schemas.microsoft.com/office/drawing/2014/main" id="{CD07961D-1FF0-3EA5-2A7D-63C1164FF250}"/>
+              </a:ext>
+            </a:extLst>
+          </p:cNvPr>
+          <p:cNvSpPr txBox="1"/>
+          <p:nvPr/>
+        </p:nvSpPr>
+        <p:spPr>
+          <a:xfrm>
+            <a:off x="801615" y="2402473"/>
+            <a:ext cx="2672343" cy="338554"/>
+          </a:xfrm>
+          <a:prstGeom prst="rect">
+            <a:avLst/>
+          </a:prstGeom>
+          <a:noFill/>
+        </p:spPr>
+        <p:txBody>
+          <a:bodyPr wrap="square">
+            <a:spAutoFit/>
+          </a:bodyPr>
+          <a:lstStyle/>
+          <a:p>
+            <a:r>
+              <a:rPr lang="pt-PT" sz="1600" dirty="0">
+                <a:solidFill>
+                  <a:schemeClr val="bg1"/>
+                </a:solidFill>
+                <a:latin typeface="Maven Pro" panose="020B0604020202020204" charset="0"/>
+              </a:rPr>
+              <a:t>Organismo_Financiador</a:t>
+            </a:r>
+          </a:p>
+        </p:txBody>
+      </p:sp>
+      <p:sp>
+        <p:nvSpPr>
+          <p:cNvPr id="3" name="Google Shape;1240;p44">
+            <a:extLst>
+              <a:ext uri="{FF2B5EF4-FFF2-40B4-BE49-F238E27FC236}">
+                <a16:creationId xmlns:a16="http://schemas.microsoft.com/office/drawing/2014/main" id="{A600F194-DFD4-5F0D-8161-7BD68D21B4FE}"/>
+              </a:ext>
+            </a:extLst>
+          </p:cNvPr>
+          <p:cNvSpPr/>
+          <p:nvPr/>
+        </p:nvSpPr>
+        <p:spPr>
+          <a:xfrm>
+            <a:off x="1037307" y="2912133"/>
+            <a:ext cx="1218326" cy="320374"/>
+          </a:xfrm>
+          <a:prstGeom prst="roundRect">
+            <a:avLst>
+              <a:gd name="adj" fmla="val 0"/>
+            </a:avLst>
+          </a:prstGeom>
+          <a:noFill/>
+          <a:ln w="19050" cap="flat" cmpd="sng">
+            <a:solidFill>
+              <a:schemeClr val="accent2"/>
+            </a:solidFill>
+            <a:prstDash val="solid"/>
+            <a:round/>
+            <a:headEnd type="none" w="sm" len="sm"/>
+            <a:tailEnd type="none" w="sm" len="sm"/>
+          </a:ln>
+        </p:spPr>
+        <p:txBody>
+          <a:bodyPr spcFirstLastPara="1" wrap="square" lIns="91425" tIns="91425" rIns="91425" bIns="91425" anchor="ctr" anchorCtr="0">
+            <a:noAutofit/>
+          </a:bodyPr>
+          <a:lstStyle/>
+          <a:p>
+            <a:pPr marL="0" lvl="0" indent="0" algn="l" rtl="0">
+              <a:spcBef>
+                <a:spcPts val="0"/>
+              </a:spcBef>
+              <a:spcAft>
+                <a:spcPts val="0"/>
+              </a:spcAft>
+              <a:buNone/>
+            </a:pPr>
+            <a:endParaRPr/>
+          </a:p>
+        </p:txBody>
+      </p:sp>
+      <p:sp>
+        <p:nvSpPr>
+          <p:cNvPr id="5" name="CaixaDeTexto 4">
+            <a:extLst>
+              <a:ext uri="{FF2B5EF4-FFF2-40B4-BE49-F238E27FC236}">
+                <a16:creationId xmlns:a16="http://schemas.microsoft.com/office/drawing/2014/main" id="{0FFD30A2-2873-73A1-560C-445D06553004}"/>
+              </a:ext>
+            </a:extLst>
+          </p:cNvPr>
+          <p:cNvSpPr txBox="1"/>
+          <p:nvPr/>
+        </p:nvSpPr>
+        <p:spPr>
+          <a:xfrm>
+            <a:off x="1125901" y="2933083"/>
+            <a:ext cx="1307306" cy="276999"/>
+          </a:xfrm>
+          <a:prstGeom prst="rect">
+            <a:avLst/>
+          </a:prstGeom>
+          <a:noFill/>
+        </p:spPr>
+        <p:txBody>
+          <a:bodyPr wrap="square">
+            <a:spAutoFit/>
+          </a:bodyPr>
+          <a:lstStyle/>
+          <a:p>
+            <a:r>
+              <a:rPr lang="pt-PT" sz="1200" u="sng" dirty="0">
+                <a:solidFill>
+                  <a:schemeClr val="bg1"/>
+                </a:solidFill>
+                <a:latin typeface="Maven Pro" panose="020B0604020202020204" charset="0"/>
+              </a:rPr>
+              <a:t>identificação</a:t>
+            </a:r>
+            <a:endParaRPr lang="pt-PT" sz="1200" u="sng" dirty="0"/>
+          </a:p>
+        </p:txBody>
+      </p:sp>
+      <p:sp>
+        <p:nvSpPr>
+          <p:cNvPr id="6" name="CaixaDeTexto 5">
+            <a:extLst>
+              <a:ext uri="{FF2B5EF4-FFF2-40B4-BE49-F238E27FC236}">
+                <a16:creationId xmlns:a16="http://schemas.microsoft.com/office/drawing/2014/main" id="{4E58B6FD-506E-4787-5505-C0BBD5874D36}"/>
+              </a:ext>
+            </a:extLst>
+          </p:cNvPr>
+          <p:cNvSpPr txBox="1"/>
+          <p:nvPr/>
+        </p:nvSpPr>
+        <p:spPr>
+          <a:xfrm>
+            <a:off x="2559907" y="2933083"/>
+            <a:ext cx="1307306" cy="276999"/>
+          </a:xfrm>
+          <a:prstGeom prst="rect">
+            <a:avLst/>
+          </a:prstGeom>
+          <a:noFill/>
+        </p:spPr>
+        <p:txBody>
+          <a:bodyPr wrap="square">
+            <a:spAutoFit/>
+          </a:bodyPr>
+          <a:lstStyle/>
+          <a:p>
+            <a:r>
+              <a:rPr lang="pt-PT" sz="1200" dirty="0">
+                <a:solidFill>
+                  <a:schemeClr val="bg1"/>
+                </a:solidFill>
+                <a:latin typeface="Maven Pro" panose="020B0604020202020204" charset="0"/>
+              </a:rPr>
+              <a:t>nome</a:t>
+            </a:r>
+          </a:p>
+        </p:txBody>
+      </p:sp>
+      <p:sp>
+        <p:nvSpPr>
+          <p:cNvPr id="8" name="Google Shape;1240;p44">
+            <a:extLst>
+              <a:ext uri="{FF2B5EF4-FFF2-40B4-BE49-F238E27FC236}">
+                <a16:creationId xmlns:a16="http://schemas.microsoft.com/office/drawing/2014/main" id="{6828574A-BA97-28D1-F11D-66AEA185F975}"/>
+              </a:ext>
+            </a:extLst>
+          </p:cNvPr>
+          <p:cNvSpPr/>
+          <p:nvPr/>
+        </p:nvSpPr>
+        <p:spPr>
+          <a:xfrm>
+            <a:off x="2255633" y="2912133"/>
+            <a:ext cx="1218326" cy="320374"/>
+          </a:xfrm>
+          <a:prstGeom prst="roundRect">
+            <a:avLst>
+              <a:gd name="adj" fmla="val 0"/>
+            </a:avLst>
+          </a:prstGeom>
+          <a:noFill/>
+          <a:ln w="19050" cap="flat" cmpd="sng">
+            <a:solidFill>
+              <a:schemeClr val="accent2"/>
+            </a:solidFill>
+            <a:prstDash val="solid"/>
+            <a:round/>
+            <a:headEnd type="none" w="sm" len="sm"/>
+            <a:tailEnd type="none" w="sm" len="sm"/>
+          </a:ln>
+        </p:spPr>
+        <p:txBody>
+          <a:bodyPr spcFirstLastPara="1" wrap="square" lIns="91425" tIns="91425" rIns="91425" bIns="91425" anchor="ctr" anchorCtr="0">
+            <a:noAutofit/>
+          </a:bodyPr>
+          <a:lstStyle/>
+          <a:p>
+            <a:pPr marL="0" lvl="0" indent="0" algn="l" rtl="0">
+              <a:spcBef>
+                <a:spcPts val="0"/>
+              </a:spcBef>
+              <a:spcAft>
+                <a:spcPts val="0"/>
+              </a:spcAft>
+              <a:buNone/>
+            </a:pPr>
+            <a:endParaRPr/>
+          </a:p>
+        </p:txBody>
+      </p:sp>
     </p:spTree>
     <p:extLst>
       <p:ext uri="{BB962C8B-B14F-4D97-AF65-F5344CB8AC3E}">
-        <p14:creationId xmlns:p14="http://schemas.microsoft.com/office/powerpoint/2010/main" val="4199043126"/>
+        <p14:creationId xmlns:p14="http://schemas.microsoft.com/office/powerpoint/2010/main" val="466864437"/>
       </p:ext>
     </p:extLst>
   </p:cSld>
@@ -26767,7 +26212,7 @@
             </a:pPr>
             <a:r>
               <a:rPr lang="pt-PT" dirty="0"/>
-              <a:t>Esquema Relacional (C4)</a:t>
+              <a:t>Normalização (C3)</a:t>
             </a:r>
           </a:p>
         </p:txBody>
@@ -26804,40 +26249,57 @@
       </p:pic>
       <p:pic>
         <p:nvPicPr>
-          <p:cNvPr id="8" name="Imagem 7">
+          <p:cNvPr id="1026" name="Picture 2" descr="3NF">
             <a:extLst>
               <a:ext uri="{FF2B5EF4-FFF2-40B4-BE49-F238E27FC236}">
-                <a16:creationId xmlns:a16="http://schemas.microsoft.com/office/drawing/2014/main" id="{6494CFC5-EC6E-6DDA-0D59-9355D2497573}"/>
+                <a16:creationId xmlns:a16="http://schemas.microsoft.com/office/drawing/2014/main" id="{B674C830-49AE-EF76-93B7-3FF6D5D90F6E}"/>
               </a:ext>
             </a:extLst>
           </p:cNvPr>
           <p:cNvPicPr>
-            <a:picLocks noChangeAspect="1"/>
+            <a:picLocks noChangeAspect="1" noChangeArrowheads="1"/>
           </p:cNvPicPr>
           <p:nvPr/>
         </p:nvPicPr>
         <p:blipFill>
-          <a:blip r:embed="rId4"/>
+          <a:blip r:embed="rId4">
+            <a:extLst>
+              <a:ext uri="{28A0092B-C50C-407E-A947-70E740481C1C}">
+                <a14:useLocalDpi xmlns:a14="http://schemas.microsoft.com/office/drawing/2010/main" val="0"/>
+              </a:ext>
+            </a:extLst>
+          </a:blip>
+          <a:srcRect/>
           <a:stretch>
             <a:fillRect/>
           </a:stretch>
         </p:blipFill>
-        <p:spPr>
-          <a:xfrm>
-            <a:off x="505208" y="1248535"/>
-            <a:ext cx="5814476" cy="2755652"/>
+        <p:spPr bwMode="auto">
+          <a:xfrm>
+            <a:off x="2119671" y="989475"/>
+            <a:ext cx="3882923" cy="4012973"/>
           </a:xfrm>
           <a:prstGeom prst="rect">
             <a:avLst/>
           </a:prstGeom>
+          <a:noFill/>
+          <a:extLst>
+            <a:ext uri="{909E8E84-426E-40DD-AFC4-6F175D3DCCD1}">
+              <a14:hiddenFill xmlns:a14="http://schemas.microsoft.com/office/drawing/2010/main">
+                <a:solidFill>
+                  <a:srgbClr val="FFFFFF"/>
+                </a:solidFill>
+              </a14:hiddenFill>
+            </a:ext>
+          </a:extLst>
         </p:spPr>
       </p:pic>
       <p:sp>
         <p:nvSpPr>
-          <p:cNvPr id="5" name="Google Shape;1240;p44">
+          <p:cNvPr id="12" name="Google Shape;1240;p44">
             <a:extLst>
               <a:ext uri="{FF2B5EF4-FFF2-40B4-BE49-F238E27FC236}">
-                <a16:creationId xmlns:a16="http://schemas.microsoft.com/office/drawing/2014/main" id="{3A2984AD-1487-42F5-A6D0-F159C0F87735}"/>
+                <a16:creationId xmlns:a16="http://schemas.microsoft.com/office/drawing/2014/main" id="{8BFA409E-BB07-20C2-0B04-91E456482A72}"/>
               </a:ext>
             </a:extLst>
           </p:cNvPr>
@@ -26846,8 +26308,8 @@
         </p:nvSpPr>
         <p:spPr>
           <a:xfrm>
-            <a:off x="505207" y="1248535"/>
-            <a:ext cx="5814475" cy="2755652"/>
+            <a:off x="2119671" y="989475"/>
+            <a:ext cx="3882923" cy="4012973"/>
           </a:xfrm>
           <a:prstGeom prst="roundRect">
             <a:avLst>
@@ -26887,7 +26349,7 @@
     </p:spTree>
     <p:extLst>
       <p:ext uri="{BB962C8B-B14F-4D97-AF65-F5344CB8AC3E}">
-        <p14:creationId xmlns:p14="http://schemas.microsoft.com/office/powerpoint/2010/main" val="2889548402"/>
+        <p14:creationId xmlns:p14="http://schemas.microsoft.com/office/powerpoint/2010/main" val="3634953045"/>
       </p:ext>
     </p:extLst>
   </p:cSld>
@@ -26950,7 +26412,7 @@
             </a:pPr>
             <a:r>
               <a:rPr lang="pt-PT" dirty="0"/>
-              <a:t>Esquema Relacional (C4)</a:t>
+              <a:t>Normalização (C3)</a:t>
             </a:r>
           </a:p>
         </p:txBody>
@@ -26985,42 +26447,299 @@
           </a:prstGeom>
         </p:spPr>
       </p:pic>
-      <p:pic>
-        <p:nvPicPr>
-          <p:cNvPr id="3" name="Imagem 2">
+      <p:sp>
+        <p:nvSpPr>
+          <p:cNvPr id="2" name="Google Shape;658;p31">
             <a:extLst>
               <a:ext uri="{FF2B5EF4-FFF2-40B4-BE49-F238E27FC236}">
-                <a16:creationId xmlns:a16="http://schemas.microsoft.com/office/drawing/2014/main" id="{44ACDDDE-AA23-72D5-786D-E61A7BF1AED5}"/>
+                <a16:creationId xmlns:a16="http://schemas.microsoft.com/office/drawing/2014/main" id="{810AC101-B848-D2C0-9F0D-E0799C0A8BB1}"/>
               </a:ext>
             </a:extLst>
           </p:cNvPr>
-          <p:cNvPicPr>
-            <a:picLocks noChangeAspect="1"/>
-          </p:cNvPicPr>
+          <p:cNvSpPr txBox="1">
+            <a:spLocks/>
+          </p:cNvSpPr>
           <p:nvPr/>
-        </p:nvPicPr>
-        <p:blipFill>
-          <a:blip r:embed="rId4"/>
-          <a:stretch>
-            <a:fillRect/>
-          </a:stretch>
-        </p:blipFill>
-        <p:spPr>
-          <a:xfrm>
-            <a:off x="505207" y="1248535"/>
-            <a:ext cx="6957478" cy="2755652"/>
+        </p:nvSpPr>
+        <p:spPr>
+          <a:xfrm>
+            <a:off x="819303" y="411675"/>
+            <a:ext cx="4727700" cy="577800"/>
           </a:xfrm>
           <a:prstGeom prst="rect">
             <a:avLst/>
           </a:prstGeom>
-        </p:spPr>
-      </p:pic>
-      <p:sp>
-        <p:nvSpPr>
-          <p:cNvPr id="5" name="Google Shape;1240;p44">
+          <a:noFill/>
+          <a:ln>
+            <a:noFill/>
+          </a:ln>
+        </p:spPr>
+        <p:txBody>
+          <a:bodyPr spcFirstLastPara="1" wrap="square" lIns="91425" tIns="91425" rIns="91425" bIns="91425" anchor="b" anchorCtr="0">
+            <a:noAutofit/>
+          </a:bodyPr>
+          <a:lstStyle>
+            <a:defPPr marR="0" lvl="0" algn="l" rtl="0">
+              <a:lnSpc>
+                <a:spcPct val="100000"/>
+              </a:lnSpc>
+              <a:spcBef>
+                <a:spcPts val="0"/>
+              </a:spcBef>
+              <a:spcAft>
+                <a:spcPts val="0"/>
+              </a:spcAft>
+            </a:defPPr>
+            <a:lvl1pPr marR="0" lvl="0" algn="l" rtl="0">
+              <a:lnSpc>
+                <a:spcPct val="100000"/>
+              </a:lnSpc>
+              <a:spcBef>
+                <a:spcPts val="0"/>
+              </a:spcBef>
+              <a:spcAft>
+                <a:spcPts val="0"/>
+              </a:spcAft>
+              <a:buClr>
+                <a:srgbClr val="000000"/>
+              </a:buClr>
+              <a:buSzPts val="3600"/>
+              <a:buFont typeface="Share Tech"/>
+              <a:buNone/>
+              <a:defRPr sz="3000" b="0" i="0" u="none" strike="noStrike" cap="none">
+                <a:solidFill>
+                  <a:schemeClr val="lt1"/>
+                </a:solidFill>
+                <a:latin typeface="Share Tech"/>
+                <a:ea typeface="Share Tech"/>
+                <a:cs typeface="Share Tech"/>
+                <a:sym typeface="Share Tech"/>
+              </a:defRPr>
+            </a:lvl1pPr>
+            <a:lvl2pPr marR="0" lvl="1" algn="ctr" rtl="0">
+              <a:lnSpc>
+                <a:spcPct val="100000"/>
+              </a:lnSpc>
+              <a:spcBef>
+                <a:spcPts val="0"/>
+              </a:spcBef>
+              <a:spcAft>
+                <a:spcPts val="0"/>
+              </a:spcAft>
+              <a:buClr>
+                <a:srgbClr val="D9D9D9"/>
+              </a:buClr>
+              <a:buSzPts val="1800"/>
+              <a:buFont typeface="Share Tech"/>
+              <a:buNone/>
+              <a:defRPr sz="1800" b="0" i="0" u="none" strike="noStrike" cap="none">
+                <a:solidFill>
+                  <a:srgbClr val="D9D9D9"/>
+                </a:solidFill>
+                <a:latin typeface="Share Tech"/>
+                <a:ea typeface="Share Tech"/>
+                <a:cs typeface="Share Tech"/>
+                <a:sym typeface="Share Tech"/>
+              </a:defRPr>
+            </a:lvl2pPr>
+            <a:lvl3pPr marR="0" lvl="2" algn="ctr" rtl="0">
+              <a:lnSpc>
+                <a:spcPct val="100000"/>
+              </a:lnSpc>
+              <a:spcBef>
+                <a:spcPts val="0"/>
+              </a:spcBef>
+              <a:spcAft>
+                <a:spcPts val="0"/>
+              </a:spcAft>
+              <a:buClr>
+                <a:srgbClr val="D9D9D9"/>
+              </a:buClr>
+              <a:buSzPts val="1800"/>
+              <a:buFont typeface="Share Tech"/>
+              <a:buNone/>
+              <a:defRPr sz="1800" b="0" i="0" u="none" strike="noStrike" cap="none">
+                <a:solidFill>
+                  <a:srgbClr val="D9D9D9"/>
+                </a:solidFill>
+                <a:latin typeface="Share Tech"/>
+                <a:ea typeface="Share Tech"/>
+                <a:cs typeface="Share Tech"/>
+                <a:sym typeface="Share Tech"/>
+              </a:defRPr>
+            </a:lvl3pPr>
+            <a:lvl4pPr marR="0" lvl="3" algn="ctr" rtl="0">
+              <a:lnSpc>
+                <a:spcPct val="100000"/>
+              </a:lnSpc>
+              <a:spcBef>
+                <a:spcPts val="0"/>
+              </a:spcBef>
+              <a:spcAft>
+                <a:spcPts val="0"/>
+              </a:spcAft>
+              <a:buClr>
+                <a:srgbClr val="D9D9D9"/>
+              </a:buClr>
+              <a:buSzPts val="1800"/>
+              <a:buFont typeface="Share Tech"/>
+              <a:buNone/>
+              <a:defRPr sz="1800" b="0" i="0" u="none" strike="noStrike" cap="none">
+                <a:solidFill>
+                  <a:srgbClr val="D9D9D9"/>
+                </a:solidFill>
+                <a:latin typeface="Share Tech"/>
+                <a:ea typeface="Share Tech"/>
+                <a:cs typeface="Share Tech"/>
+                <a:sym typeface="Share Tech"/>
+              </a:defRPr>
+            </a:lvl4pPr>
+            <a:lvl5pPr marR="0" lvl="4" algn="ctr" rtl="0">
+              <a:lnSpc>
+                <a:spcPct val="100000"/>
+              </a:lnSpc>
+              <a:spcBef>
+                <a:spcPts val="0"/>
+              </a:spcBef>
+              <a:spcAft>
+                <a:spcPts val="0"/>
+              </a:spcAft>
+              <a:buClr>
+                <a:srgbClr val="D9D9D9"/>
+              </a:buClr>
+              <a:buSzPts val="1800"/>
+              <a:buFont typeface="Share Tech"/>
+              <a:buNone/>
+              <a:defRPr sz="1800" b="0" i="0" u="none" strike="noStrike" cap="none">
+                <a:solidFill>
+                  <a:srgbClr val="D9D9D9"/>
+                </a:solidFill>
+                <a:latin typeface="Share Tech"/>
+                <a:ea typeface="Share Tech"/>
+                <a:cs typeface="Share Tech"/>
+                <a:sym typeface="Share Tech"/>
+              </a:defRPr>
+            </a:lvl5pPr>
+            <a:lvl6pPr marR="0" lvl="5" algn="ctr" rtl="0">
+              <a:lnSpc>
+                <a:spcPct val="100000"/>
+              </a:lnSpc>
+              <a:spcBef>
+                <a:spcPts val="0"/>
+              </a:spcBef>
+              <a:spcAft>
+                <a:spcPts val="0"/>
+              </a:spcAft>
+              <a:buClr>
+                <a:srgbClr val="D9D9D9"/>
+              </a:buClr>
+              <a:buSzPts val="1800"/>
+              <a:buFont typeface="Share Tech"/>
+              <a:buNone/>
+              <a:defRPr sz="1800" b="0" i="0" u="none" strike="noStrike" cap="none">
+                <a:solidFill>
+                  <a:srgbClr val="D9D9D9"/>
+                </a:solidFill>
+                <a:latin typeface="Share Tech"/>
+                <a:ea typeface="Share Tech"/>
+                <a:cs typeface="Share Tech"/>
+                <a:sym typeface="Share Tech"/>
+              </a:defRPr>
+            </a:lvl6pPr>
+            <a:lvl7pPr marR="0" lvl="6" algn="ctr" rtl="0">
+              <a:lnSpc>
+                <a:spcPct val="100000"/>
+              </a:lnSpc>
+              <a:spcBef>
+                <a:spcPts val="0"/>
+              </a:spcBef>
+              <a:spcAft>
+                <a:spcPts val="0"/>
+              </a:spcAft>
+              <a:buClr>
+                <a:srgbClr val="D9D9D9"/>
+              </a:buClr>
+              <a:buSzPts val="1800"/>
+              <a:buFont typeface="Share Tech"/>
+              <a:buNone/>
+              <a:defRPr sz="1800" b="0" i="0" u="none" strike="noStrike" cap="none">
+                <a:solidFill>
+                  <a:srgbClr val="D9D9D9"/>
+                </a:solidFill>
+                <a:latin typeface="Share Tech"/>
+                <a:ea typeface="Share Tech"/>
+                <a:cs typeface="Share Tech"/>
+                <a:sym typeface="Share Tech"/>
+              </a:defRPr>
+            </a:lvl7pPr>
+            <a:lvl8pPr marR="0" lvl="7" algn="ctr" rtl="0">
+              <a:lnSpc>
+                <a:spcPct val="100000"/>
+              </a:lnSpc>
+              <a:spcBef>
+                <a:spcPts val="0"/>
+              </a:spcBef>
+              <a:spcAft>
+                <a:spcPts val="0"/>
+              </a:spcAft>
+              <a:buClr>
+                <a:srgbClr val="D9D9D9"/>
+              </a:buClr>
+              <a:buSzPts val="1800"/>
+              <a:buFont typeface="Share Tech"/>
+              <a:buNone/>
+              <a:defRPr sz="1800" b="0" i="0" u="none" strike="noStrike" cap="none">
+                <a:solidFill>
+                  <a:srgbClr val="D9D9D9"/>
+                </a:solidFill>
+                <a:latin typeface="Share Tech"/>
+                <a:ea typeface="Share Tech"/>
+                <a:cs typeface="Share Tech"/>
+                <a:sym typeface="Share Tech"/>
+              </a:defRPr>
+            </a:lvl8pPr>
+            <a:lvl9pPr marR="0" lvl="8" algn="ctr" rtl="0">
+              <a:lnSpc>
+                <a:spcPct val="100000"/>
+              </a:lnSpc>
+              <a:spcBef>
+                <a:spcPts val="0"/>
+              </a:spcBef>
+              <a:spcAft>
+                <a:spcPts val="0"/>
+              </a:spcAft>
+              <a:buClr>
+                <a:srgbClr val="D9D9D9"/>
+              </a:buClr>
+              <a:buSzPts val="1800"/>
+              <a:buFont typeface="Share Tech"/>
+              <a:buNone/>
+              <a:defRPr sz="1800" b="0" i="0" u="none" strike="noStrike" cap="none">
+                <a:solidFill>
+                  <a:srgbClr val="D9D9D9"/>
+                </a:solidFill>
+                <a:latin typeface="Share Tech"/>
+                <a:ea typeface="Share Tech"/>
+                <a:cs typeface="Share Tech"/>
+                <a:sym typeface="Share Tech"/>
+              </a:defRPr>
+            </a:lvl9pPr>
+          </a:lstStyle>
+          <a:p>
+            <a:r>
+              <a:rPr lang="pt-PT"/>
+              <a:t>Normalização (C3)</a:t>
+            </a:r>
+            <a:endParaRPr lang="pt-PT" dirty="0"/>
+          </a:p>
+        </p:txBody>
+      </p:sp>
+      <p:sp>
+        <p:nvSpPr>
+          <p:cNvPr id="3" name="Google Shape;1240;p44">
             <a:extLst>
               <a:ext uri="{FF2B5EF4-FFF2-40B4-BE49-F238E27FC236}">
-                <a16:creationId xmlns:a16="http://schemas.microsoft.com/office/drawing/2014/main" id="{3A2984AD-1487-42F5-A6D0-F159C0F87735}"/>
+                <a16:creationId xmlns:a16="http://schemas.microsoft.com/office/drawing/2014/main" id="{9C0DF139-F2D0-9BE7-5F44-66A3E4FFA741}"/>
               </a:ext>
             </a:extLst>
           </p:cNvPr>
@@ -27029,18 +26748,18 @@
         </p:nvSpPr>
         <p:spPr>
           <a:xfrm>
-            <a:off x="505207" y="1248535"/>
-            <a:ext cx="6957478" cy="2755652"/>
+            <a:off x="380443" y="1482969"/>
+            <a:ext cx="6374101" cy="1732180"/>
           </a:xfrm>
           <a:prstGeom prst="roundRect">
             <a:avLst>
-              <a:gd name="adj" fmla="val 0"/>
+              <a:gd name="adj" fmla="val 16667"/>
             </a:avLst>
           </a:prstGeom>
           <a:noFill/>
           <a:ln w="19050" cap="flat" cmpd="sng">
             <a:solidFill>
-              <a:schemeClr val="accent2"/>
+              <a:schemeClr val="accent1"/>
             </a:solidFill>
             <a:prstDash val="solid"/>
             <a:round/>
@@ -27067,10 +26786,287 @@
           </a:p>
         </p:txBody>
       </p:sp>
+      <p:sp>
+        <p:nvSpPr>
+          <p:cNvPr id="5" name="Google Shape;1241;p44">
+            <a:extLst>
+              <a:ext uri="{FF2B5EF4-FFF2-40B4-BE49-F238E27FC236}">
+                <a16:creationId xmlns:a16="http://schemas.microsoft.com/office/drawing/2014/main" id="{8B761DD9-4D42-034C-8E59-ADF12855743C}"/>
+              </a:ext>
+            </a:extLst>
+          </p:cNvPr>
+          <p:cNvSpPr/>
+          <p:nvPr/>
+        </p:nvSpPr>
+        <p:spPr>
+          <a:xfrm>
+            <a:off x="505767" y="1591243"/>
+            <a:ext cx="6120385" cy="1491170"/>
+          </a:xfrm>
+          <a:prstGeom prst="roundRect">
+            <a:avLst>
+              <a:gd name="adj" fmla="val 16667"/>
+            </a:avLst>
+          </a:prstGeom>
+          <a:noFill/>
+          <a:ln w="9525" cap="flat" cmpd="sng">
+            <a:solidFill>
+              <a:schemeClr val="lt2"/>
+            </a:solidFill>
+            <a:prstDash val="solid"/>
+            <a:round/>
+            <a:headEnd type="none" w="sm" len="sm"/>
+            <a:tailEnd type="none" w="sm" len="sm"/>
+          </a:ln>
+        </p:spPr>
+        <p:txBody>
+          <a:bodyPr spcFirstLastPara="1" wrap="square" lIns="91425" tIns="91425" rIns="91425" bIns="91425" anchor="ctr" anchorCtr="0">
+            <a:noAutofit/>
+          </a:bodyPr>
+          <a:lstStyle/>
+          <a:p>
+            <a:pPr marL="0" lvl="0" indent="0" algn="l" rtl="0">
+              <a:spcBef>
+                <a:spcPts val="0"/>
+              </a:spcBef>
+              <a:spcAft>
+                <a:spcPts val="0"/>
+              </a:spcAft>
+              <a:buNone/>
+            </a:pPr>
+            <a:endParaRPr/>
+          </a:p>
+        </p:txBody>
+      </p:sp>
+      <p:sp>
+        <p:nvSpPr>
+          <p:cNvPr id="6" name="CaixaDeTexto 5">
+            <a:extLst>
+              <a:ext uri="{FF2B5EF4-FFF2-40B4-BE49-F238E27FC236}">
+                <a16:creationId xmlns:a16="http://schemas.microsoft.com/office/drawing/2014/main" id="{E3505EAB-A221-F853-43F1-2AD45F31DE5D}"/>
+              </a:ext>
+            </a:extLst>
+          </p:cNvPr>
+          <p:cNvSpPr txBox="1"/>
+          <p:nvPr/>
+        </p:nvSpPr>
+        <p:spPr>
+          <a:xfrm>
+            <a:off x="602993" y="1623200"/>
+            <a:ext cx="6148483" cy="1384995"/>
+          </a:xfrm>
+          <a:prstGeom prst="rect">
+            <a:avLst/>
+          </a:prstGeom>
+          <a:noFill/>
+        </p:spPr>
+        <p:txBody>
+          <a:bodyPr wrap="square">
+            <a:spAutoFit/>
+          </a:bodyPr>
+          <a:lstStyle/>
+          <a:p>
+            <a:r>
+              <a:rPr lang="pt-PT" b="1" dirty="0">
+                <a:solidFill>
+                  <a:schemeClr val="bg1"/>
+                </a:solidFill>
+                <a:latin typeface="Maven Pro" panose="020B0604020202020204" charset="0"/>
+              </a:rPr>
+              <a:t>Forma Normal de Boyce-Codd (BCNF)</a:t>
+            </a:r>
+          </a:p>
+          <a:p>
+            <a:r>
+              <a:rPr lang="pt-PT" dirty="0">
+                <a:solidFill>
+                  <a:schemeClr val="bg1"/>
+                </a:solidFill>
+                <a:latin typeface="Maven Pro" panose="020B0604020202020204" charset="0"/>
+              </a:rPr>
+              <a:t>A BCNF garante que todas as dependências funcionais são determinadas pela chave primária apenas.</a:t>
+            </a:r>
+          </a:p>
+          <a:p>
+            <a:endParaRPr lang="pt-PT" dirty="0">
+              <a:solidFill>
+                <a:schemeClr val="bg1"/>
+              </a:solidFill>
+              <a:latin typeface="Maven Pro" panose="020B0604020202020204" charset="0"/>
+            </a:endParaRPr>
+          </a:p>
+          <a:p>
+            <a:r>
+              <a:rPr lang="pt-PT" dirty="0">
+                <a:solidFill>
+                  <a:schemeClr val="bg1"/>
+                </a:solidFill>
+                <a:latin typeface="Maven Pro" panose="020B0604020202020204" charset="0"/>
+              </a:rPr>
+              <a:t>No modelo atual, todas as dependências são determinadas pelas chaves primárias de cada tabela estando portanto na BCNF.</a:t>
+            </a:r>
+          </a:p>
+        </p:txBody>
+      </p:sp>
+      <p:sp>
+        <p:nvSpPr>
+          <p:cNvPr id="7" name="CaixaDeTexto 6">
+            <a:extLst>
+              <a:ext uri="{FF2B5EF4-FFF2-40B4-BE49-F238E27FC236}">
+                <a16:creationId xmlns:a16="http://schemas.microsoft.com/office/drawing/2014/main" id="{4437CAA7-7818-AC20-75A2-121D4F88D548}"/>
+              </a:ext>
+            </a:extLst>
+          </p:cNvPr>
+          <p:cNvSpPr txBox="1"/>
+          <p:nvPr/>
+        </p:nvSpPr>
+        <p:spPr>
+          <a:xfrm>
+            <a:off x="1082589" y="3590183"/>
+            <a:ext cx="4642054" cy="738664"/>
+          </a:xfrm>
+          <a:prstGeom prst="rect">
+            <a:avLst/>
+          </a:prstGeom>
+          <a:noFill/>
+        </p:spPr>
+        <p:txBody>
+          <a:bodyPr wrap="square">
+            <a:spAutoFit/>
+          </a:bodyPr>
+          <a:lstStyle/>
+          <a:p>
+            <a:r>
+              <a:rPr lang="pt-PT" b="1" dirty="0">
+                <a:solidFill>
+                  <a:schemeClr val="bg1"/>
+                </a:solidFill>
+                <a:latin typeface="Maven Pro" panose="020B0604020202020204" charset="0"/>
+              </a:rPr>
+              <a:t>4ª Forma Normal (4NF)</a:t>
+            </a:r>
+          </a:p>
+          <a:p>
+            <a:r>
+              <a:rPr lang="pt-PT" dirty="0">
+                <a:solidFill>
+                  <a:schemeClr val="bg1"/>
+                </a:solidFill>
+                <a:latin typeface="Maven Pro" panose="020B0604020202020204" charset="0"/>
+              </a:rPr>
+              <a:t>Uma vez que não existem dependências de multivalor, verificamos que está na 4NF</a:t>
+            </a:r>
+          </a:p>
+        </p:txBody>
+      </p:sp>
+      <p:sp>
+        <p:nvSpPr>
+          <p:cNvPr id="8" name="Google Shape;1240;p44">
+            <a:extLst>
+              <a:ext uri="{FF2B5EF4-FFF2-40B4-BE49-F238E27FC236}">
+                <a16:creationId xmlns:a16="http://schemas.microsoft.com/office/drawing/2014/main" id="{08FD7547-ACDE-3742-6573-65405AFF2D27}"/>
+              </a:ext>
+            </a:extLst>
+          </p:cNvPr>
+          <p:cNvSpPr/>
+          <p:nvPr/>
+        </p:nvSpPr>
+        <p:spPr>
+          <a:xfrm>
+            <a:off x="878418" y="3395117"/>
+            <a:ext cx="5083197" cy="1079320"/>
+          </a:xfrm>
+          <a:prstGeom prst="roundRect">
+            <a:avLst>
+              <a:gd name="adj" fmla="val 16667"/>
+            </a:avLst>
+          </a:prstGeom>
+          <a:noFill/>
+          <a:ln w="19050" cap="flat" cmpd="sng">
+            <a:solidFill>
+              <a:schemeClr val="accent1"/>
+            </a:solidFill>
+            <a:prstDash val="solid"/>
+            <a:round/>
+            <a:headEnd type="none" w="sm" len="sm"/>
+            <a:tailEnd type="none" w="sm" len="sm"/>
+          </a:ln>
+        </p:spPr>
+        <p:txBody>
+          <a:bodyPr spcFirstLastPara="1" wrap="square" lIns="91425" tIns="91425" rIns="91425" bIns="91425" anchor="ctr" anchorCtr="0">
+            <a:noAutofit/>
+          </a:bodyPr>
+          <a:lstStyle/>
+          <a:p>
+            <a:pPr marL="0" lvl="0" indent="0" algn="l" rtl="0">
+              <a:spcBef>
+                <a:spcPts val="0"/>
+              </a:spcBef>
+              <a:spcAft>
+                <a:spcPts val="0"/>
+              </a:spcAft>
+              <a:buNone/>
+            </a:pPr>
+            <a:endParaRPr/>
+          </a:p>
+        </p:txBody>
+      </p:sp>
+      <p:sp>
+        <p:nvSpPr>
+          <p:cNvPr id="9" name="Google Shape;1241;p44">
+            <a:extLst>
+              <a:ext uri="{FF2B5EF4-FFF2-40B4-BE49-F238E27FC236}">
+                <a16:creationId xmlns:a16="http://schemas.microsoft.com/office/drawing/2014/main" id="{8391A3D9-D28B-F0BD-3F86-4869FEF62450}"/>
+              </a:ext>
+            </a:extLst>
+          </p:cNvPr>
+          <p:cNvSpPr/>
+          <p:nvPr/>
+        </p:nvSpPr>
+        <p:spPr>
+          <a:xfrm>
+            <a:off x="1003742" y="3503391"/>
+            <a:ext cx="4799748" cy="889930"/>
+          </a:xfrm>
+          <a:prstGeom prst="roundRect">
+            <a:avLst>
+              <a:gd name="adj" fmla="val 16667"/>
+            </a:avLst>
+          </a:prstGeom>
+          <a:noFill/>
+          <a:ln w="9525" cap="flat" cmpd="sng">
+            <a:solidFill>
+              <a:schemeClr val="lt2"/>
+            </a:solidFill>
+            <a:prstDash val="solid"/>
+            <a:round/>
+            <a:headEnd type="none" w="sm" len="sm"/>
+            <a:tailEnd type="none" w="sm" len="sm"/>
+          </a:ln>
+        </p:spPr>
+        <p:txBody>
+          <a:bodyPr spcFirstLastPara="1" wrap="square" lIns="91425" tIns="91425" rIns="91425" bIns="91425" anchor="ctr" anchorCtr="0">
+            <a:noAutofit/>
+          </a:bodyPr>
+          <a:lstStyle/>
+          <a:p>
+            <a:pPr marL="0" lvl="0" indent="0" algn="l" rtl="0">
+              <a:spcBef>
+                <a:spcPts val="0"/>
+              </a:spcBef>
+              <a:spcAft>
+                <a:spcPts val="0"/>
+              </a:spcAft>
+              <a:buNone/>
+            </a:pPr>
+            <a:endParaRPr/>
+          </a:p>
+        </p:txBody>
+      </p:sp>
     </p:spTree>
     <p:extLst>
       <p:ext uri="{BB962C8B-B14F-4D97-AF65-F5344CB8AC3E}">
-        <p14:creationId xmlns:p14="http://schemas.microsoft.com/office/powerpoint/2010/main" val="895173587"/>
+        <p14:creationId xmlns:p14="http://schemas.microsoft.com/office/powerpoint/2010/main" val="2422376508"/>
       </p:ext>
     </p:extLst>
   </p:cSld>
